--- a/Presentation1.pptx
+++ b/Presentation1.pptx
@@ -3543,6 +3543,18 @@
   <p:clrMapOvr>
     <a:masterClrMapping/>
   </p:clrMapOvr>
+  <mc:AlternateContent xmlns:mc="http://schemas.openxmlformats.org/markup-compatibility/2006">
+    <mc:Choice xmlns:p15="http://schemas.microsoft.com/office/powerpoint/2012/main" Requires="p15">
+      <p:transition xmlns:p14="http://schemas.microsoft.com/office/powerpoint/2010/main" spd="slow" p14:dur="2000">
+        <p15:prstTrans prst="fracture"/>
+      </p:transition>
+    </mc:Choice>
+    <mc:Fallback>
+      <p:transition spd="slow">
+        <p:fade/>
+      </p:transition>
+    </mc:Fallback>
+  </mc:AlternateContent>
 </p:sld>
 </file>
 
@@ -3634,6 +3646,18 @@
   <p:clrMapOvr>
     <a:masterClrMapping/>
   </p:clrMapOvr>
+  <mc:AlternateContent xmlns:mc="http://schemas.openxmlformats.org/markup-compatibility/2006">
+    <mc:Choice xmlns:p15="http://schemas.microsoft.com/office/powerpoint/2012/main" Requires="p15">
+      <p:transition xmlns:p14="http://schemas.microsoft.com/office/powerpoint/2010/main" spd="slow" p14:dur="6000">
+        <p15:prstTrans prst="curtains"/>
+      </p:transition>
+    </mc:Choice>
+    <mc:Fallback>
+      <p:transition spd="slow">
+        <p:fade/>
+      </p:transition>
+    </mc:Fallback>
+  </mc:AlternateContent>
 </p:sld>
 </file>
 
@@ -3759,6 +3783,18 @@
   <p:clrMapOvr>
     <a:masterClrMapping/>
   </p:clrMapOvr>
+  <mc:AlternateContent xmlns:mc="http://schemas.openxmlformats.org/markup-compatibility/2006">
+    <mc:Choice xmlns:p14="http://schemas.microsoft.com/office/powerpoint/2010/main" Requires="p14">
+      <p:transition spd="slow" p14:dur="4000">
+        <p14:vortex dir="r"/>
+      </p:transition>
+    </mc:Choice>
+    <mc:Fallback>
+      <p:transition spd="slow">
+        <p:fade/>
+      </p:transition>
+    </mc:Fallback>
+  </mc:AlternateContent>
 </p:sld>
 </file>
 
@@ -3857,6 +3893,18 @@
   <p:clrMapOvr>
     <a:masterClrMapping/>
   </p:clrMapOvr>
+  <mc:AlternateContent xmlns:mc="http://schemas.openxmlformats.org/markup-compatibility/2006">
+    <mc:Choice xmlns:p15="http://schemas.microsoft.com/office/powerpoint/2012/main" Requires="p15">
+      <p:transition xmlns:p14="http://schemas.microsoft.com/office/powerpoint/2010/main" spd="slow" p14:dur="1250">
+        <p15:prstTrans prst="airplane"/>
+      </p:transition>
+    </mc:Choice>
+    <mc:Fallback>
+      <p:transition spd="slow">
+        <p:fade/>
+      </p:transition>
+    </mc:Fallback>
+  </mc:AlternateContent>
 </p:sld>
 </file>
 
@@ -3947,19 +3995,15 @@
           <a:p>
             <a:r>
               <a:rPr lang="en-US" dirty="0"/>
-              <a:t>The real game was the friends we made along </a:t>
-            </a:r>
-            <a:r>
-              <a:rPr lang="en-US"/>
-              <a:t>the way </a:t>
-            </a:r>
-            <a:r>
-              <a:rPr lang="en-US">
+              <a:t>The real game was the friends we made along the way </a:t>
+            </a:r>
+            <a:r>
+              <a:rPr lang="en-US" dirty="0">
                 <a:sym typeface="Wingdings" pitchFamily="2" charset="2"/>
               </a:rPr>
               <a:t></a:t>
             </a:r>
-            <a:endParaRPr lang="en-US"/>
+            <a:endParaRPr lang="en-US" dirty="0"/>
           </a:p>
         </p:txBody>
       </p:sp>
@@ -3973,6 +4017,18 @@
   <p:clrMapOvr>
     <a:masterClrMapping/>
   </p:clrMapOvr>
+  <mc:AlternateContent xmlns:mc="http://schemas.openxmlformats.org/markup-compatibility/2006">
+    <mc:Choice xmlns:p14="http://schemas.microsoft.com/office/powerpoint/2010/main" Requires="p14">
+      <p:transition spd="slow" p14:dur="3000">
+        <p14:shred/>
+      </p:transition>
+    </mc:Choice>
+    <mc:Fallback>
+      <p:transition spd="slow">
+        <p:fade/>
+      </p:transition>
+    </mc:Fallback>
+  </mc:AlternateContent>
 </p:sld>
 </file>
 

--- a/Presentation1.pptx
+++ b/Presentation1.pptx
@@ -2,15 +2,22 @@
 <file path=ppt/presentation.xml><?xml version="1.0" encoding="utf-8"?>
 <p:presentation xmlns:a="http://schemas.openxmlformats.org/drawingml/2006/main" xmlns:r="http://schemas.openxmlformats.org/officeDocument/2006/relationships" xmlns:p="http://schemas.openxmlformats.org/presentationml/2006/main" saveSubsetFonts="1" autoCompressPictures="0">
   <p:sldMasterIdLst>
-    <p:sldMasterId id="2147483648" r:id="rId1"/>
+    <p:sldMasterId id="2147483672" r:id="rId1"/>
   </p:sldMasterIdLst>
   <p:sldIdLst>
     <p:sldId id="256" r:id="rId2"/>
     <p:sldId id="257" r:id="rId3"/>
-    <p:sldId id="258" r:id="rId4"/>
-    <p:sldId id="259" r:id="rId5"/>
-    <p:sldId id="260" r:id="rId6"/>
-    <p:sldId id="261" r:id="rId7"/>
+    <p:sldId id="262" r:id="rId4"/>
+    <p:sldId id="258" r:id="rId5"/>
+    <p:sldId id="259" r:id="rId6"/>
+    <p:sldId id="263" r:id="rId7"/>
+    <p:sldId id="264" r:id="rId8"/>
+    <p:sldId id="260" r:id="rId9"/>
+    <p:sldId id="265" r:id="rId10"/>
+    <p:sldId id="266" r:id="rId11"/>
+    <p:sldId id="267" r:id="rId12"/>
+    <p:sldId id="268" r:id="rId13"/>
+    <p:sldId id="269" r:id="rId14"/>
   </p:sldIdLst>
   <p:sldSz cx="12192000" cy="6858000"/>
   <p:notesSz cx="6858000" cy="9144000"/>
@@ -18,7 +25,7 @@
     <a:defPPr>
       <a:defRPr lang="en-US"/>
     </a:defPPr>
-    <a:lvl1pPr marL="0" algn="l" defTabSz="914400" rtl="0" eaLnBrk="1" latinLnBrk="0" hangingPunct="1">
+    <a:lvl1pPr marL="0" algn="l" defTabSz="457200" rtl="0" eaLnBrk="1" latinLnBrk="0" hangingPunct="1">
       <a:defRPr sz="1800" kern="1200">
         <a:solidFill>
           <a:schemeClr val="tx1"/>
@@ -28,7 +35,7 @@
         <a:cs typeface="+mn-cs"/>
       </a:defRPr>
     </a:lvl1pPr>
-    <a:lvl2pPr marL="457200" algn="l" defTabSz="914400" rtl="0" eaLnBrk="1" latinLnBrk="0" hangingPunct="1">
+    <a:lvl2pPr marL="457200" algn="l" defTabSz="457200" rtl="0" eaLnBrk="1" latinLnBrk="0" hangingPunct="1">
       <a:defRPr sz="1800" kern="1200">
         <a:solidFill>
           <a:schemeClr val="tx1"/>
@@ -38,7 +45,7 @@
         <a:cs typeface="+mn-cs"/>
       </a:defRPr>
     </a:lvl2pPr>
-    <a:lvl3pPr marL="914400" algn="l" defTabSz="914400" rtl="0" eaLnBrk="1" latinLnBrk="0" hangingPunct="1">
+    <a:lvl3pPr marL="914400" algn="l" defTabSz="457200" rtl="0" eaLnBrk="1" latinLnBrk="0" hangingPunct="1">
       <a:defRPr sz="1800" kern="1200">
         <a:solidFill>
           <a:schemeClr val="tx1"/>
@@ -48,7 +55,7 @@
         <a:cs typeface="+mn-cs"/>
       </a:defRPr>
     </a:lvl3pPr>
-    <a:lvl4pPr marL="1371600" algn="l" defTabSz="914400" rtl="0" eaLnBrk="1" latinLnBrk="0" hangingPunct="1">
+    <a:lvl4pPr marL="1371600" algn="l" defTabSz="457200" rtl="0" eaLnBrk="1" latinLnBrk="0" hangingPunct="1">
       <a:defRPr sz="1800" kern="1200">
         <a:solidFill>
           <a:schemeClr val="tx1"/>
@@ -58,7 +65,7 @@
         <a:cs typeface="+mn-cs"/>
       </a:defRPr>
     </a:lvl4pPr>
-    <a:lvl5pPr marL="1828800" algn="l" defTabSz="914400" rtl="0" eaLnBrk="1" latinLnBrk="0" hangingPunct="1">
+    <a:lvl5pPr marL="1828800" algn="l" defTabSz="457200" rtl="0" eaLnBrk="1" latinLnBrk="0" hangingPunct="1">
       <a:defRPr sz="1800" kern="1200">
         <a:solidFill>
           <a:schemeClr val="tx1"/>
@@ -68,7 +75,7 @@
         <a:cs typeface="+mn-cs"/>
       </a:defRPr>
     </a:lvl5pPr>
-    <a:lvl6pPr marL="2286000" algn="l" defTabSz="914400" rtl="0" eaLnBrk="1" latinLnBrk="0" hangingPunct="1">
+    <a:lvl6pPr marL="2286000" algn="l" defTabSz="457200" rtl="0" eaLnBrk="1" latinLnBrk="0" hangingPunct="1">
       <a:defRPr sz="1800" kern="1200">
         <a:solidFill>
           <a:schemeClr val="tx1"/>
@@ -78,7 +85,7 @@
         <a:cs typeface="+mn-cs"/>
       </a:defRPr>
     </a:lvl6pPr>
-    <a:lvl7pPr marL="2743200" algn="l" defTabSz="914400" rtl="0" eaLnBrk="1" latinLnBrk="0" hangingPunct="1">
+    <a:lvl7pPr marL="2743200" algn="l" defTabSz="457200" rtl="0" eaLnBrk="1" latinLnBrk="0" hangingPunct="1">
       <a:defRPr sz="1800" kern="1200">
         <a:solidFill>
           <a:schemeClr val="tx1"/>
@@ -88,7 +95,7 @@
         <a:cs typeface="+mn-cs"/>
       </a:defRPr>
     </a:lvl7pPr>
-    <a:lvl8pPr marL="3200400" algn="l" defTabSz="914400" rtl="0" eaLnBrk="1" latinLnBrk="0" hangingPunct="1">
+    <a:lvl8pPr marL="3200400" algn="l" defTabSz="457200" rtl="0" eaLnBrk="1" latinLnBrk="0" hangingPunct="1">
       <a:defRPr sz="1800" kern="1200">
         <a:solidFill>
           <a:schemeClr val="tx1"/>
@@ -98,7 +105,7 @@
         <a:cs typeface="+mn-cs"/>
       </a:defRPr>
     </a:lvl8pPr>
-    <a:lvl9pPr marL="3657600" algn="l" defTabSz="914400" rtl="0" eaLnBrk="1" latinLnBrk="0" hangingPunct="1">
+    <a:lvl9pPr marL="3657600" algn="l" defTabSz="457200" rtl="0" eaLnBrk="1" latinLnBrk="0" hangingPunct="1">
       <a:defRPr sz="1800" kern="1200">
         <a:solidFill>
           <a:schemeClr val="tx1"/>
@@ -109,6 +116,11 @@
       </a:defRPr>
     </a:lvl9pPr>
   </p:defaultTextStyle>
+  <p:extLst>
+    <p:ext uri="{EFAFB233-063F-42B5-8137-9DF3F51BA10A}">
+      <p15:sldGuideLst xmlns:p15="http://schemas.microsoft.com/office/powerpoint/2012/main"/>
+    </p:ext>
+  </p:extLst>
 </p:presentation>
 </file>
 
@@ -131,30 +143,104 @@
       </p:grpSpPr>
       <p:sp>
         <p:nvSpPr>
-          <p:cNvPr id="2" name="Title 1">
-            <a:extLst>
-              <a:ext uri="{FF2B5EF4-FFF2-40B4-BE49-F238E27FC236}">
-                <a16:creationId xmlns:a16="http://schemas.microsoft.com/office/drawing/2014/main" id="{C72B6129-6AA4-E144-914C-AE3E89B98F89}"/>
-              </a:ext>
-            </a:extLst>
-          </p:cNvPr>
-          <p:cNvSpPr>
-            <a:spLocks noGrp="1"/>
-          </p:cNvSpPr>
-          <p:nvPr>
-            <p:ph type="ctrTitle"/>
-          </p:nvPr>
+          <p:cNvPr id="7" name="Rectangle 6"/>
+          <p:cNvSpPr/>
+          <p:nvPr/>
         </p:nvSpPr>
         <p:spPr>
           <a:xfrm>
-            <a:off x="1524000" y="1122363"/>
-            <a:ext cx="9144000" cy="2387600"/>
+            <a:off x="1007533" y="0"/>
+            <a:ext cx="7934348" cy="6858000"/>
+          </a:xfrm>
+          <a:prstGeom prst="rect">
+            <a:avLst/>
+          </a:prstGeom>
+          <a:solidFill>
+            <a:schemeClr val="bg2">
+              <a:alpha val="92000"/>
+            </a:schemeClr>
+          </a:solidFill>
+          <a:ln>
+            <a:noFill/>
+          </a:ln>
+        </p:spPr>
+        <p:style>
+          <a:lnRef idx="2">
+            <a:schemeClr val="accent1">
+              <a:shade val="50000"/>
+            </a:schemeClr>
+          </a:lnRef>
+          <a:fillRef idx="1">
+            <a:schemeClr val="accent1"/>
+          </a:fillRef>
+          <a:effectRef idx="0">
+            <a:schemeClr val="accent1"/>
+          </a:effectRef>
+          <a:fontRef idx="minor">
+            <a:schemeClr val="lt1"/>
+          </a:fontRef>
+        </p:style>
+      </p:sp>
+      <p:sp>
+        <p:nvSpPr>
+          <p:cNvPr id="8" name="Rectangle 7"/>
+          <p:cNvSpPr/>
+          <p:nvPr/>
+        </p:nvSpPr>
+        <p:spPr>
+          <a:xfrm>
+            <a:off x="8941881" y="0"/>
+            <a:ext cx="27432" cy="6858000"/>
+          </a:xfrm>
+          <a:prstGeom prst="rect">
+            <a:avLst/>
+          </a:prstGeom>
+          <a:solidFill>
+            <a:schemeClr val="accent6"/>
+          </a:solidFill>
+          <a:ln>
+            <a:noFill/>
+          </a:ln>
+        </p:spPr>
+        <p:style>
+          <a:lnRef idx="2">
+            <a:schemeClr val="accent1">
+              <a:shade val="50000"/>
+            </a:schemeClr>
+          </a:lnRef>
+          <a:fillRef idx="1">
+            <a:schemeClr val="accent1"/>
+          </a:fillRef>
+          <a:effectRef idx="0">
+            <a:schemeClr val="accent1"/>
+          </a:effectRef>
+          <a:fontRef idx="minor">
+            <a:schemeClr val="lt1"/>
+          </a:fontRef>
+        </p:style>
+      </p:sp>
+      <p:sp>
+        <p:nvSpPr>
+          <p:cNvPr id="2" name="Title 1"/>
+          <p:cNvSpPr>
+            <a:spLocks noGrp="1"/>
+          </p:cNvSpPr>
+          <p:nvPr>
+            <p:ph type="ctrTitle"/>
+          </p:nvPr>
+        </p:nvSpPr>
+        <p:spPr>
+          <a:xfrm>
+            <a:off x="2611808" y="3428998"/>
+            <a:ext cx="5518066" cy="2268559"/>
           </a:xfrm>
         </p:spPr>
         <p:txBody>
-          <a:bodyPr anchor="b"/>
+          <a:bodyPr anchor="t">
+            <a:normAutofit/>
+          </a:bodyPr>
           <a:lstStyle>
-            <a:lvl1pPr algn="ctr">
+            <a:lvl1pPr algn="r">
               <a:defRPr sz="6000"/>
             </a:lvl1pPr>
           </a:lstStyle>
@@ -163,18 +249,13 @@
               <a:rPr lang="en-US"/>
               <a:t>Click to edit Master title style</a:t>
             </a:r>
-          </a:p>
-        </p:txBody>
-      </p:sp>
-      <p:sp>
-        <p:nvSpPr>
-          <p:cNvPr id="3" name="Subtitle 2">
-            <a:extLst>
-              <a:ext uri="{FF2B5EF4-FFF2-40B4-BE49-F238E27FC236}">
-                <a16:creationId xmlns:a16="http://schemas.microsoft.com/office/drawing/2014/main" id="{40DA0DB8-B1B1-B846-84D6-BA385C38CFBB}"/>
-              </a:ext>
-            </a:extLst>
-          </p:cNvPr>
+            <a:endParaRPr lang="en-US" dirty="0"/>
+          </a:p>
+        </p:txBody>
+      </p:sp>
+      <p:sp>
+        <p:nvSpPr>
+          <p:cNvPr id="3" name="Subtitle 2"/>
           <p:cNvSpPr>
             <a:spLocks noGrp="1"/>
           </p:cNvSpPr>
@@ -184,20 +265,26 @@
         </p:nvSpPr>
         <p:spPr>
           <a:xfrm>
-            <a:off x="1524000" y="3602038"/>
-            <a:ext cx="9144000" cy="1655762"/>
+            <a:off x="2772274" y="2268786"/>
+            <a:ext cx="5357600" cy="1160213"/>
           </a:xfrm>
         </p:spPr>
         <p:txBody>
-          <a:bodyPr/>
+          <a:bodyPr tIns="0" anchor="b">
+            <a:normAutofit/>
+          </a:bodyPr>
           <a:lstStyle>
-            <a:lvl1pPr marL="0" indent="0" algn="ctr">
+            <a:lvl1pPr marL="0" indent="0" algn="r">
               <a:buNone/>
-              <a:defRPr sz="2400"/>
+              <a:defRPr sz="1800" b="0">
+                <a:solidFill>
+                  <a:schemeClr val="tx1"/>
+                </a:solidFill>
+              </a:defRPr>
             </a:lvl1pPr>
             <a:lvl2pPr marL="457200" indent="0" algn="ctr">
               <a:buNone/>
-              <a:defRPr sz="2000"/>
+              <a:defRPr sz="1800"/>
             </a:lvl2pPr>
             <a:lvl3pPr marL="914400" indent="0" algn="ctr">
               <a:buNone/>
@@ -233,18 +320,13 @@
               <a:rPr lang="en-US"/>
               <a:t>Click to edit Master subtitle style</a:t>
             </a:r>
-          </a:p>
-        </p:txBody>
-      </p:sp>
-      <p:sp>
-        <p:nvSpPr>
-          <p:cNvPr id="4" name="Date Placeholder 3">
-            <a:extLst>
-              <a:ext uri="{FF2B5EF4-FFF2-40B4-BE49-F238E27FC236}">
-                <a16:creationId xmlns:a16="http://schemas.microsoft.com/office/drawing/2014/main" id="{A8D82154-81B4-0249-88AB-14D4FC3B3BA2}"/>
-              </a:ext>
-            </a:extLst>
-          </p:cNvPr>
+            <a:endParaRPr lang="en-US" dirty="0"/>
+          </a:p>
+        </p:txBody>
+      </p:sp>
+      <p:sp>
+        <p:nvSpPr>
+          <p:cNvPr id="4" name="Date Placeholder 3"/>
           <p:cNvSpPr>
             <a:spLocks noGrp="1"/>
           </p:cNvSpPr>
@@ -267,13 +349,7 @@
       </p:sp>
       <p:sp>
         <p:nvSpPr>
-          <p:cNvPr id="5" name="Footer Placeholder 4">
-            <a:extLst>
-              <a:ext uri="{FF2B5EF4-FFF2-40B4-BE49-F238E27FC236}">
-                <a16:creationId xmlns:a16="http://schemas.microsoft.com/office/drawing/2014/main" id="{136188A0-3576-2142-8777-6F3F00AAACA9}"/>
-              </a:ext>
-            </a:extLst>
-          </p:cNvPr>
+          <p:cNvPr id="5" name="Footer Placeholder 4"/>
           <p:cNvSpPr>
             <a:spLocks noGrp="1"/>
           </p:cNvSpPr>
@@ -292,13 +368,7 @@
       </p:sp>
       <p:sp>
         <p:nvSpPr>
-          <p:cNvPr id="6" name="Slide Number Placeholder 5">
-            <a:extLst>
-              <a:ext uri="{FF2B5EF4-FFF2-40B4-BE49-F238E27FC236}">
-                <a16:creationId xmlns:a16="http://schemas.microsoft.com/office/drawing/2014/main" id="{1EFE29BA-1298-EF4A-AC4C-FDFA97F72A86}"/>
-              </a:ext>
-            </a:extLst>
-          </p:cNvPr>
+          <p:cNvPr id="6" name="Slide Number Placeholder 5"/>
           <p:cNvSpPr>
             <a:spLocks noGrp="1"/>
           </p:cNvSpPr>
@@ -308,7 +378,7 @@
         </p:nvSpPr>
         <p:spPr/>
         <p:txBody>
-          <a:bodyPr/>
+          <a:bodyPr rIns="45720"/>
           <a:lstStyle/>
           <a:p>
             <a:fld id="{4A10DCD4-D326-FE44-A76C-E04BFCF88D5C}" type="slidenum">
@@ -319,10 +389,51 @@
           </a:p>
         </p:txBody>
       </p:sp>
+      <p:sp>
+        <p:nvSpPr>
+          <p:cNvPr id="13" name="TextBox 12"/>
+          <p:cNvSpPr txBox="1"/>
+          <p:nvPr/>
+        </p:nvSpPr>
+        <p:spPr>
+          <a:xfrm>
+            <a:off x="2191282" y="3262852"/>
+            <a:ext cx="415636" cy="461665"/>
+          </a:xfrm>
+          <a:prstGeom prst="rect">
+            <a:avLst/>
+          </a:prstGeom>
+          <a:noFill/>
+        </p:spPr>
+        <p:txBody>
+          <a:bodyPr wrap="square" rtlCol="0">
+            <a:spAutoFit/>
+          </a:bodyPr>
+          <a:lstStyle/>
+          <a:p>
+            <a:pPr algn="r"/>
+            <a:r>
+              <a:rPr lang="en-US" sz="2400" dirty="0">
+                <a:solidFill>
+                  <a:schemeClr val="accent6"/>
+                </a:solidFill>
+                <a:latin typeface="Wingdings 3" panose="05040102010807070707" pitchFamily="18" charset="2"/>
+              </a:rPr>
+              <a:t>z</a:t>
+            </a:r>
+            <a:endParaRPr lang="en-US" sz="2400" dirty="0">
+              <a:solidFill>
+                <a:schemeClr val="accent6"/>
+              </a:solidFill>
+              <a:latin typeface="MS Shell Dlg 2" panose="020B0604030504040204" pitchFamily="34" charset="0"/>
+            </a:endParaRPr>
+          </a:p>
+        </p:txBody>
+      </p:sp>
     </p:spTree>
     <p:extLst>
       <p:ext uri="{BB962C8B-B14F-4D97-AF65-F5344CB8AC3E}">
-        <p14:creationId xmlns:p14="http://schemas.microsoft.com/office/powerpoint/2010/main" val="2611448840"/>
+        <p14:creationId xmlns:p14="http://schemas.microsoft.com/office/powerpoint/2010/main" val="3666938335"/>
       </p:ext>
     </p:extLst>
   </p:cSld>
@@ -351,13 +462,126 @@
       </p:grpSpPr>
       <p:sp>
         <p:nvSpPr>
-          <p:cNvPr id="2" name="Title 1">
-            <a:extLst>
-              <a:ext uri="{FF2B5EF4-FFF2-40B4-BE49-F238E27FC236}">
-                <a16:creationId xmlns:a16="http://schemas.microsoft.com/office/drawing/2014/main" id="{9FE25778-2DA6-0945-9B4E-C8C73A664667}"/>
-              </a:ext>
-            </a:extLst>
-          </p:cNvPr>
+          <p:cNvPr id="14" name="Rectangle 13"/>
+          <p:cNvSpPr/>
+          <p:nvPr/>
+        </p:nvSpPr>
+        <p:spPr>
+          <a:xfrm>
+            <a:off x="1004479" y="0"/>
+            <a:ext cx="10372316" cy="6858000"/>
+          </a:xfrm>
+          <a:prstGeom prst="rect">
+            <a:avLst/>
+          </a:prstGeom>
+          <a:solidFill>
+            <a:schemeClr val="bg2">
+              <a:alpha val="92000"/>
+            </a:schemeClr>
+          </a:solidFill>
+          <a:ln>
+            <a:noFill/>
+          </a:ln>
+        </p:spPr>
+        <p:style>
+          <a:lnRef idx="2">
+            <a:schemeClr val="accent1">
+              <a:shade val="50000"/>
+            </a:schemeClr>
+          </a:lnRef>
+          <a:fillRef idx="1">
+            <a:schemeClr val="accent1"/>
+          </a:fillRef>
+          <a:effectRef idx="0">
+            <a:schemeClr val="accent1"/>
+          </a:effectRef>
+          <a:fontRef idx="minor">
+            <a:schemeClr val="lt1"/>
+          </a:fontRef>
+        </p:style>
+      </p:sp>
+      <p:sp>
+        <p:nvSpPr>
+          <p:cNvPr id="15" name="Rectangle 14"/>
+          <p:cNvSpPr/>
+          <p:nvPr/>
+        </p:nvSpPr>
+        <p:spPr>
+          <a:xfrm>
+            <a:off x="11377328" y="0"/>
+            <a:ext cx="27432" cy="6858000"/>
+          </a:xfrm>
+          <a:prstGeom prst="rect">
+            <a:avLst/>
+          </a:prstGeom>
+          <a:solidFill>
+            <a:schemeClr val="accent6"/>
+          </a:solidFill>
+          <a:ln>
+            <a:noFill/>
+          </a:ln>
+        </p:spPr>
+        <p:style>
+          <a:lnRef idx="2">
+            <a:schemeClr val="accent1">
+              <a:shade val="50000"/>
+            </a:schemeClr>
+          </a:lnRef>
+          <a:fillRef idx="1">
+            <a:schemeClr val="accent1"/>
+          </a:fillRef>
+          <a:effectRef idx="0">
+            <a:schemeClr val="accent1"/>
+          </a:effectRef>
+          <a:fontRef idx="minor">
+            <a:schemeClr val="lt1"/>
+          </a:fontRef>
+        </p:style>
+      </p:sp>
+      <p:sp>
+        <p:nvSpPr>
+          <p:cNvPr id="9" name="TextBox 8"/>
+          <p:cNvSpPr txBox="1"/>
+          <p:nvPr/>
+        </p:nvSpPr>
+        <p:spPr>
+          <a:xfrm>
+            <a:off x="2194236" y="641225"/>
+            <a:ext cx="415636" cy="369332"/>
+          </a:xfrm>
+          <a:prstGeom prst="rect">
+            <a:avLst/>
+          </a:prstGeom>
+          <a:noFill/>
+        </p:spPr>
+        <p:txBody>
+          <a:bodyPr wrap="square" rtlCol="0">
+            <a:spAutoFit/>
+          </a:bodyPr>
+          <a:lstStyle/>
+          <a:p>
+            <a:pPr algn="r"/>
+            <a:r>
+              <a:rPr lang="en-US" sz="1800" dirty="0">
+                <a:solidFill>
+                  <a:schemeClr val="accent6"/>
+                </a:solidFill>
+                <a:latin typeface="Wingdings 3" panose="05040102010807070707" pitchFamily="18" charset="2"/>
+              </a:rPr>
+              <a:t>z</a:t>
+            </a:r>
+            <a:endParaRPr lang="en-US" sz="1000" dirty="0">
+              <a:solidFill>
+                <a:schemeClr val="accent6"/>
+              </a:solidFill>
+              <a:latin typeface="MS Shell Dlg 2" panose="020B0604030504040204" pitchFamily="34" charset="0"/>
+            </a:endParaRPr>
+          </a:p>
+        </p:txBody>
+      </p:sp>
+      <p:sp>
+        <p:nvSpPr>
+          <p:cNvPr id="2" name="Title 1"/>
           <p:cNvSpPr>
             <a:spLocks noGrp="1"/>
           </p:cNvSpPr>
@@ -365,7 +589,12 @@
             <p:ph type="title"/>
           </p:nvPr>
         </p:nvSpPr>
-        <p:spPr/>
+        <p:spPr>
+          <a:xfrm>
+            <a:off x="2611808" y="808056"/>
+            <a:ext cx="7954091" cy="1077229"/>
+          </a:xfrm>
+        </p:spPr>
         <p:txBody>
           <a:bodyPr/>
           <a:lstStyle/>
@@ -374,18 +603,13 @@
               <a:rPr lang="en-US"/>
               <a:t>Click to edit Master title style</a:t>
             </a:r>
-          </a:p>
-        </p:txBody>
-      </p:sp>
-      <p:sp>
-        <p:nvSpPr>
-          <p:cNvPr id="3" name="Vertical Text Placeholder 2">
-            <a:extLst>
-              <a:ext uri="{FF2B5EF4-FFF2-40B4-BE49-F238E27FC236}">
-                <a16:creationId xmlns:a16="http://schemas.microsoft.com/office/drawing/2014/main" id="{87787AE5-B709-104D-B323-D2A770DC4C04}"/>
-              </a:ext>
-            </a:extLst>
-          </p:cNvPr>
+            <a:endParaRPr lang="en-US" dirty="0"/>
+          </a:p>
+        </p:txBody>
+      </p:sp>
+      <p:sp>
+        <p:nvSpPr>
+          <p:cNvPr id="3" name="Vertical Text Placeholder 2"/>
           <p:cNvSpPr>
             <a:spLocks noGrp="1"/>
           </p:cNvSpPr>
@@ -431,18 +655,13 @@
               <a:rPr lang="en-US"/>
               <a:t>Fifth level</a:t>
             </a:r>
-          </a:p>
-        </p:txBody>
-      </p:sp>
-      <p:sp>
-        <p:nvSpPr>
-          <p:cNvPr id="4" name="Date Placeholder 3">
-            <a:extLst>
-              <a:ext uri="{FF2B5EF4-FFF2-40B4-BE49-F238E27FC236}">
-                <a16:creationId xmlns:a16="http://schemas.microsoft.com/office/drawing/2014/main" id="{4785FDDE-5C73-F14B-BA9E-354CEA02ACC2}"/>
-              </a:ext>
-            </a:extLst>
-          </p:cNvPr>
+            <a:endParaRPr lang="en-US" dirty="0"/>
+          </a:p>
+        </p:txBody>
+      </p:sp>
+      <p:sp>
+        <p:nvSpPr>
+          <p:cNvPr id="4" name="Date Placeholder 3"/>
           <p:cNvSpPr>
             <a:spLocks noGrp="1"/>
           </p:cNvSpPr>
@@ -465,13 +684,7 @@
       </p:sp>
       <p:sp>
         <p:nvSpPr>
-          <p:cNvPr id="5" name="Footer Placeholder 4">
-            <a:extLst>
-              <a:ext uri="{FF2B5EF4-FFF2-40B4-BE49-F238E27FC236}">
-                <a16:creationId xmlns:a16="http://schemas.microsoft.com/office/drawing/2014/main" id="{12B29BF7-42B2-F144-9B7F-EE9CDB901945}"/>
-              </a:ext>
-            </a:extLst>
-          </p:cNvPr>
+          <p:cNvPr id="5" name="Footer Placeholder 4"/>
           <p:cNvSpPr>
             <a:spLocks noGrp="1"/>
           </p:cNvSpPr>
@@ -490,13 +703,7 @@
       </p:sp>
       <p:sp>
         <p:nvSpPr>
-          <p:cNvPr id="6" name="Slide Number Placeholder 5">
-            <a:extLst>
-              <a:ext uri="{FF2B5EF4-FFF2-40B4-BE49-F238E27FC236}">
-                <a16:creationId xmlns:a16="http://schemas.microsoft.com/office/drawing/2014/main" id="{E67D4951-EEEE-DA40-B98B-0AFDF4FD7139}"/>
-              </a:ext>
-            </a:extLst>
-          </p:cNvPr>
+          <p:cNvPr id="6" name="Slide Number Placeholder 5"/>
           <p:cNvSpPr>
             <a:spLocks noGrp="1"/>
           </p:cNvSpPr>
@@ -520,7 +727,7 @@
     </p:spTree>
     <p:extLst>
       <p:ext uri="{BB962C8B-B14F-4D97-AF65-F5344CB8AC3E}">
-        <p14:creationId xmlns:p14="http://schemas.microsoft.com/office/powerpoint/2010/main" val="400579293"/>
+        <p14:creationId xmlns:p14="http://schemas.microsoft.com/office/powerpoint/2010/main" val="3482755813"/>
       </p:ext>
     </p:extLst>
   </p:cSld>
@@ -549,46 +756,158 @@
       </p:grpSpPr>
       <p:sp>
         <p:nvSpPr>
-          <p:cNvPr id="2" name="Vertical Title 1">
-            <a:extLst>
-              <a:ext uri="{FF2B5EF4-FFF2-40B4-BE49-F238E27FC236}">
-                <a16:creationId xmlns:a16="http://schemas.microsoft.com/office/drawing/2014/main" id="{F2DE4944-1F24-8841-89AB-74767F6C508F}"/>
-              </a:ext>
-            </a:extLst>
-          </p:cNvPr>
-          <p:cNvSpPr>
-            <a:spLocks noGrp="1"/>
-          </p:cNvSpPr>
-          <p:nvPr>
-            <p:ph type="title" orient="vert"/>
-          </p:nvPr>
+          <p:cNvPr id="15" name="Rectangle 14"/>
+          <p:cNvSpPr/>
+          <p:nvPr/>
         </p:nvSpPr>
         <p:spPr>
           <a:xfrm>
-            <a:off x="8724900" y="365125"/>
-            <a:ext cx="2628900" cy="5811838"/>
+            <a:off x="1004479" y="0"/>
+            <a:ext cx="10372316" cy="6858000"/>
+          </a:xfrm>
+          <a:prstGeom prst="rect">
+            <a:avLst/>
+          </a:prstGeom>
+          <a:solidFill>
+            <a:schemeClr val="bg2">
+              <a:alpha val="92000"/>
+            </a:schemeClr>
+          </a:solidFill>
+          <a:ln>
+            <a:noFill/>
+          </a:ln>
+        </p:spPr>
+        <p:style>
+          <a:lnRef idx="2">
+            <a:schemeClr val="accent1">
+              <a:shade val="50000"/>
+            </a:schemeClr>
+          </a:lnRef>
+          <a:fillRef idx="1">
+            <a:schemeClr val="accent1"/>
+          </a:fillRef>
+          <a:effectRef idx="0">
+            <a:schemeClr val="accent1"/>
+          </a:effectRef>
+          <a:fontRef idx="minor">
+            <a:schemeClr val="lt1"/>
+          </a:fontRef>
+        </p:style>
+      </p:sp>
+      <p:sp>
+        <p:nvSpPr>
+          <p:cNvPr id="16" name="Rectangle 15"/>
+          <p:cNvSpPr/>
+          <p:nvPr/>
+        </p:nvSpPr>
+        <p:spPr>
+          <a:xfrm>
+            <a:off x="11377328" y="0"/>
+            <a:ext cx="27432" cy="6858000"/>
+          </a:xfrm>
+          <a:prstGeom prst="rect">
+            <a:avLst/>
+          </a:prstGeom>
+          <a:solidFill>
+            <a:schemeClr val="accent6"/>
+          </a:solidFill>
+          <a:ln>
+            <a:noFill/>
+          </a:ln>
+        </p:spPr>
+        <p:style>
+          <a:lnRef idx="2">
+            <a:schemeClr val="accent1">
+              <a:shade val="50000"/>
+            </a:schemeClr>
+          </a:lnRef>
+          <a:fillRef idx="1">
+            <a:schemeClr val="accent1"/>
+          </a:fillRef>
+          <a:effectRef idx="0">
+            <a:schemeClr val="accent1"/>
+          </a:effectRef>
+          <a:fontRef idx="minor">
+            <a:schemeClr val="lt1"/>
+          </a:fontRef>
+        </p:style>
+      </p:sp>
+      <p:sp>
+        <p:nvSpPr>
+          <p:cNvPr id="9" name="TextBox 8"/>
+          <p:cNvSpPr txBox="1"/>
+          <p:nvPr/>
+        </p:nvSpPr>
+        <p:spPr>
+          <a:xfrm rot="5400000">
+            <a:off x="10337141" y="416061"/>
+            <a:ext cx="415636" cy="369332"/>
+          </a:xfrm>
+          <a:prstGeom prst="rect">
+            <a:avLst/>
+          </a:prstGeom>
+          <a:noFill/>
+        </p:spPr>
+        <p:txBody>
+          <a:bodyPr wrap="square" rtlCol="0">
+            <a:spAutoFit/>
+          </a:bodyPr>
+          <a:lstStyle/>
+          <a:p>
+            <a:pPr algn="r"/>
+            <a:r>
+              <a:rPr lang="en-US" sz="1800" dirty="0">
+                <a:solidFill>
+                  <a:schemeClr val="accent6"/>
+                </a:solidFill>
+                <a:latin typeface="Wingdings 3" panose="05040102010807070707" pitchFamily="18" charset="2"/>
+              </a:rPr>
+              <a:t>z</a:t>
+            </a:r>
+            <a:endParaRPr lang="en-US" sz="1000" dirty="0">
+              <a:solidFill>
+                <a:schemeClr val="accent6"/>
+              </a:solidFill>
+              <a:latin typeface="MS Shell Dlg 2" panose="020B0604030504040204" pitchFamily="34" charset="0"/>
+            </a:endParaRPr>
+          </a:p>
+        </p:txBody>
+      </p:sp>
+      <p:sp>
+        <p:nvSpPr>
+          <p:cNvPr id="2" name="Vertical Title 1"/>
+          <p:cNvSpPr>
+            <a:spLocks noGrp="1"/>
+          </p:cNvSpPr>
+          <p:nvPr>
+            <p:ph type="title" orient="vert"/>
+          </p:nvPr>
+        </p:nvSpPr>
+        <p:spPr>
+          <a:xfrm>
+            <a:off x="9239380" y="805818"/>
+            <a:ext cx="1326519" cy="5244126"/>
           </a:xfrm>
         </p:spPr>
         <p:txBody>
           <a:bodyPr vert="eaVert"/>
-          <a:lstStyle/>
+          <a:lstStyle>
+            <a:lvl1pPr algn="l">
+              <a:defRPr/>
+            </a:lvl1pPr>
+          </a:lstStyle>
           <a:p>
             <a:r>
               <a:rPr lang="en-US"/>
               <a:t>Click to edit Master title style</a:t>
             </a:r>
-          </a:p>
-        </p:txBody>
-      </p:sp>
-      <p:sp>
-        <p:nvSpPr>
-          <p:cNvPr id="3" name="Vertical Text Placeholder 2">
-            <a:extLst>
-              <a:ext uri="{FF2B5EF4-FFF2-40B4-BE49-F238E27FC236}">
-                <a16:creationId xmlns:a16="http://schemas.microsoft.com/office/drawing/2014/main" id="{4F74655F-C182-594F-A2FC-20371E33C526}"/>
-              </a:ext>
-            </a:extLst>
-          </p:cNvPr>
+            <a:endParaRPr lang="en-US" dirty="0"/>
+          </a:p>
+        </p:txBody>
+      </p:sp>
+      <p:sp>
+        <p:nvSpPr>
+          <p:cNvPr id="3" name="Vertical Text Placeholder 2"/>
           <p:cNvSpPr>
             <a:spLocks noGrp="1"/>
           </p:cNvSpPr>
@@ -598,8 +917,8 @@
         </p:nvSpPr>
         <p:spPr>
           <a:xfrm>
-            <a:off x="838200" y="365125"/>
-            <a:ext cx="7734300" cy="5811838"/>
+            <a:off x="2608751" y="970410"/>
+            <a:ext cx="6466903" cy="5079534"/>
           </a:xfrm>
         </p:spPr>
         <p:txBody>
@@ -639,18 +958,13 @@
               <a:rPr lang="en-US"/>
               <a:t>Fifth level</a:t>
             </a:r>
-          </a:p>
-        </p:txBody>
-      </p:sp>
-      <p:sp>
-        <p:nvSpPr>
-          <p:cNvPr id="4" name="Date Placeholder 3">
-            <a:extLst>
-              <a:ext uri="{FF2B5EF4-FFF2-40B4-BE49-F238E27FC236}">
-                <a16:creationId xmlns:a16="http://schemas.microsoft.com/office/drawing/2014/main" id="{D478001B-F956-194F-92BB-684372F44D7C}"/>
-              </a:ext>
-            </a:extLst>
-          </p:cNvPr>
+            <a:endParaRPr lang="en-US" dirty="0"/>
+          </a:p>
+        </p:txBody>
+      </p:sp>
+      <p:sp>
+        <p:nvSpPr>
+          <p:cNvPr id="4" name="Date Placeholder 3"/>
           <p:cNvSpPr>
             <a:spLocks noGrp="1"/>
           </p:cNvSpPr>
@@ -673,13 +987,7 @@
       </p:sp>
       <p:sp>
         <p:nvSpPr>
-          <p:cNvPr id="5" name="Footer Placeholder 4">
-            <a:extLst>
-              <a:ext uri="{FF2B5EF4-FFF2-40B4-BE49-F238E27FC236}">
-                <a16:creationId xmlns:a16="http://schemas.microsoft.com/office/drawing/2014/main" id="{050DCABA-B12E-FB4A-AC71-0416D1780D58}"/>
-              </a:ext>
-            </a:extLst>
-          </p:cNvPr>
+          <p:cNvPr id="5" name="Footer Placeholder 4"/>
           <p:cNvSpPr>
             <a:spLocks noGrp="1"/>
           </p:cNvSpPr>
@@ -698,13 +1006,7 @@
       </p:sp>
       <p:sp>
         <p:nvSpPr>
-          <p:cNvPr id="6" name="Slide Number Placeholder 5">
-            <a:extLst>
-              <a:ext uri="{FF2B5EF4-FFF2-40B4-BE49-F238E27FC236}">
-                <a16:creationId xmlns:a16="http://schemas.microsoft.com/office/drawing/2014/main" id="{D81CF062-72B3-FF4E-AF05-E81838462CF9}"/>
-              </a:ext>
-            </a:extLst>
-          </p:cNvPr>
+          <p:cNvPr id="6" name="Slide Number Placeholder 5"/>
           <p:cNvSpPr>
             <a:spLocks noGrp="1"/>
           </p:cNvSpPr>
@@ -728,7 +1030,7 @@
     </p:spTree>
     <p:extLst>
       <p:ext uri="{BB962C8B-B14F-4D97-AF65-F5344CB8AC3E}">
-        <p14:creationId xmlns:p14="http://schemas.microsoft.com/office/powerpoint/2010/main" val="1206465160"/>
+        <p14:creationId xmlns:p14="http://schemas.microsoft.com/office/powerpoint/2010/main" val="431337854"/>
       </p:ext>
     </p:extLst>
   </p:cSld>
@@ -757,13 +1059,85 @@
       </p:grpSpPr>
       <p:sp>
         <p:nvSpPr>
-          <p:cNvPr id="2" name="Title 1">
-            <a:extLst>
-              <a:ext uri="{FF2B5EF4-FFF2-40B4-BE49-F238E27FC236}">
-                <a16:creationId xmlns:a16="http://schemas.microsoft.com/office/drawing/2014/main" id="{6443EC2C-E06A-D448-9FA8-3172ECDBF0FF}"/>
-              </a:ext>
-            </a:extLst>
-          </p:cNvPr>
+          <p:cNvPr id="29" name="Rectangle 28"/>
+          <p:cNvSpPr/>
+          <p:nvPr/>
+        </p:nvSpPr>
+        <p:spPr>
+          <a:xfrm>
+            <a:off x="1004479" y="0"/>
+            <a:ext cx="10372316" cy="6858000"/>
+          </a:xfrm>
+          <a:prstGeom prst="rect">
+            <a:avLst/>
+          </a:prstGeom>
+          <a:solidFill>
+            <a:schemeClr val="bg2">
+              <a:alpha val="92000"/>
+            </a:schemeClr>
+          </a:solidFill>
+          <a:ln>
+            <a:noFill/>
+          </a:ln>
+        </p:spPr>
+        <p:style>
+          <a:lnRef idx="2">
+            <a:schemeClr val="accent1">
+              <a:shade val="50000"/>
+            </a:schemeClr>
+          </a:lnRef>
+          <a:fillRef idx="1">
+            <a:schemeClr val="accent1"/>
+          </a:fillRef>
+          <a:effectRef idx="0">
+            <a:schemeClr val="accent1"/>
+          </a:effectRef>
+          <a:fontRef idx="minor">
+            <a:schemeClr val="lt1"/>
+          </a:fontRef>
+        </p:style>
+      </p:sp>
+      <p:sp>
+        <p:nvSpPr>
+          <p:cNvPr id="9" name="Rectangle 8"/>
+          <p:cNvSpPr/>
+          <p:nvPr/>
+        </p:nvSpPr>
+        <p:spPr>
+          <a:xfrm>
+            <a:off x="11377328" y="0"/>
+            <a:ext cx="27432" cy="6858000"/>
+          </a:xfrm>
+          <a:prstGeom prst="rect">
+            <a:avLst/>
+          </a:prstGeom>
+          <a:solidFill>
+            <a:schemeClr val="accent6"/>
+          </a:solidFill>
+          <a:ln>
+            <a:noFill/>
+          </a:ln>
+        </p:spPr>
+        <p:style>
+          <a:lnRef idx="2">
+            <a:schemeClr val="accent1">
+              <a:shade val="50000"/>
+            </a:schemeClr>
+          </a:lnRef>
+          <a:fillRef idx="1">
+            <a:schemeClr val="accent1"/>
+          </a:fillRef>
+          <a:effectRef idx="0">
+            <a:schemeClr val="accent1"/>
+          </a:effectRef>
+          <a:fontRef idx="minor">
+            <a:schemeClr val="lt1"/>
+          </a:fontRef>
+        </p:style>
+      </p:sp>
+      <p:sp>
+        <p:nvSpPr>
+          <p:cNvPr id="2" name="Title 1"/>
           <p:cNvSpPr>
             <a:spLocks noGrp="1"/>
           </p:cNvSpPr>
@@ -780,18 +1154,13 @@
               <a:rPr lang="en-US"/>
               <a:t>Click to edit Master title style</a:t>
             </a:r>
-          </a:p>
-        </p:txBody>
-      </p:sp>
-      <p:sp>
-        <p:nvSpPr>
-          <p:cNvPr id="3" name="Content Placeholder 2">
-            <a:extLst>
-              <a:ext uri="{FF2B5EF4-FFF2-40B4-BE49-F238E27FC236}">
-                <a16:creationId xmlns:a16="http://schemas.microsoft.com/office/drawing/2014/main" id="{209B9D0C-CF91-3244-8135-A1B3430C2AB9}"/>
-              </a:ext>
-            </a:extLst>
-          </p:cNvPr>
+            <a:endParaRPr lang="en-US" dirty="0"/>
+          </a:p>
+        </p:txBody>
+      </p:sp>
+      <p:sp>
+        <p:nvSpPr>
+          <p:cNvPr id="3" name="Content Placeholder 2"/>
           <p:cNvSpPr>
             <a:spLocks noGrp="1"/>
           </p:cNvSpPr>
@@ -801,7 +1170,7 @@
         </p:nvSpPr>
         <p:spPr/>
         <p:txBody>
-          <a:bodyPr/>
+          <a:bodyPr anchor="ctr"/>
           <a:lstStyle/>
           <a:p>
             <a:pPr lvl="0"/>
@@ -837,18 +1206,13 @@
               <a:rPr lang="en-US"/>
               <a:t>Fifth level</a:t>
             </a:r>
-          </a:p>
-        </p:txBody>
-      </p:sp>
-      <p:sp>
-        <p:nvSpPr>
-          <p:cNvPr id="4" name="Date Placeholder 3">
-            <a:extLst>
-              <a:ext uri="{FF2B5EF4-FFF2-40B4-BE49-F238E27FC236}">
-                <a16:creationId xmlns:a16="http://schemas.microsoft.com/office/drawing/2014/main" id="{4403DB62-2548-734C-8C87-3D96146042B5}"/>
-              </a:ext>
-            </a:extLst>
-          </p:cNvPr>
+            <a:endParaRPr lang="en-US" dirty="0"/>
+          </a:p>
+        </p:txBody>
+      </p:sp>
+      <p:sp>
+        <p:nvSpPr>
+          <p:cNvPr id="4" name="Date Placeholder 3"/>
           <p:cNvSpPr>
             <a:spLocks noGrp="1"/>
           </p:cNvSpPr>
@@ -871,13 +1235,7 @@
       </p:sp>
       <p:sp>
         <p:nvSpPr>
-          <p:cNvPr id="5" name="Footer Placeholder 4">
-            <a:extLst>
-              <a:ext uri="{FF2B5EF4-FFF2-40B4-BE49-F238E27FC236}">
-                <a16:creationId xmlns:a16="http://schemas.microsoft.com/office/drawing/2014/main" id="{A4E723BE-F5EC-3249-967A-CAEF2498FD15}"/>
-              </a:ext>
-            </a:extLst>
-          </p:cNvPr>
+          <p:cNvPr id="5" name="Footer Placeholder 4"/>
           <p:cNvSpPr>
             <a:spLocks noGrp="1"/>
           </p:cNvSpPr>
@@ -896,13 +1254,7 @@
       </p:sp>
       <p:sp>
         <p:nvSpPr>
-          <p:cNvPr id="6" name="Slide Number Placeholder 5">
-            <a:extLst>
-              <a:ext uri="{FF2B5EF4-FFF2-40B4-BE49-F238E27FC236}">
-                <a16:creationId xmlns:a16="http://schemas.microsoft.com/office/drawing/2014/main" id="{12BB0AFF-B310-F341-B7A1-3F781CDD1ABA}"/>
-              </a:ext>
-            </a:extLst>
-          </p:cNvPr>
+          <p:cNvPr id="6" name="Slide Number Placeholder 5"/>
           <p:cNvSpPr>
             <a:spLocks noGrp="1"/>
           </p:cNvSpPr>
@@ -923,10 +1275,51 @@
           </a:p>
         </p:txBody>
       </p:sp>
+      <p:sp>
+        <p:nvSpPr>
+          <p:cNvPr id="7" name="TextBox 6"/>
+          <p:cNvSpPr txBox="1"/>
+          <p:nvPr/>
+        </p:nvSpPr>
+        <p:spPr>
+          <a:xfrm>
+            <a:off x="2194943" y="641225"/>
+            <a:ext cx="415636" cy="369332"/>
+          </a:xfrm>
+          <a:prstGeom prst="rect">
+            <a:avLst/>
+          </a:prstGeom>
+          <a:noFill/>
+        </p:spPr>
+        <p:txBody>
+          <a:bodyPr wrap="square" rtlCol="0">
+            <a:spAutoFit/>
+          </a:bodyPr>
+          <a:lstStyle/>
+          <a:p>
+            <a:pPr algn="r"/>
+            <a:r>
+              <a:rPr lang="en-US" sz="1800" dirty="0">
+                <a:solidFill>
+                  <a:schemeClr val="accent6"/>
+                </a:solidFill>
+                <a:latin typeface="Wingdings 3" panose="05040102010807070707" pitchFamily="18" charset="2"/>
+              </a:rPr>
+              <a:t>z</a:t>
+            </a:r>
+            <a:endParaRPr lang="en-US" sz="1000" dirty="0">
+              <a:solidFill>
+                <a:schemeClr val="accent6"/>
+              </a:solidFill>
+              <a:latin typeface="MS Shell Dlg 2" panose="020B0604030504040204" pitchFamily="34" charset="0"/>
+            </a:endParaRPr>
+          </a:p>
+        </p:txBody>
+      </p:sp>
     </p:spTree>
     <p:extLst>
       <p:ext uri="{BB962C8B-B14F-4D97-AF65-F5344CB8AC3E}">
-        <p14:creationId xmlns:p14="http://schemas.microsoft.com/office/powerpoint/2010/main" val="2667550698"/>
+        <p14:creationId xmlns:p14="http://schemas.microsoft.com/office/powerpoint/2010/main" val="2305431681"/>
       </p:ext>
     </p:extLst>
   </p:cSld>
@@ -955,31 +1348,146 @@
       </p:grpSpPr>
       <p:sp>
         <p:nvSpPr>
-          <p:cNvPr id="2" name="Title 1">
-            <a:extLst>
-              <a:ext uri="{FF2B5EF4-FFF2-40B4-BE49-F238E27FC236}">
-                <a16:creationId xmlns:a16="http://schemas.microsoft.com/office/drawing/2014/main" id="{C578629A-4182-5944-BB1C-C41D73D4D12A}"/>
-              </a:ext>
-            </a:extLst>
-          </p:cNvPr>
-          <p:cNvSpPr>
-            <a:spLocks noGrp="1"/>
-          </p:cNvSpPr>
-          <p:nvPr>
-            <p:ph type="title"/>
-          </p:nvPr>
+          <p:cNvPr id="24" name="Rectangle 23"/>
+          <p:cNvSpPr/>
+          <p:nvPr/>
         </p:nvSpPr>
         <p:spPr>
           <a:xfrm>
-            <a:off x="831850" y="1709738"/>
-            <a:ext cx="10515600" cy="2852737"/>
+            <a:off x="1004479" y="0"/>
+            <a:ext cx="10372316" cy="6858000"/>
+          </a:xfrm>
+          <a:prstGeom prst="rect">
+            <a:avLst/>
+          </a:prstGeom>
+          <a:solidFill>
+            <a:schemeClr val="bg2">
+              <a:alpha val="92000"/>
+            </a:schemeClr>
+          </a:solidFill>
+          <a:ln>
+            <a:noFill/>
+          </a:ln>
+        </p:spPr>
+        <p:style>
+          <a:lnRef idx="2">
+            <a:schemeClr val="accent1">
+              <a:shade val="50000"/>
+            </a:schemeClr>
+          </a:lnRef>
+          <a:fillRef idx="1">
+            <a:schemeClr val="accent1"/>
+          </a:fillRef>
+          <a:effectRef idx="0">
+            <a:schemeClr val="accent1"/>
+          </a:effectRef>
+          <a:fontRef idx="minor">
+            <a:schemeClr val="lt1"/>
+          </a:fontRef>
+        </p:style>
+      </p:sp>
+      <p:sp>
+        <p:nvSpPr>
+          <p:cNvPr id="25" name="Rectangle 24"/>
+          <p:cNvSpPr/>
+          <p:nvPr/>
+        </p:nvSpPr>
+        <p:spPr>
+          <a:xfrm>
+            <a:off x="11377328" y="0"/>
+            <a:ext cx="27432" cy="6858000"/>
+          </a:xfrm>
+          <a:prstGeom prst="rect">
+            <a:avLst/>
+          </a:prstGeom>
+          <a:solidFill>
+            <a:schemeClr val="accent6"/>
+          </a:solidFill>
+          <a:ln>
+            <a:noFill/>
+          </a:ln>
+        </p:spPr>
+        <p:style>
+          <a:lnRef idx="2">
+            <a:schemeClr val="accent1">
+              <a:shade val="50000"/>
+            </a:schemeClr>
+          </a:lnRef>
+          <a:fillRef idx="1">
+            <a:schemeClr val="accent1"/>
+          </a:fillRef>
+          <a:effectRef idx="0">
+            <a:schemeClr val="accent1"/>
+          </a:effectRef>
+          <a:fontRef idx="minor">
+            <a:schemeClr val="lt1"/>
+          </a:fontRef>
+        </p:style>
+      </p:sp>
+      <p:sp>
+        <p:nvSpPr>
+          <p:cNvPr id="11" name="TextBox 10"/>
+          <p:cNvSpPr txBox="1"/>
+          <p:nvPr/>
+        </p:nvSpPr>
+        <p:spPr>
+          <a:xfrm>
+            <a:off x="2191843" y="2962586"/>
+            <a:ext cx="415636" cy="369332"/>
+          </a:xfrm>
+          <a:prstGeom prst="rect">
+            <a:avLst/>
+          </a:prstGeom>
+          <a:noFill/>
+        </p:spPr>
+        <p:txBody>
+          <a:bodyPr wrap="square" rtlCol="0">
+            <a:spAutoFit/>
+          </a:bodyPr>
+          <a:lstStyle/>
+          <a:p>
+            <a:pPr algn="r"/>
+            <a:r>
+              <a:rPr lang="en-US" sz="1800" dirty="0">
+                <a:solidFill>
+                  <a:schemeClr val="accent6"/>
+                </a:solidFill>
+                <a:latin typeface="Wingdings 3" panose="05040102010807070707" pitchFamily="18" charset="2"/>
+              </a:rPr>
+              <a:t>z</a:t>
+            </a:r>
+            <a:endParaRPr lang="en-US" sz="1000" dirty="0">
+              <a:solidFill>
+                <a:schemeClr val="accent6"/>
+              </a:solidFill>
+              <a:latin typeface="MS Shell Dlg 2" panose="020B0604030504040204" pitchFamily="34" charset="0"/>
+            </a:endParaRPr>
+          </a:p>
+        </p:txBody>
+      </p:sp>
+      <p:sp>
+        <p:nvSpPr>
+          <p:cNvPr id="2" name="Title 1"/>
+          <p:cNvSpPr>
+            <a:spLocks noGrp="1"/>
+          </p:cNvSpPr>
+          <p:nvPr>
+            <p:ph type="title"/>
+          </p:nvPr>
+        </p:nvSpPr>
+        <p:spPr>
+          <a:xfrm>
+            <a:off x="2609873" y="3147254"/>
+            <a:ext cx="7956560" cy="1424746"/>
           </a:xfrm>
         </p:spPr>
         <p:txBody>
-          <a:bodyPr anchor="b"/>
+          <a:bodyPr anchor="t">
+            <a:normAutofit/>
+          </a:bodyPr>
           <a:lstStyle>
-            <a:lvl1pPr>
-              <a:defRPr sz="6000"/>
+            <a:lvl1pPr algn="r">
+              <a:defRPr sz="3200"/>
             </a:lvl1pPr>
           </a:lstStyle>
           <a:p>
@@ -987,18 +1495,13 @@
               <a:rPr lang="en-US"/>
               <a:t>Click to edit Master title style</a:t>
             </a:r>
-          </a:p>
-        </p:txBody>
-      </p:sp>
-      <p:sp>
-        <p:nvSpPr>
-          <p:cNvPr id="3" name="Text Placeholder 2">
-            <a:extLst>
-              <a:ext uri="{FF2B5EF4-FFF2-40B4-BE49-F238E27FC236}">
-                <a16:creationId xmlns:a16="http://schemas.microsoft.com/office/drawing/2014/main" id="{115BFF30-045B-994A-9EAA-91A220F87D28}"/>
-              </a:ext>
-            </a:extLst>
-          </p:cNvPr>
+            <a:endParaRPr lang="en-US" dirty="0"/>
+          </a:p>
+        </p:txBody>
+      </p:sp>
+      <p:sp>
+        <p:nvSpPr>
+          <p:cNvPr id="3" name="Text Placeholder 2"/>
           <p:cNvSpPr>
             <a:spLocks noGrp="1"/>
           </p:cNvSpPr>
@@ -1008,26 +1511,26 @@
         </p:nvSpPr>
         <p:spPr>
           <a:xfrm>
-            <a:off x="831850" y="4589463"/>
-            <a:ext cx="10515600" cy="1500187"/>
+            <a:off x="2773968" y="2268786"/>
+            <a:ext cx="7791931" cy="878468"/>
           </a:xfrm>
         </p:spPr>
         <p:txBody>
-          <a:bodyPr/>
+          <a:bodyPr tIns="0" anchor="b">
+            <a:normAutofit/>
+          </a:bodyPr>
           <a:lstStyle>
-            <a:lvl1pPr marL="0" indent="0">
+            <a:lvl1pPr marL="0" indent="0" algn="r">
               <a:buNone/>
-              <a:defRPr sz="2400">
+              <a:defRPr sz="1800">
                 <a:solidFill>
-                  <a:schemeClr val="tx1">
-                    <a:tint val="75000"/>
-                  </a:schemeClr>
+                  <a:schemeClr val="tx1"/>
                 </a:solidFill>
               </a:defRPr>
             </a:lvl1pPr>
             <a:lvl2pPr marL="457200" indent="0">
               <a:buNone/>
-              <a:defRPr sz="2000">
+              <a:defRPr sz="1800">
                 <a:solidFill>
                   <a:schemeClr val="tx1">
                     <a:tint val="75000"/>
@@ -1117,13 +1620,7 @@
       </p:sp>
       <p:sp>
         <p:nvSpPr>
-          <p:cNvPr id="4" name="Date Placeholder 3">
-            <a:extLst>
-              <a:ext uri="{FF2B5EF4-FFF2-40B4-BE49-F238E27FC236}">
-                <a16:creationId xmlns:a16="http://schemas.microsoft.com/office/drawing/2014/main" id="{1DFB629F-F37E-7240-A685-2E9D687D0763}"/>
-              </a:ext>
-            </a:extLst>
-          </p:cNvPr>
+          <p:cNvPr id="4" name="Date Placeholder 3"/>
           <p:cNvSpPr>
             <a:spLocks noGrp="1"/>
           </p:cNvSpPr>
@@ -1146,13 +1643,7 @@
       </p:sp>
       <p:sp>
         <p:nvSpPr>
-          <p:cNvPr id="5" name="Footer Placeholder 4">
-            <a:extLst>
-              <a:ext uri="{FF2B5EF4-FFF2-40B4-BE49-F238E27FC236}">
-                <a16:creationId xmlns:a16="http://schemas.microsoft.com/office/drawing/2014/main" id="{FC904B0B-CB3C-FE45-A38D-67EAC7E741E5}"/>
-              </a:ext>
-            </a:extLst>
-          </p:cNvPr>
+          <p:cNvPr id="5" name="Footer Placeholder 4"/>
           <p:cNvSpPr>
             <a:spLocks noGrp="1"/>
           </p:cNvSpPr>
@@ -1171,13 +1662,7 @@
       </p:sp>
       <p:sp>
         <p:nvSpPr>
-          <p:cNvPr id="6" name="Slide Number Placeholder 5">
-            <a:extLst>
-              <a:ext uri="{FF2B5EF4-FFF2-40B4-BE49-F238E27FC236}">
-                <a16:creationId xmlns:a16="http://schemas.microsoft.com/office/drawing/2014/main" id="{9F5CF485-82B8-7644-8171-991D36CFA8B8}"/>
-              </a:ext>
-            </a:extLst>
-          </p:cNvPr>
+          <p:cNvPr id="6" name="Slide Number Placeholder 5"/>
           <p:cNvSpPr>
             <a:spLocks noGrp="1"/>
           </p:cNvSpPr>
@@ -1201,7 +1686,7 @@
     </p:spTree>
     <p:extLst>
       <p:ext uri="{BB962C8B-B14F-4D97-AF65-F5344CB8AC3E}">
-        <p14:creationId xmlns:p14="http://schemas.microsoft.com/office/powerpoint/2010/main" val="3172306572"/>
+        <p14:creationId xmlns:p14="http://schemas.microsoft.com/office/powerpoint/2010/main" val="2166507403"/>
       </p:ext>
     </p:extLst>
   </p:cSld>
@@ -1230,13 +1715,85 @@
       </p:grpSpPr>
       <p:sp>
         <p:nvSpPr>
-          <p:cNvPr id="2" name="Title 1">
-            <a:extLst>
-              <a:ext uri="{FF2B5EF4-FFF2-40B4-BE49-F238E27FC236}">
-                <a16:creationId xmlns:a16="http://schemas.microsoft.com/office/drawing/2014/main" id="{D272E41E-7459-A54D-BEC3-91E5372EB7C5}"/>
-              </a:ext>
-            </a:extLst>
-          </p:cNvPr>
+          <p:cNvPr id="26" name="Rectangle 25"/>
+          <p:cNvSpPr/>
+          <p:nvPr/>
+        </p:nvSpPr>
+        <p:spPr>
+          <a:xfrm>
+            <a:off x="1004479" y="0"/>
+            <a:ext cx="10372316" cy="6858000"/>
+          </a:xfrm>
+          <a:prstGeom prst="rect">
+            <a:avLst/>
+          </a:prstGeom>
+          <a:solidFill>
+            <a:schemeClr val="bg2">
+              <a:alpha val="92000"/>
+            </a:schemeClr>
+          </a:solidFill>
+          <a:ln>
+            <a:noFill/>
+          </a:ln>
+        </p:spPr>
+        <p:style>
+          <a:lnRef idx="2">
+            <a:schemeClr val="accent1">
+              <a:shade val="50000"/>
+            </a:schemeClr>
+          </a:lnRef>
+          <a:fillRef idx="1">
+            <a:schemeClr val="accent1"/>
+          </a:fillRef>
+          <a:effectRef idx="0">
+            <a:schemeClr val="accent1"/>
+          </a:effectRef>
+          <a:fontRef idx="minor">
+            <a:schemeClr val="lt1"/>
+          </a:fontRef>
+        </p:style>
+      </p:sp>
+      <p:sp>
+        <p:nvSpPr>
+          <p:cNvPr id="27" name="Rectangle 26"/>
+          <p:cNvSpPr/>
+          <p:nvPr/>
+        </p:nvSpPr>
+        <p:spPr>
+          <a:xfrm>
+            <a:off x="11377328" y="0"/>
+            <a:ext cx="27432" cy="6858000"/>
+          </a:xfrm>
+          <a:prstGeom prst="rect">
+            <a:avLst/>
+          </a:prstGeom>
+          <a:solidFill>
+            <a:schemeClr val="accent6"/>
+          </a:solidFill>
+          <a:ln>
+            <a:noFill/>
+          </a:ln>
+        </p:spPr>
+        <p:style>
+          <a:lnRef idx="2">
+            <a:schemeClr val="accent1">
+              <a:shade val="50000"/>
+            </a:schemeClr>
+          </a:lnRef>
+          <a:fillRef idx="1">
+            <a:schemeClr val="accent1"/>
+          </a:fillRef>
+          <a:effectRef idx="0">
+            <a:schemeClr val="accent1"/>
+          </a:effectRef>
+          <a:fontRef idx="minor">
+            <a:schemeClr val="lt1"/>
+          </a:fontRef>
+        </p:style>
+      </p:sp>
+      <p:sp>
+        <p:nvSpPr>
+          <p:cNvPr id="2" name="Title 1"/>
           <p:cNvSpPr>
             <a:spLocks noGrp="1"/>
           </p:cNvSpPr>
@@ -1244,7 +1801,12 @@
             <p:ph type="title"/>
           </p:nvPr>
         </p:nvSpPr>
-        <p:spPr/>
+        <p:spPr>
+          <a:xfrm>
+            <a:off x="2609873" y="805817"/>
+            <a:ext cx="7950984" cy="1081705"/>
+          </a:xfrm>
+        </p:spPr>
         <p:txBody>
           <a:bodyPr/>
           <a:lstStyle/>
@@ -1253,18 +1815,13 @@
               <a:rPr lang="en-US"/>
               <a:t>Click to edit Master title style</a:t>
             </a:r>
-          </a:p>
-        </p:txBody>
-      </p:sp>
-      <p:sp>
-        <p:nvSpPr>
-          <p:cNvPr id="3" name="Content Placeholder 2">
-            <a:extLst>
-              <a:ext uri="{FF2B5EF4-FFF2-40B4-BE49-F238E27FC236}">
-                <a16:creationId xmlns:a16="http://schemas.microsoft.com/office/drawing/2014/main" id="{EEB4B262-AE6A-954A-B03A-B6B780F43234}"/>
-              </a:ext>
-            </a:extLst>
-          </p:cNvPr>
+            <a:endParaRPr lang="en-US" dirty="0"/>
+          </a:p>
+        </p:txBody>
+      </p:sp>
+      <p:sp>
+        <p:nvSpPr>
+          <p:cNvPr id="3" name="Content Placeholder 2"/>
           <p:cNvSpPr>
             <a:spLocks noGrp="1"/>
           </p:cNvSpPr>
@@ -1274,8 +1831,8 @@
         </p:nvSpPr>
         <p:spPr>
           <a:xfrm>
-            <a:off x="838200" y="1825625"/>
-            <a:ext cx="5181600" cy="4351338"/>
+            <a:off x="2605374" y="2052116"/>
+            <a:ext cx="3891960" cy="3997828"/>
           </a:xfrm>
         </p:spPr>
         <p:txBody>
@@ -1315,18 +1872,13 @@
               <a:rPr lang="en-US"/>
               <a:t>Fifth level</a:t>
             </a:r>
-          </a:p>
-        </p:txBody>
-      </p:sp>
-      <p:sp>
-        <p:nvSpPr>
-          <p:cNvPr id="4" name="Content Placeholder 3">
-            <a:extLst>
-              <a:ext uri="{FF2B5EF4-FFF2-40B4-BE49-F238E27FC236}">
-                <a16:creationId xmlns:a16="http://schemas.microsoft.com/office/drawing/2014/main" id="{21FBFE29-A225-3F43-9E1F-6B6FC287BE60}"/>
-              </a:ext>
-            </a:extLst>
-          </p:cNvPr>
+            <a:endParaRPr lang="en-US" dirty="0"/>
+          </a:p>
+        </p:txBody>
+      </p:sp>
+      <p:sp>
+        <p:nvSpPr>
+          <p:cNvPr id="4" name="Content Placeholder 3"/>
           <p:cNvSpPr>
             <a:spLocks noGrp="1"/>
           </p:cNvSpPr>
@@ -1336,8 +1888,8 @@
         </p:nvSpPr>
         <p:spPr>
           <a:xfrm>
-            <a:off x="6172200" y="1825625"/>
-            <a:ext cx="5181600" cy="4351338"/>
+            <a:off x="6666636" y="2052114"/>
+            <a:ext cx="3894222" cy="3997829"/>
           </a:xfrm>
         </p:spPr>
         <p:txBody>
@@ -1377,18 +1929,13 @@
               <a:rPr lang="en-US"/>
               <a:t>Fifth level</a:t>
             </a:r>
-          </a:p>
-        </p:txBody>
-      </p:sp>
-      <p:sp>
-        <p:nvSpPr>
-          <p:cNvPr id="5" name="Date Placeholder 4">
-            <a:extLst>
-              <a:ext uri="{FF2B5EF4-FFF2-40B4-BE49-F238E27FC236}">
-                <a16:creationId xmlns:a16="http://schemas.microsoft.com/office/drawing/2014/main" id="{5C360410-F342-3141-879D-195D5718CE58}"/>
-              </a:ext>
-            </a:extLst>
-          </p:cNvPr>
+            <a:endParaRPr lang="en-US" dirty="0"/>
+          </a:p>
+        </p:txBody>
+      </p:sp>
+      <p:sp>
+        <p:nvSpPr>
+          <p:cNvPr id="5" name="Date Placeholder 4"/>
           <p:cNvSpPr>
             <a:spLocks noGrp="1"/>
           </p:cNvSpPr>
@@ -1411,13 +1958,7 @@
       </p:sp>
       <p:sp>
         <p:nvSpPr>
-          <p:cNvPr id="6" name="Footer Placeholder 5">
-            <a:extLst>
-              <a:ext uri="{FF2B5EF4-FFF2-40B4-BE49-F238E27FC236}">
-                <a16:creationId xmlns:a16="http://schemas.microsoft.com/office/drawing/2014/main" id="{E17DEBF2-2C1D-5F48-8AB4-9665FB4802FD}"/>
-              </a:ext>
-            </a:extLst>
-          </p:cNvPr>
+          <p:cNvPr id="6" name="Footer Placeholder 5"/>
           <p:cNvSpPr>
             <a:spLocks noGrp="1"/>
           </p:cNvSpPr>
@@ -1436,13 +1977,7 @@
       </p:sp>
       <p:sp>
         <p:nvSpPr>
-          <p:cNvPr id="7" name="Slide Number Placeholder 6">
-            <a:extLst>
-              <a:ext uri="{FF2B5EF4-FFF2-40B4-BE49-F238E27FC236}">
-                <a16:creationId xmlns:a16="http://schemas.microsoft.com/office/drawing/2014/main" id="{074A1EED-F930-0D4E-91ED-3372D88FD245}"/>
-              </a:ext>
-            </a:extLst>
-          </p:cNvPr>
+          <p:cNvPr id="7" name="Slide Number Placeholder 6"/>
           <p:cNvSpPr>
             <a:spLocks noGrp="1"/>
           </p:cNvSpPr>
@@ -1463,10 +1998,51 @@
           </a:p>
         </p:txBody>
       </p:sp>
+      <p:sp>
+        <p:nvSpPr>
+          <p:cNvPr id="10" name="TextBox 9"/>
+          <p:cNvSpPr txBox="1"/>
+          <p:nvPr/>
+        </p:nvSpPr>
+        <p:spPr>
+          <a:xfrm>
+            <a:off x="2196172" y="641223"/>
+            <a:ext cx="415636" cy="369332"/>
+          </a:xfrm>
+          <a:prstGeom prst="rect">
+            <a:avLst/>
+          </a:prstGeom>
+          <a:noFill/>
+        </p:spPr>
+        <p:txBody>
+          <a:bodyPr wrap="square" rtlCol="0">
+            <a:spAutoFit/>
+          </a:bodyPr>
+          <a:lstStyle/>
+          <a:p>
+            <a:pPr algn="r"/>
+            <a:r>
+              <a:rPr lang="en-US" sz="1800" dirty="0">
+                <a:solidFill>
+                  <a:schemeClr val="accent6"/>
+                </a:solidFill>
+                <a:latin typeface="Wingdings 3" panose="05040102010807070707" pitchFamily="18" charset="2"/>
+              </a:rPr>
+              <a:t>z</a:t>
+            </a:r>
+            <a:endParaRPr lang="en-US" sz="1000" dirty="0">
+              <a:solidFill>
+                <a:schemeClr val="accent6"/>
+              </a:solidFill>
+              <a:latin typeface="MS Shell Dlg 2" panose="020B0604030504040204" pitchFamily="34" charset="0"/>
+            </a:endParaRPr>
+          </a:p>
+        </p:txBody>
+      </p:sp>
     </p:spTree>
     <p:extLst>
       <p:ext uri="{BB962C8B-B14F-4D97-AF65-F5344CB8AC3E}">
-        <p14:creationId xmlns:p14="http://schemas.microsoft.com/office/powerpoint/2010/main" val="99018714"/>
+        <p14:creationId xmlns:p14="http://schemas.microsoft.com/office/powerpoint/2010/main" val="1768931781"/>
       </p:ext>
     </p:extLst>
   </p:cSld>
@@ -1495,24 +2071,137 @@
       </p:grpSpPr>
       <p:sp>
         <p:nvSpPr>
-          <p:cNvPr id="2" name="Title 1">
-            <a:extLst>
-              <a:ext uri="{FF2B5EF4-FFF2-40B4-BE49-F238E27FC236}">
-                <a16:creationId xmlns:a16="http://schemas.microsoft.com/office/drawing/2014/main" id="{521D729A-E915-F847-A5F9-5103505361F0}"/>
-              </a:ext>
-            </a:extLst>
-          </p:cNvPr>
-          <p:cNvSpPr>
-            <a:spLocks noGrp="1"/>
-          </p:cNvSpPr>
-          <p:nvPr>
-            <p:ph type="title"/>
-          </p:nvPr>
+          <p:cNvPr id="20" name="Rectangle 19"/>
+          <p:cNvSpPr/>
+          <p:nvPr/>
         </p:nvSpPr>
         <p:spPr>
           <a:xfrm>
-            <a:off x="839788" y="365125"/>
-            <a:ext cx="10515600" cy="1325563"/>
+            <a:off x="1004479" y="0"/>
+            <a:ext cx="10372316" cy="6858000"/>
+          </a:xfrm>
+          <a:prstGeom prst="rect">
+            <a:avLst/>
+          </a:prstGeom>
+          <a:solidFill>
+            <a:schemeClr val="bg2">
+              <a:alpha val="92000"/>
+            </a:schemeClr>
+          </a:solidFill>
+          <a:ln>
+            <a:noFill/>
+          </a:ln>
+        </p:spPr>
+        <p:style>
+          <a:lnRef idx="2">
+            <a:schemeClr val="accent1">
+              <a:shade val="50000"/>
+            </a:schemeClr>
+          </a:lnRef>
+          <a:fillRef idx="1">
+            <a:schemeClr val="accent1"/>
+          </a:fillRef>
+          <a:effectRef idx="0">
+            <a:schemeClr val="accent1"/>
+          </a:effectRef>
+          <a:fontRef idx="minor">
+            <a:schemeClr val="lt1"/>
+          </a:fontRef>
+        </p:style>
+      </p:sp>
+      <p:sp>
+        <p:nvSpPr>
+          <p:cNvPr id="21" name="Rectangle 20"/>
+          <p:cNvSpPr/>
+          <p:nvPr/>
+        </p:nvSpPr>
+        <p:spPr>
+          <a:xfrm>
+            <a:off x="11377328" y="0"/>
+            <a:ext cx="27432" cy="6858000"/>
+          </a:xfrm>
+          <a:prstGeom prst="rect">
+            <a:avLst/>
+          </a:prstGeom>
+          <a:solidFill>
+            <a:schemeClr val="accent6"/>
+          </a:solidFill>
+          <a:ln>
+            <a:noFill/>
+          </a:ln>
+        </p:spPr>
+        <p:style>
+          <a:lnRef idx="2">
+            <a:schemeClr val="accent1">
+              <a:shade val="50000"/>
+            </a:schemeClr>
+          </a:lnRef>
+          <a:fillRef idx="1">
+            <a:schemeClr val="accent1"/>
+          </a:fillRef>
+          <a:effectRef idx="0">
+            <a:schemeClr val="accent1"/>
+          </a:effectRef>
+          <a:fontRef idx="minor">
+            <a:schemeClr val="lt1"/>
+          </a:fontRef>
+        </p:style>
+      </p:sp>
+      <p:sp>
+        <p:nvSpPr>
+          <p:cNvPr id="12" name="TextBox 11"/>
+          <p:cNvSpPr txBox="1"/>
+          <p:nvPr/>
+        </p:nvSpPr>
+        <p:spPr>
+          <a:xfrm>
+            <a:off x="2193650" y="636424"/>
+            <a:ext cx="415636" cy="369332"/>
+          </a:xfrm>
+          <a:prstGeom prst="rect">
+            <a:avLst/>
+          </a:prstGeom>
+          <a:noFill/>
+        </p:spPr>
+        <p:txBody>
+          <a:bodyPr wrap="square" rtlCol="0">
+            <a:spAutoFit/>
+          </a:bodyPr>
+          <a:lstStyle/>
+          <a:p>
+            <a:pPr algn="r"/>
+            <a:r>
+              <a:rPr lang="en-US" sz="1800" dirty="0">
+                <a:solidFill>
+                  <a:schemeClr val="accent6"/>
+                </a:solidFill>
+                <a:latin typeface="Wingdings 3" panose="05040102010807070707" pitchFamily="18" charset="2"/>
+              </a:rPr>
+              <a:t>z</a:t>
+            </a:r>
+            <a:endParaRPr lang="en-US" sz="1000" dirty="0">
+              <a:solidFill>
+                <a:schemeClr val="accent6"/>
+              </a:solidFill>
+              <a:latin typeface="MS Shell Dlg 2" panose="020B0604030504040204" pitchFamily="34" charset="0"/>
+            </a:endParaRPr>
+          </a:p>
+        </p:txBody>
+      </p:sp>
+      <p:sp>
+        <p:nvSpPr>
+          <p:cNvPr id="2" name="Title 1"/>
+          <p:cNvSpPr>
+            <a:spLocks noGrp="1"/>
+          </p:cNvSpPr>
+          <p:nvPr>
+            <p:ph type="title"/>
+          </p:nvPr>
+        </p:nvSpPr>
+        <p:spPr>
+          <a:xfrm>
+            <a:off x="2609873" y="805818"/>
+            <a:ext cx="7956560" cy="1078348"/>
           </a:xfrm>
         </p:spPr>
         <p:txBody>
@@ -1523,18 +2212,13 @@
               <a:rPr lang="en-US"/>
               <a:t>Click to edit Master title style</a:t>
             </a:r>
-          </a:p>
-        </p:txBody>
-      </p:sp>
-      <p:sp>
-        <p:nvSpPr>
-          <p:cNvPr id="3" name="Text Placeholder 2">
-            <a:extLst>
-              <a:ext uri="{FF2B5EF4-FFF2-40B4-BE49-F238E27FC236}">
-                <a16:creationId xmlns:a16="http://schemas.microsoft.com/office/drawing/2014/main" id="{6FAB49F4-2454-744A-BBEE-DA5A340D3622}"/>
-              </a:ext>
-            </a:extLst>
-          </p:cNvPr>
+            <a:endParaRPr lang="en-US" dirty="0"/>
+          </a:p>
+        </p:txBody>
+      </p:sp>
+      <p:sp>
+        <p:nvSpPr>
+          <p:cNvPr id="3" name="Text Placeholder 2"/>
           <p:cNvSpPr>
             <a:spLocks noGrp="1"/>
           </p:cNvSpPr>
@@ -1544,16 +2228,25 @@
         </p:nvSpPr>
         <p:spPr>
           <a:xfrm>
-            <a:off x="839788" y="1681163"/>
-            <a:ext cx="5157787" cy="823912"/>
+            <a:off x="2609285" y="2052115"/>
+            <a:ext cx="3896467" cy="713818"/>
           </a:xfrm>
         </p:spPr>
         <p:txBody>
-          <a:bodyPr anchor="b"/>
+          <a:bodyPr anchor="b">
+            <a:noAutofit/>
+          </a:bodyPr>
           <a:lstStyle>
-            <a:lvl1pPr marL="0" indent="0">
+            <a:lvl1pPr marL="0" indent="0" algn="l">
+              <a:lnSpc>
+                <a:spcPct val="100000"/>
+              </a:lnSpc>
               <a:buNone/>
-              <a:defRPr sz="2400" b="1"/>
+              <a:defRPr sz="2200" b="0" cap="none" baseline="0">
+                <a:solidFill>
+                  <a:schemeClr val="accent6"/>
+                </a:solidFill>
+              </a:defRPr>
             </a:lvl1pPr>
             <a:lvl2pPr marL="457200" indent="0">
               <a:buNone/>
@@ -1599,13 +2292,7 @@
       </p:sp>
       <p:sp>
         <p:nvSpPr>
-          <p:cNvPr id="4" name="Content Placeholder 3">
-            <a:extLst>
-              <a:ext uri="{FF2B5EF4-FFF2-40B4-BE49-F238E27FC236}">
-                <a16:creationId xmlns:a16="http://schemas.microsoft.com/office/drawing/2014/main" id="{CFD0423C-0FB3-DF43-8335-90F994539E84}"/>
-              </a:ext>
-            </a:extLst>
-          </p:cNvPr>
+          <p:cNvPr id="4" name="Content Placeholder 3"/>
           <p:cNvSpPr>
             <a:spLocks noGrp="1"/>
           </p:cNvSpPr>
@@ -1615,8 +2302,8 @@
         </p:nvSpPr>
         <p:spPr>
           <a:xfrm>
-            <a:off x="839788" y="2505075"/>
-            <a:ext cx="5157787" cy="3684588"/>
+            <a:off x="2609285" y="2851331"/>
+            <a:ext cx="3893623" cy="3071434"/>
           </a:xfrm>
         </p:spPr>
         <p:txBody>
@@ -1656,18 +2343,13 @@
               <a:rPr lang="en-US"/>
               <a:t>Fifth level</a:t>
             </a:r>
-          </a:p>
-        </p:txBody>
-      </p:sp>
-      <p:sp>
-        <p:nvSpPr>
-          <p:cNvPr id="5" name="Text Placeholder 4">
-            <a:extLst>
-              <a:ext uri="{FF2B5EF4-FFF2-40B4-BE49-F238E27FC236}">
-                <a16:creationId xmlns:a16="http://schemas.microsoft.com/office/drawing/2014/main" id="{BBEEFCFC-7A4A-274C-B7A9-71B5C1D973BB}"/>
-              </a:ext>
-            </a:extLst>
-          </p:cNvPr>
+            <a:endParaRPr lang="en-US" dirty="0"/>
+          </a:p>
+        </p:txBody>
+      </p:sp>
+      <p:sp>
+        <p:nvSpPr>
+          <p:cNvPr id="5" name="Text Placeholder 4"/>
           <p:cNvSpPr>
             <a:spLocks noGrp="1"/>
           </p:cNvSpPr>
@@ -1677,16 +2359,25 @@
         </p:nvSpPr>
         <p:spPr>
           <a:xfrm>
-            <a:off x="6172200" y="1681163"/>
-            <a:ext cx="5183188" cy="823912"/>
+            <a:off x="6666634" y="2052115"/>
+            <a:ext cx="3899798" cy="713818"/>
           </a:xfrm>
         </p:spPr>
         <p:txBody>
-          <a:bodyPr anchor="b"/>
+          <a:bodyPr anchor="b">
+            <a:noAutofit/>
+          </a:bodyPr>
           <a:lstStyle>
-            <a:lvl1pPr marL="0" indent="0">
+            <a:lvl1pPr marL="0" indent="0" algn="l">
+              <a:lnSpc>
+                <a:spcPct val="100000"/>
+              </a:lnSpc>
               <a:buNone/>
-              <a:defRPr sz="2400" b="1"/>
+              <a:defRPr sz="2200" b="0" cap="none" baseline="0">
+                <a:solidFill>
+                  <a:schemeClr val="accent6"/>
+                </a:solidFill>
+              </a:defRPr>
             </a:lvl1pPr>
             <a:lvl2pPr marL="457200" indent="0">
               <a:buNone/>
@@ -1732,13 +2423,7 @@
       </p:sp>
       <p:sp>
         <p:nvSpPr>
-          <p:cNvPr id="6" name="Content Placeholder 5">
-            <a:extLst>
-              <a:ext uri="{FF2B5EF4-FFF2-40B4-BE49-F238E27FC236}">
-                <a16:creationId xmlns:a16="http://schemas.microsoft.com/office/drawing/2014/main" id="{B4E667AF-27AE-3C4F-A458-91BE4DB86F42}"/>
-              </a:ext>
-            </a:extLst>
-          </p:cNvPr>
+          <p:cNvPr id="6" name="Content Placeholder 5"/>
           <p:cNvSpPr>
             <a:spLocks noGrp="1"/>
           </p:cNvSpPr>
@@ -1748,8 +2433,8 @@
         </p:nvSpPr>
         <p:spPr>
           <a:xfrm>
-            <a:off x="6172200" y="2505075"/>
-            <a:ext cx="5183188" cy="3684588"/>
+            <a:off x="6666635" y="2851331"/>
+            <a:ext cx="3899798" cy="3071434"/>
           </a:xfrm>
         </p:spPr>
         <p:txBody>
@@ -1789,18 +2474,13 @@
               <a:rPr lang="en-US"/>
               <a:t>Fifth level</a:t>
             </a:r>
-          </a:p>
-        </p:txBody>
-      </p:sp>
-      <p:sp>
-        <p:nvSpPr>
-          <p:cNvPr id="7" name="Date Placeholder 6">
-            <a:extLst>
-              <a:ext uri="{FF2B5EF4-FFF2-40B4-BE49-F238E27FC236}">
-                <a16:creationId xmlns:a16="http://schemas.microsoft.com/office/drawing/2014/main" id="{A2AA0148-8AFF-3245-B6DD-9769165DFD92}"/>
-              </a:ext>
-            </a:extLst>
-          </p:cNvPr>
+            <a:endParaRPr lang="en-US" dirty="0"/>
+          </a:p>
+        </p:txBody>
+      </p:sp>
+      <p:sp>
+        <p:nvSpPr>
+          <p:cNvPr id="7" name="Date Placeholder 6"/>
           <p:cNvSpPr>
             <a:spLocks noGrp="1"/>
           </p:cNvSpPr>
@@ -1823,13 +2503,7 @@
       </p:sp>
       <p:sp>
         <p:nvSpPr>
-          <p:cNvPr id="8" name="Footer Placeholder 7">
-            <a:extLst>
-              <a:ext uri="{FF2B5EF4-FFF2-40B4-BE49-F238E27FC236}">
-                <a16:creationId xmlns:a16="http://schemas.microsoft.com/office/drawing/2014/main" id="{52DFE5BB-843E-1448-A3FC-873EB11C5245}"/>
-              </a:ext>
-            </a:extLst>
-          </p:cNvPr>
+          <p:cNvPr id="8" name="Footer Placeholder 7"/>
           <p:cNvSpPr>
             <a:spLocks noGrp="1"/>
           </p:cNvSpPr>
@@ -1848,13 +2522,7 @@
       </p:sp>
       <p:sp>
         <p:nvSpPr>
-          <p:cNvPr id="9" name="Slide Number Placeholder 8">
-            <a:extLst>
-              <a:ext uri="{FF2B5EF4-FFF2-40B4-BE49-F238E27FC236}">
-                <a16:creationId xmlns:a16="http://schemas.microsoft.com/office/drawing/2014/main" id="{8F45396B-F7FA-5C45-B9B3-282D9D3C2553}"/>
-              </a:ext>
-            </a:extLst>
-          </p:cNvPr>
+          <p:cNvPr id="9" name="Slide Number Placeholder 8"/>
           <p:cNvSpPr>
             <a:spLocks noGrp="1"/>
           </p:cNvSpPr>
@@ -1878,7 +2546,7 @@
     </p:spTree>
     <p:extLst>
       <p:ext uri="{BB962C8B-B14F-4D97-AF65-F5344CB8AC3E}">
-        <p14:creationId xmlns:p14="http://schemas.microsoft.com/office/powerpoint/2010/main" val="3029078857"/>
+        <p14:creationId xmlns:p14="http://schemas.microsoft.com/office/powerpoint/2010/main" val="1080681516"/>
       </p:ext>
     </p:extLst>
   </p:cSld>
@@ -1907,13 +2575,85 @@
       </p:grpSpPr>
       <p:sp>
         <p:nvSpPr>
-          <p:cNvPr id="2" name="Title 1">
-            <a:extLst>
-              <a:ext uri="{FF2B5EF4-FFF2-40B4-BE49-F238E27FC236}">
-                <a16:creationId xmlns:a16="http://schemas.microsoft.com/office/drawing/2014/main" id="{443BEA1F-6CC8-A445-A45E-1F7421F9F719}"/>
-              </a:ext>
-            </a:extLst>
-          </p:cNvPr>
+          <p:cNvPr id="13" name="Rectangle 12"/>
+          <p:cNvSpPr/>
+          <p:nvPr/>
+        </p:nvSpPr>
+        <p:spPr>
+          <a:xfrm>
+            <a:off x="1004479" y="0"/>
+            <a:ext cx="10372316" cy="6858000"/>
+          </a:xfrm>
+          <a:prstGeom prst="rect">
+            <a:avLst/>
+          </a:prstGeom>
+          <a:solidFill>
+            <a:schemeClr val="bg2">
+              <a:alpha val="92000"/>
+            </a:schemeClr>
+          </a:solidFill>
+          <a:ln>
+            <a:noFill/>
+          </a:ln>
+        </p:spPr>
+        <p:style>
+          <a:lnRef idx="2">
+            <a:schemeClr val="accent1">
+              <a:shade val="50000"/>
+            </a:schemeClr>
+          </a:lnRef>
+          <a:fillRef idx="1">
+            <a:schemeClr val="accent1"/>
+          </a:fillRef>
+          <a:effectRef idx="0">
+            <a:schemeClr val="accent1"/>
+          </a:effectRef>
+          <a:fontRef idx="minor">
+            <a:schemeClr val="lt1"/>
+          </a:fontRef>
+        </p:style>
+      </p:sp>
+      <p:sp>
+        <p:nvSpPr>
+          <p:cNvPr id="14" name="Rectangle 13"/>
+          <p:cNvSpPr/>
+          <p:nvPr/>
+        </p:nvSpPr>
+        <p:spPr>
+          <a:xfrm>
+            <a:off x="11377328" y="0"/>
+            <a:ext cx="27432" cy="6858000"/>
+          </a:xfrm>
+          <a:prstGeom prst="rect">
+            <a:avLst/>
+          </a:prstGeom>
+          <a:solidFill>
+            <a:schemeClr val="accent6"/>
+          </a:solidFill>
+          <a:ln>
+            <a:noFill/>
+          </a:ln>
+        </p:spPr>
+        <p:style>
+          <a:lnRef idx="2">
+            <a:schemeClr val="accent1">
+              <a:shade val="50000"/>
+            </a:schemeClr>
+          </a:lnRef>
+          <a:fillRef idx="1">
+            <a:schemeClr val="accent1"/>
+          </a:fillRef>
+          <a:effectRef idx="0">
+            <a:schemeClr val="accent1"/>
+          </a:effectRef>
+          <a:fontRef idx="minor">
+            <a:schemeClr val="lt1"/>
+          </a:fontRef>
+        </p:style>
+      </p:sp>
+      <p:sp>
+        <p:nvSpPr>
+          <p:cNvPr id="2" name="Title 1"/>
           <p:cNvSpPr>
             <a:spLocks noGrp="1"/>
           </p:cNvSpPr>
@@ -1930,18 +2670,13 @@
               <a:rPr lang="en-US"/>
               <a:t>Click to edit Master title style</a:t>
             </a:r>
-          </a:p>
-        </p:txBody>
-      </p:sp>
-      <p:sp>
-        <p:nvSpPr>
-          <p:cNvPr id="3" name="Date Placeholder 2">
-            <a:extLst>
-              <a:ext uri="{FF2B5EF4-FFF2-40B4-BE49-F238E27FC236}">
-                <a16:creationId xmlns:a16="http://schemas.microsoft.com/office/drawing/2014/main" id="{39B6FDAC-7209-424A-9959-0E175642DC27}"/>
-              </a:ext>
-            </a:extLst>
-          </p:cNvPr>
+            <a:endParaRPr lang="en-US" dirty="0"/>
+          </a:p>
+        </p:txBody>
+      </p:sp>
+      <p:sp>
+        <p:nvSpPr>
+          <p:cNvPr id="3" name="Date Placeholder 2"/>
           <p:cNvSpPr>
             <a:spLocks noGrp="1"/>
           </p:cNvSpPr>
@@ -1964,13 +2699,7 @@
       </p:sp>
       <p:sp>
         <p:nvSpPr>
-          <p:cNvPr id="4" name="Footer Placeholder 3">
-            <a:extLst>
-              <a:ext uri="{FF2B5EF4-FFF2-40B4-BE49-F238E27FC236}">
-                <a16:creationId xmlns:a16="http://schemas.microsoft.com/office/drawing/2014/main" id="{D1AA974C-C2C2-CE4C-9929-665806C4B551}"/>
-              </a:ext>
-            </a:extLst>
-          </p:cNvPr>
+          <p:cNvPr id="4" name="Footer Placeholder 3"/>
           <p:cNvSpPr>
             <a:spLocks noGrp="1"/>
           </p:cNvSpPr>
@@ -1989,13 +2718,7 @@
       </p:sp>
       <p:sp>
         <p:nvSpPr>
-          <p:cNvPr id="5" name="Slide Number Placeholder 4">
-            <a:extLst>
-              <a:ext uri="{FF2B5EF4-FFF2-40B4-BE49-F238E27FC236}">
-                <a16:creationId xmlns:a16="http://schemas.microsoft.com/office/drawing/2014/main" id="{1262C158-ABCE-324F-8B57-F32FD8A1E53C}"/>
-              </a:ext>
-            </a:extLst>
-          </p:cNvPr>
+          <p:cNvPr id="5" name="Slide Number Placeholder 4"/>
           <p:cNvSpPr>
             <a:spLocks noGrp="1"/>
           </p:cNvSpPr>
@@ -2016,10 +2739,51 @@
           </a:p>
         </p:txBody>
       </p:sp>
+      <p:sp>
+        <p:nvSpPr>
+          <p:cNvPr id="8" name="TextBox 7"/>
+          <p:cNvSpPr txBox="1"/>
+          <p:nvPr/>
+        </p:nvSpPr>
+        <p:spPr>
+          <a:xfrm>
+            <a:off x="2196172" y="641226"/>
+            <a:ext cx="415636" cy="369332"/>
+          </a:xfrm>
+          <a:prstGeom prst="rect">
+            <a:avLst/>
+          </a:prstGeom>
+          <a:noFill/>
+        </p:spPr>
+        <p:txBody>
+          <a:bodyPr wrap="square" rtlCol="0">
+            <a:spAutoFit/>
+          </a:bodyPr>
+          <a:lstStyle/>
+          <a:p>
+            <a:pPr algn="r"/>
+            <a:r>
+              <a:rPr lang="en-US" sz="1800" dirty="0">
+                <a:solidFill>
+                  <a:schemeClr val="accent6"/>
+                </a:solidFill>
+                <a:latin typeface="Wingdings 3" panose="05040102010807070707" pitchFamily="18" charset="2"/>
+              </a:rPr>
+              <a:t>z</a:t>
+            </a:r>
+            <a:endParaRPr lang="en-US" sz="1000" dirty="0">
+              <a:solidFill>
+                <a:schemeClr val="accent6"/>
+              </a:solidFill>
+              <a:latin typeface="MS Shell Dlg 2" panose="020B0604030504040204" pitchFamily="34" charset="0"/>
+            </a:endParaRPr>
+          </a:p>
+        </p:txBody>
+      </p:sp>
     </p:spTree>
     <p:extLst>
       <p:ext uri="{BB962C8B-B14F-4D97-AF65-F5344CB8AC3E}">
-        <p14:creationId xmlns:p14="http://schemas.microsoft.com/office/powerpoint/2010/main" val="124386954"/>
+        <p14:creationId xmlns:p14="http://schemas.microsoft.com/office/powerpoint/2010/main" val="1871786871"/>
       </p:ext>
     </p:extLst>
   </p:cSld>
@@ -2048,13 +2812,85 @@
       </p:grpSpPr>
       <p:sp>
         <p:nvSpPr>
-          <p:cNvPr id="2" name="Date Placeholder 1">
-            <a:extLst>
-              <a:ext uri="{FF2B5EF4-FFF2-40B4-BE49-F238E27FC236}">
-                <a16:creationId xmlns:a16="http://schemas.microsoft.com/office/drawing/2014/main" id="{6D8FDA14-8912-E54D-8255-114B19D36CA4}"/>
-              </a:ext>
-            </a:extLst>
-          </p:cNvPr>
+          <p:cNvPr id="12" name="Rectangle 11"/>
+          <p:cNvSpPr/>
+          <p:nvPr/>
+        </p:nvSpPr>
+        <p:spPr>
+          <a:xfrm>
+            <a:off x="1004479" y="0"/>
+            <a:ext cx="10372316" cy="6858000"/>
+          </a:xfrm>
+          <a:prstGeom prst="rect">
+            <a:avLst/>
+          </a:prstGeom>
+          <a:solidFill>
+            <a:schemeClr val="bg2">
+              <a:alpha val="92000"/>
+            </a:schemeClr>
+          </a:solidFill>
+          <a:ln>
+            <a:noFill/>
+          </a:ln>
+        </p:spPr>
+        <p:style>
+          <a:lnRef idx="2">
+            <a:schemeClr val="accent1">
+              <a:shade val="50000"/>
+            </a:schemeClr>
+          </a:lnRef>
+          <a:fillRef idx="1">
+            <a:schemeClr val="accent1"/>
+          </a:fillRef>
+          <a:effectRef idx="0">
+            <a:schemeClr val="accent1"/>
+          </a:effectRef>
+          <a:fontRef idx="minor">
+            <a:schemeClr val="lt1"/>
+          </a:fontRef>
+        </p:style>
+      </p:sp>
+      <p:sp>
+        <p:nvSpPr>
+          <p:cNvPr id="13" name="Rectangle 12"/>
+          <p:cNvSpPr/>
+          <p:nvPr/>
+        </p:nvSpPr>
+        <p:spPr>
+          <a:xfrm>
+            <a:off x="11377328" y="0"/>
+            <a:ext cx="27432" cy="6858000"/>
+          </a:xfrm>
+          <a:prstGeom prst="rect">
+            <a:avLst/>
+          </a:prstGeom>
+          <a:solidFill>
+            <a:schemeClr val="accent6"/>
+          </a:solidFill>
+          <a:ln>
+            <a:noFill/>
+          </a:ln>
+        </p:spPr>
+        <p:style>
+          <a:lnRef idx="2">
+            <a:schemeClr val="accent1">
+              <a:shade val="50000"/>
+            </a:schemeClr>
+          </a:lnRef>
+          <a:fillRef idx="1">
+            <a:schemeClr val="accent1"/>
+          </a:fillRef>
+          <a:effectRef idx="0">
+            <a:schemeClr val="accent1"/>
+          </a:effectRef>
+          <a:fontRef idx="minor">
+            <a:schemeClr val="lt1"/>
+          </a:fontRef>
+        </p:style>
+      </p:sp>
+      <p:sp>
+        <p:nvSpPr>
+          <p:cNvPr id="2" name="Date Placeholder 1"/>
           <p:cNvSpPr>
             <a:spLocks noGrp="1"/>
           </p:cNvSpPr>
@@ -2077,13 +2913,7 @@
       </p:sp>
       <p:sp>
         <p:nvSpPr>
-          <p:cNvPr id="3" name="Footer Placeholder 2">
-            <a:extLst>
-              <a:ext uri="{FF2B5EF4-FFF2-40B4-BE49-F238E27FC236}">
-                <a16:creationId xmlns:a16="http://schemas.microsoft.com/office/drawing/2014/main" id="{9CBEEAD8-7903-B04E-9C6B-698604A5D16B}"/>
-              </a:ext>
-            </a:extLst>
-          </p:cNvPr>
+          <p:cNvPr id="3" name="Footer Placeholder 2"/>
           <p:cNvSpPr>
             <a:spLocks noGrp="1"/>
           </p:cNvSpPr>
@@ -2102,13 +2932,7 @@
       </p:sp>
       <p:sp>
         <p:nvSpPr>
-          <p:cNvPr id="4" name="Slide Number Placeholder 3">
-            <a:extLst>
-              <a:ext uri="{FF2B5EF4-FFF2-40B4-BE49-F238E27FC236}">
-                <a16:creationId xmlns:a16="http://schemas.microsoft.com/office/drawing/2014/main" id="{3F3F2C90-0435-BB4E-ADA0-E40B5DCBE29F}"/>
-              </a:ext>
-            </a:extLst>
-          </p:cNvPr>
+          <p:cNvPr id="4" name="Slide Number Placeholder 3"/>
           <p:cNvSpPr>
             <a:spLocks noGrp="1"/>
           </p:cNvSpPr>
@@ -2132,7 +2956,7 @@
     </p:spTree>
     <p:extLst>
       <p:ext uri="{BB962C8B-B14F-4D97-AF65-F5344CB8AC3E}">
-        <p14:creationId xmlns:p14="http://schemas.microsoft.com/office/powerpoint/2010/main" val="4046991284"/>
+        <p14:creationId xmlns:p14="http://schemas.microsoft.com/office/powerpoint/2010/main" val="46962505"/>
       </p:ext>
     </p:extLst>
   </p:cSld>
@@ -2161,31 +2985,146 @@
       </p:grpSpPr>
       <p:sp>
         <p:nvSpPr>
-          <p:cNvPr id="2" name="Title 1">
-            <a:extLst>
-              <a:ext uri="{FF2B5EF4-FFF2-40B4-BE49-F238E27FC236}">
-                <a16:creationId xmlns:a16="http://schemas.microsoft.com/office/drawing/2014/main" id="{97633772-54DF-0C4A-A6D6-6BD269BA5528}"/>
-              </a:ext>
-            </a:extLst>
-          </p:cNvPr>
-          <p:cNvSpPr>
-            <a:spLocks noGrp="1"/>
-          </p:cNvSpPr>
-          <p:nvPr>
-            <p:ph type="title"/>
-          </p:nvPr>
+          <p:cNvPr id="25" name="Rectangle 24"/>
+          <p:cNvSpPr/>
+          <p:nvPr/>
         </p:nvSpPr>
         <p:spPr>
           <a:xfrm>
-            <a:off x="839788" y="457200"/>
-            <a:ext cx="3932237" cy="1600200"/>
+            <a:off x="1004479" y="0"/>
+            <a:ext cx="10372316" cy="6858000"/>
+          </a:xfrm>
+          <a:prstGeom prst="rect">
+            <a:avLst/>
+          </a:prstGeom>
+          <a:solidFill>
+            <a:schemeClr val="bg2">
+              <a:alpha val="92000"/>
+            </a:schemeClr>
+          </a:solidFill>
+          <a:ln>
+            <a:noFill/>
+          </a:ln>
+        </p:spPr>
+        <p:style>
+          <a:lnRef idx="2">
+            <a:schemeClr val="accent1">
+              <a:shade val="50000"/>
+            </a:schemeClr>
+          </a:lnRef>
+          <a:fillRef idx="1">
+            <a:schemeClr val="accent1"/>
+          </a:fillRef>
+          <a:effectRef idx="0">
+            <a:schemeClr val="accent1"/>
+          </a:effectRef>
+          <a:fontRef idx="minor">
+            <a:schemeClr val="lt1"/>
+          </a:fontRef>
+        </p:style>
+      </p:sp>
+      <p:sp>
+        <p:nvSpPr>
+          <p:cNvPr id="26" name="Rectangle 25"/>
+          <p:cNvSpPr/>
+          <p:nvPr/>
+        </p:nvSpPr>
+        <p:spPr>
+          <a:xfrm>
+            <a:off x="11377328" y="0"/>
+            <a:ext cx="27432" cy="6858000"/>
+          </a:xfrm>
+          <a:prstGeom prst="rect">
+            <a:avLst/>
+          </a:prstGeom>
+          <a:solidFill>
+            <a:schemeClr val="accent6"/>
+          </a:solidFill>
+          <a:ln>
+            <a:noFill/>
+          </a:ln>
+        </p:spPr>
+        <p:style>
+          <a:lnRef idx="2">
+            <a:schemeClr val="accent1">
+              <a:shade val="50000"/>
+            </a:schemeClr>
+          </a:lnRef>
+          <a:fillRef idx="1">
+            <a:schemeClr val="accent1"/>
+          </a:fillRef>
+          <a:effectRef idx="0">
+            <a:schemeClr val="accent1"/>
+          </a:effectRef>
+          <a:fontRef idx="minor">
+            <a:schemeClr val="lt1"/>
+          </a:fontRef>
+        </p:style>
+      </p:sp>
+      <p:sp>
+        <p:nvSpPr>
+          <p:cNvPr id="10" name="TextBox 9"/>
+          <p:cNvSpPr txBox="1"/>
+          <p:nvPr/>
+        </p:nvSpPr>
+        <p:spPr>
+          <a:xfrm>
+            <a:off x="1554154" y="1127550"/>
+            <a:ext cx="415636" cy="369332"/>
+          </a:xfrm>
+          <a:prstGeom prst="rect">
+            <a:avLst/>
+          </a:prstGeom>
+          <a:noFill/>
+        </p:spPr>
+        <p:txBody>
+          <a:bodyPr wrap="square" rtlCol="0">
+            <a:spAutoFit/>
+          </a:bodyPr>
+          <a:lstStyle/>
+          <a:p>
+            <a:pPr algn="r"/>
+            <a:r>
+              <a:rPr lang="en-US" sz="1800" dirty="0">
+                <a:solidFill>
+                  <a:schemeClr val="accent6"/>
+                </a:solidFill>
+                <a:latin typeface="Wingdings 3" panose="05040102010807070707" pitchFamily="18" charset="2"/>
+              </a:rPr>
+              <a:t>z</a:t>
+            </a:r>
+            <a:endParaRPr lang="en-US" sz="1000" dirty="0">
+              <a:solidFill>
+                <a:schemeClr val="accent6"/>
+              </a:solidFill>
+              <a:latin typeface="MS Shell Dlg 2" panose="020B0604030504040204" pitchFamily="34" charset="0"/>
+            </a:endParaRPr>
+          </a:p>
+        </p:txBody>
+      </p:sp>
+      <p:sp>
+        <p:nvSpPr>
+          <p:cNvPr id="2" name="Title 1"/>
+          <p:cNvSpPr>
+            <a:spLocks noGrp="1"/>
+          </p:cNvSpPr>
+          <p:nvPr>
+            <p:ph type="title"/>
+          </p:nvPr>
+        </p:nvSpPr>
+        <p:spPr>
+          <a:xfrm>
+            <a:off x="1970323" y="1282451"/>
+            <a:ext cx="2664361" cy="1903241"/>
           </a:xfrm>
         </p:spPr>
         <p:txBody>
-          <a:bodyPr anchor="b"/>
+          <a:bodyPr anchor="b">
+            <a:normAutofit/>
+          </a:bodyPr>
           <a:lstStyle>
-            <a:lvl1pPr>
-              <a:defRPr sz="3200"/>
+            <a:lvl1pPr algn="l">
+              <a:defRPr sz="2400"/>
             </a:lvl1pPr>
           </a:lstStyle>
           <a:p>
@@ -2193,18 +3132,13 @@
               <a:rPr lang="en-US"/>
               <a:t>Click to edit Master title style</a:t>
             </a:r>
-          </a:p>
-        </p:txBody>
-      </p:sp>
-      <p:sp>
-        <p:nvSpPr>
-          <p:cNvPr id="3" name="Content Placeholder 2">
-            <a:extLst>
-              <a:ext uri="{FF2B5EF4-FFF2-40B4-BE49-F238E27FC236}">
-                <a16:creationId xmlns:a16="http://schemas.microsoft.com/office/drawing/2014/main" id="{1CB564A8-EAC0-2B46-B4D3-10BDCBBB7A21}"/>
-              </a:ext>
-            </a:extLst>
-          </p:cNvPr>
+            <a:endParaRPr lang="en-US" dirty="0"/>
+          </a:p>
+        </p:txBody>
+      </p:sp>
+      <p:sp>
+        <p:nvSpPr>
+          <p:cNvPr id="3" name="Content Placeholder 2"/>
           <p:cNvSpPr>
             <a:spLocks noGrp="1"/>
           </p:cNvSpPr>
@@ -2214,104 +3148,71 @@
         </p:nvSpPr>
         <p:spPr>
           <a:xfrm>
-            <a:off x="5183188" y="987425"/>
-            <a:ext cx="6172200" cy="4873625"/>
+            <a:off x="5120154" y="805818"/>
+            <a:ext cx="5446278" cy="5244126"/>
           </a:xfrm>
         </p:spPr>
         <p:txBody>
+          <a:bodyPr anchor="ctr"/>
+          <a:lstStyle/>
+          <a:p>
+            <a:pPr lvl="0"/>
+            <a:r>
+              <a:rPr lang="en-US"/>
+              <a:t>Click to edit Master text styles</a:t>
+            </a:r>
+          </a:p>
+          <a:p>
+            <a:pPr lvl="1"/>
+            <a:r>
+              <a:rPr lang="en-US"/>
+              <a:t>Second level</a:t>
+            </a:r>
+          </a:p>
+          <a:p>
+            <a:pPr lvl="2"/>
+            <a:r>
+              <a:rPr lang="en-US"/>
+              <a:t>Third level</a:t>
+            </a:r>
+          </a:p>
+          <a:p>
+            <a:pPr lvl="3"/>
+            <a:r>
+              <a:rPr lang="en-US"/>
+              <a:t>Fourth level</a:t>
+            </a:r>
+          </a:p>
+          <a:p>
+            <a:pPr lvl="4"/>
+            <a:r>
+              <a:rPr lang="en-US"/>
+              <a:t>Fifth level</a:t>
+            </a:r>
+            <a:endParaRPr lang="en-US" dirty="0"/>
+          </a:p>
+        </p:txBody>
+      </p:sp>
+      <p:sp>
+        <p:nvSpPr>
+          <p:cNvPr id="4" name="Text Placeholder 3"/>
+          <p:cNvSpPr>
+            <a:spLocks noGrp="1"/>
+          </p:cNvSpPr>
+          <p:nvPr>
+            <p:ph type="body" sz="half" idx="2"/>
+          </p:nvPr>
+        </p:nvSpPr>
+        <p:spPr>
+          <a:xfrm>
+            <a:off x="1970322" y="3186154"/>
+            <a:ext cx="2664361" cy="2386397"/>
+          </a:xfrm>
+        </p:spPr>
+        <p:txBody>
           <a:bodyPr/>
           <a:lstStyle>
-            <a:lvl1pPr>
-              <a:defRPr sz="3200"/>
-            </a:lvl1pPr>
-            <a:lvl2pPr>
-              <a:defRPr sz="2800"/>
-            </a:lvl2pPr>
-            <a:lvl3pPr>
-              <a:defRPr sz="2400"/>
-            </a:lvl3pPr>
-            <a:lvl4pPr>
-              <a:defRPr sz="2000"/>
-            </a:lvl4pPr>
-            <a:lvl5pPr>
-              <a:defRPr sz="2000"/>
-            </a:lvl5pPr>
-            <a:lvl6pPr>
-              <a:defRPr sz="2000"/>
-            </a:lvl6pPr>
-            <a:lvl7pPr>
-              <a:defRPr sz="2000"/>
-            </a:lvl7pPr>
-            <a:lvl8pPr>
-              <a:defRPr sz="2000"/>
-            </a:lvl8pPr>
-            <a:lvl9pPr>
-              <a:defRPr sz="2000"/>
-            </a:lvl9pPr>
-          </a:lstStyle>
-          <a:p>
-            <a:pPr lvl="0"/>
-            <a:r>
-              <a:rPr lang="en-US"/>
-              <a:t>Click to edit Master text styles</a:t>
-            </a:r>
-          </a:p>
-          <a:p>
-            <a:pPr lvl="1"/>
-            <a:r>
-              <a:rPr lang="en-US"/>
-              <a:t>Second level</a:t>
-            </a:r>
-          </a:p>
-          <a:p>
-            <a:pPr lvl="2"/>
-            <a:r>
-              <a:rPr lang="en-US"/>
-              <a:t>Third level</a:t>
-            </a:r>
-          </a:p>
-          <a:p>
-            <a:pPr lvl="3"/>
-            <a:r>
-              <a:rPr lang="en-US"/>
-              <a:t>Fourth level</a:t>
-            </a:r>
-          </a:p>
-          <a:p>
-            <a:pPr lvl="4"/>
-            <a:r>
-              <a:rPr lang="en-US"/>
-              <a:t>Fifth level</a:t>
-            </a:r>
-          </a:p>
-        </p:txBody>
-      </p:sp>
-      <p:sp>
-        <p:nvSpPr>
-          <p:cNvPr id="4" name="Text Placeholder 3">
-            <a:extLst>
-              <a:ext uri="{FF2B5EF4-FFF2-40B4-BE49-F238E27FC236}">
-                <a16:creationId xmlns:a16="http://schemas.microsoft.com/office/drawing/2014/main" id="{42F5631E-F873-0848-B583-4434C4AB6B76}"/>
-              </a:ext>
-            </a:extLst>
-          </p:cNvPr>
-          <p:cNvSpPr>
-            <a:spLocks noGrp="1"/>
-          </p:cNvSpPr>
-          <p:nvPr>
-            <p:ph type="body" sz="half" idx="2"/>
-          </p:nvPr>
-        </p:nvSpPr>
-        <p:spPr>
-          <a:xfrm>
-            <a:off x="839788" y="2057400"/>
-            <a:ext cx="3932237" cy="3811588"/>
-          </a:xfrm>
-        </p:spPr>
-        <p:txBody>
-          <a:bodyPr/>
-          <a:lstStyle>
-            <a:lvl1pPr marL="0" indent="0">
+            <a:lvl1pPr marL="0" indent="0" algn="l">
               <a:buNone/>
               <a:defRPr sz="1600"/>
             </a:lvl1pPr>
@@ -2359,13 +3260,7 @@
       </p:sp>
       <p:sp>
         <p:nvSpPr>
-          <p:cNvPr id="5" name="Date Placeholder 4">
-            <a:extLst>
-              <a:ext uri="{FF2B5EF4-FFF2-40B4-BE49-F238E27FC236}">
-                <a16:creationId xmlns:a16="http://schemas.microsoft.com/office/drawing/2014/main" id="{C91D098F-CF7D-724A-87AA-54EA2FC2A61B}"/>
-              </a:ext>
-            </a:extLst>
-          </p:cNvPr>
+          <p:cNvPr id="5" name="Date Placeholder 4"/>
           <p:cNvSpPr>
             <a:spLocks noGrp="1"/>
           </p:cNvSpPr>
@@ -2388,13 +3283,7 @@
       </p:sp>
       <p:sp>
         <p:nvSpPr>
-          <p:cNvPr id="6" name="Footer Placeholder 5">
-            <a:extLst>
-              <a:ext uri="{FF2B5EF4-FFF2-40B4-BE49-F238E27FC236}">
-                <a16:creationId xmlns:a16="http://schemas.microsoft.com/office/drawing/2014/main" id="{7C64290E-81AB-8F4D-B9DC-9A1988B5E3D0}"/>
-              </a:ext>
-            </a:extLst>
-          </p:cNvPr>
+          <p:cNvPr id="6" name="Footer Placeholder 5"/>
           <p:cNvSpPr>
             <a:spLocks noGrp="1"/>
           </p:cNvSpPr>
@@ -2413,13 +3302,7 @@
       </p:sp>
       <p:sp>
         <p:nvSpPr>
-          <p:cNvPr id="7" name="Slide Number Placeholder 6">
-            <a:extLst>
-              <a:ext uri="{FF2B5EF4-FFF2-40B4-BE49-F238E27FC236}">
-                <a16:creationId xmlns:a16="http://schemas.microsoft.com/office/drawing/2014/main" id="{DC7D2E25-11C1-1947-9BBA-523A30223D8D}"/>
-              </a:ext>
-            </a:extLst>
-          </p:cNvPr>
+          <p:cNvPr id="7" name="Slide Number Placeholder 6"/>
           <p:cNvSpPr>
             <a:spLocks noGrp="1"/>
           </p:cNvSpPr>
@@ -2443,7 +3326,7 @@
     </p:spTree>
     <p:extLst>
       <p:ext uri="{BB962C8B-B14F-4D97-AF65-F5344CB8AC3E}">
-        <p14:creationId xmlns:p14="http://schemas.microsoft.com/office/powerpoint/2010/main" val="295864055"/>
+        <p14:creationId xmlns:p14="http://schemas.microsoft.com/office/powerpoint/2010/main" val="1952083703"/>
       </p:ext>
     </p:extLst>
   </p:cSld>
@@ -2472,69 +3355,128 @@
       </p:grpSpPr>
       <p:sp>
         <p:nvSpPr>
-          <p:cNvPr id="2" name="Title 1">
-            <a:extLst>
-              <a:ext uri="{FF2B5EF4-FFF2-40B4-BE49-F238E27FC236}">
-                <a16:creationId xmlns:a16="http://schemas.microsoft.com/office/drawing/2014/main" id="{0D280CBF-3C4E-3741-AD4B-5987A020D7FE}"/>
-              </a:ext>
-            </a:extLst>
-          </p:cNvPr>
-          <p:cNvSpPr>
-            <a:spLocks noGrp="1"/>
-          </p:cNvSpPr>
-          <p:nvPr>
-            <p:ph type="title"/>
-          </p:nvPr>
+          <p:cNvPr id="19" name="Rectangle 18"/>
+          <p:cNvSpPr/>
+          <p:nvPr/>
         </p:nvSpPr>
         <p:spPr>
           <a:xfrm>
-            <a:off x="839788" y="457200"/>
-            <a:ext cx="3932237" cy="1600200"/>
+            <a:off x="1004479" y="0"/>
+            <a:ext cx="10372316" cy="6858000"/>
           </a:xfrm>
+          <a:prstGeom prst="rect">
+            <a:avLst/>
+          </a:prstGeom>
+          <a:solidFill>
+            <a:schemeClr val="bg2">
+              <a:alpha val="92000"/>
+            </a:schemeClr>
+          </a:solidFill>
+          <a:ln>
+            <a:noFill/>
+          </a:ln>
         </p:spPr>
-        <p:txBody>
-          <a:bodyPr anchor="b"/>
-          <a:lstStyle>
-            <a:lvl1pPr>
-              <a:defRPr sz="3200"/>
-            </a:lvl1pPr>
-          </a:lstStyle>
-          <a:p>
-            <a:r>
-              <a:rPr lang="en-US"/>
-              <a:t>Click to edit Master title style</a:t>
-            </a:r>
-          </a:p>
-        </p:txBody>
-      </p:sp>
-      <p:sp>
-        <p:nvSpPr>
-          <p:cNvPr id="3" name="Picture Placeholder 2">
-            <a:extLst>
-              <a:ext uri="{FF2B5EF4-FFF2-40B4-BE49-F238E27FC236}">
-                <a16:creationId xmlns:a16="http://schemas.microsoft.com/office/drawing/2014/main" id="{09890963-01CE-D04C-966E-C193A35D6B63}"/>
-              </a:ext>
-            </a:extLst>
-          </p:cNvPr>
-          <p:cNvSpPr>
-            <a:spLocks noGrp="1"/>
-          </p:cNvSpPr>
-          <p:nvPr>
-            <p:ph type="pic" idx="1"/>
-          </p:nvPr>
+        <p:style>
+          <a:lnRef idx="2">
+            <a:schemeClr val="accent1">
+              <a:shade val="50000"/>
+            </a:schemeClr>
+          </a:lnRef>
+          <a:fillRef idx="1">
+            <a:schemeClr val="accent1"/>
+          </a:fillRef>
+          <a:effectRef idx="0">
+            <a:schemeClr val="accent1"/>
+          </a:effectRef>
+          <a:fontRef idx="minor">
+            <a:schemeClr val="lt1"/>
+          </a:fontRef>
+        </p:style>
+      </p:sp>
+      <p:sp>
+        <p:nvSpPr>
+          <p:cNvPr id="20" name="Rectangle 19"/>
+          <p:cNvSpPr/>
+          <p:nvPr/>
         </p:nvSpPr>
         <p:spPr>
           <a:xfrm>
-            <a:off x="5183188" y="987425"/>
-            <a:ext cx="6172200" cy="4873625"/>
+            <a:off x="11377328" y="0"/>
+            <a:ext cx="27432" cy="6858000"/>
           </a:xfrm>
+          <a:prstGeom prst="rect">
+            <a:avLst/>
+          </a:prstGeom>
+          <a:solidFill>
+            <a:schemeClr val="accent6"/>
+          </a:solidFill>
+          <a:ln>
+            <a:noFill/>
+          </a:ln>
         </p:spPr>
-        <p:txBody>
-          <a:bodyPr/>
+        <p:style>
+          <a:lnRef idx="2">
+            <a:schemeClr val="accent1">
+              <a:shade val="50000"/>
+            </a:schemeClr>
+          </a:lnRef>
+          <a:fillRef idx="1">
+            <a:schemeClr val="accent1"/>
+          </a:fillRef>
+          <a:effectRef idx="0">
+            <a:schemeClr val="accent1"/>
+          </a:effectRef>
+          <a:fontRef idx="minor">
+            <a:schemeClr val="lt1"/>
+          </a:fontRef>
+        </p:style>
+      </p:sp>
+      <p:sp>
+        <p:nvSpPr>
+          <p:cNvPr id="3" name="Picture Placeholder 2"/>
+          <p:cNvSpPr>
+            <a:spLocks noGrp="1" noChangeAspect="1"/>
+          </p:cNvSpPr>
+          <p:nvPr>
+            <p:ph type="pic" idx="1"/>
+          </p:nvPr>
+        </p:nvSpPr>
+        <p:spPr>
+          <a:xfrm>
+            <a:off x="6747062" y="3229"/>
+            <a:ext cx="4629734" cy="6858000"/>
+          </a:xfrm>
+          <a:solidFill>
+            <a:schemeClr val="tx1">
+              <a:alpha val="10000"/>
+            </a:schemeClr>
+          </a:solidFill>
+          <a:ln w="9525" cap="sq">
+            <a:noFill/>
+            <a:miter lim="800000"/>
+          </a:ln>
+          <a:effectLst/>
+          <a:scene3d>
+            <a:camera prst="orthographicFront"/>
+            <a:lightRig rig="twoPt" dir="t">
+              <a:rot lat="0" lon="0" rev="7200000"/>
+            </a:lightRig>
+          </a:scene3d>
+          <a:sp3d>
+            <a:bevelT w="25400" h="19050"/>
+            <a:contourClr>
+              <a:srgbClr val="FFFFFF"/>
+            </a:contourClr>
+          </a:sp3d>
+        </p:spPr>
+        <p:txBody>
+          <a:bodyPr anchor="t">
+            <a:normAutofit/>
+          </a:bodyPr>
           <a:lstStyle>
-            <a:lvl1pPr marL="0" indent="0">
+            <a:lvl1pPr marL="0" indent="0" algn="ctr">
               <a:buNone/>
-              <a:defRPr sz="3200"/>
+              <a:defRPr sz="2800"/>
             </a:lvl1pPr>
             <a:lvl2pPr marL="457200" indent="0">
               <a:buNone/>
@@ -2570,38 +3512,113 @@
             </a:lvl9pPr>
           </a:lstStyle>
           <a:p>
-            <a:endParaRPr lang="en-US"/>
-          </a:p>
-        </p:txBody>
-      </p:sp>
-      <p:sp>
-        <p:nvSpPr>
-          <p:cNvPr id="4" name="Text Placeholder 3">
-            <a:extLst>
-              <a:ext uri="{FF2B5EF4-FFF2-40B4-BE49-F238E27FC236}">
-                <a16:creationId xmlns:a16="http://schemas.microsoft.com/office/drawing/2014/main" id="{A2250FE5-573A-3647-BA2C-498B4FBDD2BC}"/>
-              </a:ext>
-            </a:extLst>
-          </p:cNvPr>
-          <p:cNvSpPr>
-            <a:spLocks noGrp="1"/>
-          </p:cNvSpPr>
-          <p:nvPr>
-            <p:ph type="body" sz="half" idx="2"/>
-          </p:nvPr>
+            <a:r>
+              <a:rPr lang="en-US"/>
+              <a:t>Click icon to add picture</a:t>
+            </a:r>
+            <a:endParaRPr lang="en-US" dirty="0"/>
+          </a:p>
+        </p:txBody>
+      </p:sp>
+      <p:sp>
+        <p:nvSpPr>
+          <p:cNvPr id="10" name="TextBox 9"/>
+          <p:cNvSpPr txBox="1"/>
+          <p:nvPr/>
         </p:nvSpPr>
         <p:spPr>
           <a:xfrm>
-            <a:off x="839788" y="2057400"/>
-            <a:ext cx="3932237" cy="3811588"/>
+            <a:off x="1554686" y="1127550"/>
+            <a:ext cx="415636" cy="369332"/>
+          </a:xfrm>
+          <a:prstGeom prst="rect">
+            <a:avLst/>
+          </a:prstGeom>
+          <a:noFill/>
+        </p:spPr>
+        <p:txBody>
+          <a:bodyPr wrap="square" rtlCol="0">
+            <a:spAutoFit/>
+          </a:bodyPr>
+          <a:lstStyle/>
+          <a:p>
+            <a:pPr algn="r"/>
+            <a:r>
+              <a:rPr lang="en-US" sz="1800" dirty="0">
+                <a:solidFill>
+                  <a:schemeClr val="accent6"/>
+                </a:solidFill>
+                <a:latin typeface="Wingdings 3" panose="05040102010807070707" pitchFamily="18" charset="2"/>
+              </a:rPr>
+              <a:t>z</a:t>
+            </a:r>
+            <a:endParaRPr lang="en-US" sz="1000" dirty="0">
+              <a:solidFill>
+                <a:schemeClr val="accent6"/>
+              </a:solidFill>
+              <a:latin typeface="MS Shell Dlg 2" panose="020B0604030504040204" pitchFamily="34" charset="0"/>
+            </a:endParaRPr>
+          </a:p>
+        </p:txBody>
+      </p:sp>
+      <p:sp>
+        <p:nvSpPr>
+          <p:cNvPr id="2" name="Title 1"/>
+          <p:cNvSpPr>
+            <a:spLocks noGrp="1"/>
+          </p:cNvSpPr>
+          <p:nvPr>
+            <p:ph type="title"/>
+          </p:nvPr>
+        </p:nvSpPr>
+        <p:spPr>
+          <a:xfrm>
+            <a:off x="1971241" y="1282452"/>
+            <a:ext cx="3970986" cy="1900473"/>
           </a:xfrm>
         </p:spPr>
         <p:txBody>
-          <a:bodyPr/>
+          <a:bodyPr anchor="b">
+            <a:normAutofit/>
+          </a:bodyPr>
           <a:lstStyle>
-            <a:lvl1pPr marL="0" indent="0">
+            <a:lvl1pPr algn="l">
+              <a:defRPr sz="3200"/>
+            </a:lvl1pPr>
+          </a:lstStyle>
+          <a:p>
+            <a:r>
+              <a:rPr lang="en-US"/>
+              <a:t>Click to edit Master title style</a:t>
+            </a:r>
+            <a:endParaRPr lang="en-US" dirty="0"/>
+          </a:p>
+        </p:txBody>
+      </p:sp>
+      <p:sp>
+        <p:nvSpPr>
+          <p:cNvPr id="4" name="Text Placeholder 3"/>
+          <p:cNvSpPr>
+            <a:spLocks noGrp="1"/>
+          </p:cNvSpPr>
+          <p:nvPr>
+            <p:ph type="body" sz="half" idx="2"/>
+          </p:nvPr>
+        </p:nvSpPr>
+        <p:spPr>
+          <a:xfrm>
+            <a:off x="1970322" y="3182928"/>
+            <a:ext cx="3971874" cy="2386394"/>
+          </a:xfrm>
+        </p:spPr>
+        <p:txBody>
+          <a:bodyPr>
+            <a:normAutofit/>
+          </a:bodyPr>
+          <a:lstStyle>
+            <a:lvl1pPr marL="0" indent="0" algn="l">
               <a:buNone/>
-              <a:defRPr sz="1600"/>
+              <a:defRPr sz="2000"/>
             </a:lvl1pPr>
             <a:lvl2pPr marL="457200" indent="0">
               <a:buNone/>
@@ -2647,13 +3664,7 @@
       </p:sp>
       <p:sp>
         <p:nvSpPr>
-          <p:cNvPr id="5" name="Date Placeholder 4">
-            <a:extLst>
-              <a:ext uri="{FF2B5EF4-FFF2-40B4-BE49-F238E27FC236}">
-                <a16:creationId xmlns:a16="http://schemas.microsoft.com/office/drawing/2014/main" id="{281EE1AD-ECF7-414F-A376-E8EF7AFB3F56}"/>
-              </a:ext>
-            </a:extLst>
-          </p:cNvPr>
+          <p:cNvPr id="5" name="Date Placeholder 4"/>
           <p:cNvSpPr>
             <a:spLocks noGrp="1"/>
           </p:cNvSpPr>
@@ -2676,13 +3687,7 @@
       </p:sp>
       <p:sp>
         <p:nvSpPr>
-          <p:cNvPr id="6" name="Footer Placeholder 5">
-            <a:extLst>
-              <a:ext uri="{FF2B5EF4-FFF2-40B4-BE49-F238E27FC236}">
-                <a16:creationId xmlns:a16="http://schemas.microsoft.com/office/drawing/2014/main" id="{DB00FF43-1279-F24B-BE08-634C9B6B7D67}"/>
-              </a:ext>
-            </a:extLst>
-          </p:cNvPr>
+          <p:cNvPr id="6" name="Footer Placeholder 5"/>
           <p:cNvSpPr>
             <a:spLocks noGrp="1"/>
           </p:cNvSpPr>
@@ -2701,13 +3706,7 @@
       </p:sp>
       <p:sp>
         <p:nvSpPr>
-          <p:cNvPr id="7" name="Slide Number Placeholder 6">
-            <a:extLst>
-              <a:ext uri="{FF2B5EF4-FFF2-40B4-BE49-F238E27FC236}">
-                <a16:creationId xmlns:a16="http://schemas.microsoft.com/office/drawing/2014/main" id="{E8875294-1A75-EB45-80B4-7049042AF79F}"/>
-              </a:ext>
-            </a:extLst>
-          </p:cNvPr>
+          <p:cNvPr id="7" name="Slide Number Placeholder 6"/>
           <p:cNvSpPr>
             <a:spLocks noGrp="1"/>
           </p:cNvSpPr>
@@ -2731,7 +3730,7 @@
     </p:spTree>
     <p:extLst>
       <p:ext uri="{BB962C8B-B14F-4D97-AF65-F5344CB8AC3E}">
-        <p14:creationId xmlns:p14="http://schemas.microsoft.com/office/powerpoint/2010/main" val="917107307"/>
+        <p14:creationId xmlns:p14="http://schemas.microsoft.com/office/powerpoint/2010/main" val="682086120"/>
       </p:ext>
     </p:extLst>
   </p:cSld>
@@ -2745,7 +3744,7 @@
 <p:sldMaster xmlns:a="http://schemas.openxmlformats.org/drawingml/2006/main" xmlns:r="http://schemas.openxmlformats.org/officeDocument/2006/relationships" xmlns:p="http://schemas.openxmlformats.org/presentationml/2006/main">
   <p:cSld>
     <p:bg>
-      <p:bgRef idx="1001">
+      <p:bgRef idx="1003">
         <a:schemeClr val="bg1"/>
       </p:bgRef>
     </p:bg>
@@ -2763,141 +3762,265 @@
           <a:chExt cx="0" cy="0"/>
         </a:xfrm>
       </p:grpSpPr>
-      <p:sp>
-        <p:nvSpPr>
-          <p:cNvPr id="2" name="Title Placeholder 1">
+      <p:pic>
+        <p:nvPicPr>
+          <p:cNvPr id="18" name="Picture 17"/>
+          <p:cNvPicPr>
+            <a:picLocks noChangeAspect="1"/>
+          </p:cNvPicPr>
+          <p:nvPr/>
+        </p:nvPicPr>
+        <p:blipFill>
+          <a:blip r:embed="rId13">
             <a:extLst>
-              <a:ext uri="{FF2B5EF4-FFF2-40B4-BE49-F238E27FC236}">
-                <a16:creationId xmlns:a16="http://schemas.microsoft.com/office/drawing/2014/main" id="{655421BC-94D0-B949-AE69-BCB6D33F39D6}"/>
+              <a:ext uri="{28A0092B-C50C-407E-A947-70E740481C1C}">
+                <a14:useLocalDpi xmlns:a14="http://schemas.microsoft.com/office/drawing/2010/main" val="0"/>
               </a:ext>
             </a:extLst>
-          </p:cNvPr>
-          <p:cNvSpPr>
-            <a:spLocks noGrp="1"/>
-          </p:cNvSpPr>
-          <p:nvPr>
-            <p:ph type="title"/>
-          </p:nvPr>
-        </p:nvSpPr>
+          </a:blip>
+          <a:stretch>
+            <a:fillRect/>
+          </a:stretch>
+        </p:blipFill>
         <p:spPr>
           <a:xfrm>
-            <a:off x="838200" y="365125"/>
-            <a:ext cx="10515600" cy="1325563"/>
+            <a:off x="2831794" y="2105202"/>
+            <a:ext cx="9360205" cy="4752798"/>
           </a:xfrm>
           <a:prstGeom prst="rect">
             <a:avLst/>
           </a:prstGeom>
         </p:spPr>
-        <p:txBody>
-          <a:bodyPr vert="horz" lIns="91440" tIns="45720" rIns="91440" bIns="45720" rtlCol="0" anchor="ctr">
-            <a:normAutofit/>
-          </a:bodyPr>
-          <a:lstStyle/>
-          <a:p>
-            <a:r>
-              <a:rPr lang="en-US"/>
-              <a:t>Click to edit Master title style</a:t>
-            </a:r>
-          </a:p>
-        </p:txBody>
-      </p:sp>
-      <p:sp>
-        <p:nvSpPr>
-          <p:cNvPr id="3" name="Text Placeholder 2">
+      </p:pic>
+      <p:pic>
+        <p:nvPicPr>
+          <p:cNvPr id="15" name="Picture 14"/>
+          <p:cNvPicPr>
+            <a:picLocks noChangeAspect="1"/>
+          </p:cNvPicPr>
+          <p:nvPr/>
+        </p:nvPicPr>
+        <p:blipFill>
+          <a:blip r:embed="rId14">
             <a:extLst>
-              <a:ext uri="{FF2B5EF4-FFF2-40B4-BE49-F238E27FC236}">
-                <a16:creationId xmlns:a16="http://schemas.microsoft.com/office/drawing/2014/main" id="{C79C8DF0-1703-1F42-9127-325102595BC8}"/>
+              <a:ext uri="{28A0092B-C50C-407E-A947-70E740481C1C}">
+                <a14:useLocalDpi xmlns:a14="http://schemas.microsoft.com/office/drawing/2010/main" val="0"/>
               </a:ext>
             </a:extLst>
-          </p:cNvPr>
-          <p:cNvSpPr>
-            <a:spLocks noGrp="1"/>
-          </p:cNvSpPr>
-          <p:nvPr>
-            <p:ph type="body" idx="1"/>
-          </p:nvPr>
-        </p:nvSpPr>
+          </a:blip>
+          <a:stretch>
+            <a:fillRect/>
+          </a:stretch>
+        </p:blipFill>
         <p:spPr>
           <a:xfrm>
-            <a:off x="838200" y="1825625"/>
-            <a:ext cx="10515600" cy="4351338"/>
+            <a:off x="0" y="0"/>
+            <a:ext cx="12189867" cy="6858000"/>
           </a:xfrm>
           <a:prstGeom prst="rect">
             <a:avLst/>
           </a:prstGeom>
         </p:spPr>
-        <p:txBody>
-          <a:bodyPr vert="horz" lIns="91440" tIns="45720" rIns="91440" bIns="45720" rtlCol="0">
-            <a:normAutofit/>
-          </a:bodyPr>
-          <a:lstStyle/>
-          <a:p>
-            <a:pPr lvl="0"/>
-            <a:r>
-              <a:rPr lang="en-US"/>
-              <a:t>Click to edit Master text styles</a:t>
-            </a:r>
-          </a:p>
-          <a:p>
-            <a:pPr lvl="1"/>
-            <a:r>
-              <a:rPr lang="en-US"/>
-              <a:t>Second level</a:t>
-            </a:r>
-          </a:p>
-          <a:p>
-            <a:pPr lvl="2"/>
-            <a:r>
-              <a:rPr lang="en-US"/>
-              <a:t>Third level</a:t>
-            </a:r>
-          </a:p>
-          <a:p>
-            <a:pPr lvl="3"/>
-            <a:r>
-              <a:rPr lang="en-US"/>
-              <a:t>Fourth level</a:t>
-            </a:r>
-          </a:p>
-          <a:p>
-            <a:pPr lvl="4"/>
-            <a:r>
-              <a:rPr lang="en-US"/>
-              <a:t>Fifth level</a:t>
-            </a:r>
-          </a:p>
-        </p:txBody>
-      </p:sp>
-      <p:sp>
-        <p:nvSpPr>
-          <p:cNvPr id="4" name="Date Placeholder 3">
-            <a:extLst>
-              <a:ext uri="{FF2B5EF4-FFF2-40B4-BE49-F238E27FC236}">
-                <a16:creationId xmlns:a16="http://schemas.microsoft.com/office/drawing/2014/main" id="{B2809096-28AE-E941-9ABE-DF67CBA32002}"/>
-              </a:ext>
-            </a:extLst>
-          </p:cNvPr>
-          <p:cNvSpPr>
-            <a:spLocks noGrp="1"/>
-          </p:cNvSpPr>
-          <p:nvPr>
-            <p:ph type="dt" sz="half" idx="2"/>
-          </p:nvPr>
+      </p:pic>
+      <p:sp>
+        <p:nvSpPr>
+          <p:cNvPr id="8" name="Rectangle 7"/>
+          <p:cNvSpPr/>
+          <p:nvPr/>
         </p:nvSpPr>
         <p:spPr>
           <a:xfrm>
-            <a:off x="838200" y="6356350"/>
-            <a:ext cx="2743200" cy="365125"/>
+            <a:off x="0" y="0"/>
+            <a:ext cx="964174" cy="6858000"/>
+          </a:xfrm>
+          <a:prstGeom prst="rect">
+            <a:avLst/>
+          </a:prstGeom>
+          <a:solidFill>
+            <a:schemeClr val="bg2"/>
+          </a:solidFill>
+          <a:ln>
+            <a:noFill/>
+          </a:ln>
+        </p:spPr>
+        <p:style>
+          <a:lnRef idx="2">
+            <a:schemeClr val="accent1">
+              <a:shade val="50000"/>
+            </a:schemeClr>
+          </a:lnRef>
+          <a:fillRef idx="1">
+            <a:schemeClr val="accent1"/>
+          </a:fillRef>
+          <a:effectRef idx="0">
+            <a:schemeClr val="accent1"/>
+          </a:effectRef>
+          <a:fontRef idx="minor">
+            <a:schemeClr val="lt1"/>
+          </a:fontRef>
+        </p:style>
+      </p:sp>
+      <p:sp>
+        <p:nvSpPr>
+          <p:cNvPr id="2" name="Title Placeholder 1"/>
+          <p:cNvSpPr>
+            <a:spLocks noGrp="1"/>
+          </p:cNvSpPr>
+          <p:nvPr>
+            <p:ph type="title"/>
+          </p:nvPr>
+        </p:nvSpPr>
+        <p:spPr>
+          <a:xfrm>
+            <a:off x="2611808" y="808056"/>
+            <a:ext cx="7958331" cy="1077229"/>
           </a:xfrm>
           <a:prstGeom prst="rect">
             <a:avLst/>
           </a:prstGeom>
         </p:spPr>
         <p:txBody>
-          <a:bodyPr vert="horz" lIns="91440" tIns="45720" rIns="91440" bIns="45720" rtlCol="0" anchor="ctr"/>
+          <a:bodyPr vert="horz" lIns="91440" tIns="45720" rIns="91440" bIns="45720" rtlCol="0" anchor="t">
+            <a:normAutofit/>
+          </a:bodyPr>
+          <a:lstStyle/>
+          <a:p>
+            <a:r>
+              <a:rPr lang="en-US"/>
+              <a:t>Click to edit Master title style</a:t>
+            </a:r>
+            <a:endParaRPr lang="en-US" dirty="0"/>
+          </a:p>
+        </p:txBody>
+      </p:sp>
+      <p:sp>
+        <p:nvSpPr>
+          <p:cNvPr id="3" name="Text Placeholder 2"/>
+          <p:cNvSpPr>
+            <a:spLocks noGrp="1"/>
+          </p:cNvSpPr>
+          <p:nvPr>
+            <p:ph type="body" idx="1"/>
+          </p:nvPr>
+        </p:nvSpPr>
+        <p:spPr>
+          <a:xfrm>
+            <a:off x="2773599" y="2052116"/>
+            <a:ext cx="7796540" cy="3997828"/>
+          </a:xfrm>
+          <a:prstGeom prst="rect">
+            <a:avLst/>
+          </a:prstGeom>
+        </p:spPr>
+        <p:txBody>
+          <a:bodyPr vert="horz" lIns="91440" tIns="45720" rIns="91440" bIns="45720" rtlCol="0">
+            <a:normAutofit/>
+          </a:bodyPr>
+          <a:lstStyle/>
+          <a:p>
+            <a:pPr lvl="0"/>
+            <a:r>
+              <a:rPr lang="en-US"/>
+              <a:t>Click to edit Master text styles</a:t>
+            </a:r>
+          </a:p>
+          <a:p>
+            <a:pPr lvl="1"/>
+            <a:r>
+              <a:rPr lang="en-US"/>
+              <a:t>Second level</a:t>
+            </a:r>
+          </a:p>
+          <a:p>
+            <a:pPr lvl="2"/>
+            <a:r>
+              <a:rPr lang="en-US"/>
+              <a:t>Third level</a:t>
+            </a:r>
+          </a:p>
+          <a:p>
+            <a:pPr lvl="3"/>
+            <a:r>
+              <a:rPr lang="en-US"/>
+              <a:t>Fourth level</a:t>
+            </a:r>
+          </a:p>
+          <a:p>
+            <a:pPr lvl="4"/>
+            <a:r>
+              <a:rPr lang="en-US"/>
+              <a:t>Fifth level</a:t>
+            </a:r>
+            <a:endParaRPr lang="en-US" dirty="0"/>
+          </a:p>
+        </p:txBody>
+      </p:sp>
+      <p:sp>
+        <p:nvSpPr>
+          <p:cNvPr id="4" name="Date Placeholder 3"/>
+          <p:cNvSpPr>
+            <a:spLocks noGrp="1"/>
+          </p:cNvSpPr>
+          <p:nvPr>
+            <p:ph type="dt" sz="half" idx="2"/>
+          </p:nvPr>
+        </p:nvSpPr>
+        <p:spPr>
+          <a:xfrm rot="5400000">
+            <a:off x="-810065" y="5270604"/>
+            <a:ext cx="2662729" cy="182880"/>
+          </a:xfrm>
+          <a:prstGeom prst="rect">
+            <a:avLst/>
+          </a:prstGeom>
+        </p:spPr>
+        <p:txBody>
+          <a:bodyPr vert="horz" lIns="91440" tIns="18288" rIns="91440" bIns="45720" rtlCol="0" anchor="t"/>
           <a:lstStyle>
-            <a:lvl1pPr algn="l">
-              <a:defRPr sz="1200">
+            <a:lvl1pPr algn="r">
+              <a:defRPr sz="800">
+                <a:solidFill>
+                  <a:schemeClr val="tx1">
+                    <a:tint val="75000"/>
+                  </a:schemeClr>
+                </a:solidFill>
+                <a:latin typeface="+mn-lt"/>
+              </a:defRPr>
+            </a:lvl1pPr>
+          </a:lstStyle>
+          <a:p>
+            <a:fld id="{60E19CC5-32AC-4044-A83D-8631617ED3FF}" type="datetimeFigureOut">
+              <a:rPr lang="en-US" smtClean="0"/>
+              <a:t>9/24/19</a:t>
+            </a:fld>
+            <a:endParaRPr lang="en-US"/>
+          </a:p>
+        </p:txBody>
+      </p:sp>
+      <p:sp>
+        <p:nvSpPr>
+          <p:cNvPr id="5" name="Footer Placeholder 4"/>
+          <p:cNvSpPr>
+            <a:spLocks noGrp="1"/>
+          </p:cNvSpPr>
+          <p:nvPr>
+            <p:ph type="ftr" sz="quarter" idx="3"/>
+          </p:nvPr>
+        </p:nvSpPr>
+        <p:spPr>
+          <a:xfrm rot="5400000">
+            <a:off x="-2237130" y="3661144"/>
+            <a:ext cx="5885352" cy="179176"/>
+          </a:xfrm>
+          <a:prstGeom prst="rect">
+            <a:avLst/>
+          </a:prstGeom>
+        </p:spPr>
+        <p:txBody>
+          <a:bodyPr vert="horz" lIns="91440" tIns="45720" rIns="91440" bIns="18288" rtlCol="0" anchor="b"/>
+          <a:lstStyle>
+            <a:lvl1pPr algn="r">
+              <a:defRPr sz="800">
                 <a:solidFill>
                   <a:schemeClr val="tx1">
                     <a:tint val="75000"/>
@@ -2907,44 +4030,34 @@
             </a:lvl1pPr>
           </a:lstStyle>
           <a:p>
-            <a:fld id="{60E19CC5-32AC-4044-A83D-8631617ED3FF}" type="datetimeFigureOut">
-              <a:rPr lang="en-US" smtClean="0"/>
-              <a:t>9/24/19</a:t>
-            </a:fld>
             <a:endParaRPr lang="en-US"/>
           </a:p>
         </p:txBody>
       </p:sp>
       <p:sp>
         <p:nvSpPr>
-          <p:cNvPr id="5" name="Footer Placeholder 4">
-            <a:extLst>
-              <a:ext uri="{FF2B5EF4-FFF2-40B4-BE49-F238E27FC236}">
-                <a16:creationId xmlns:a16="http://schemas.microsoft.com/office/drawing/2014/main" id="{D4D74F7B-3A13-C94A-B9C2-7524A9213056}"/>
-              </a:ext>
-            </a:extLst>
-          </p:cNvPr>
-          <p:cNvSpPr>
-            <a:spLocks noGrp="1"/>
-          </p:cNvSpPr>
-          <p:nvPr>
-            <p:ph type="ftr" sz="quarter" idx="3"/>
+          <p:cNvPr id="6" name="Slide Number Placeholder 5"/>
+          <p:cNvSpPr>
+            <a:spLocks noGrp="1"/>
+          </p:cNvSpPr>
+          <p:nvPr>
+            <p:ph type="sldNum" sz="quarter" idx="4"/>
           </p:nvPr>
         </p:nvSpPr>
         <p:spPr>
           <a:xfrm>
-            <a:off x="4038600" y="6356350"/>
-            <a:ext cx="4114800" cy="365125"/>
+            <a:off x="158407" y="164592"/>
+            <a:ext cx="636727" cy="322851"/>
           </a:xfrm>
           <a:prstGeom prst="rect">
             <a:avLst/>
           </a:prstGeom>
         </p:spPr>
         <p:txBody>
-          <a:bodyPr vert="horz" lIns="91440" tIns="45720" rIns="91440" bIns="45720" rtlCol="0" anchor="ctr"/>
+          <a:bodyPr vert="horz" lIns="91440" tIns="45720" rIns="45720" bIns="45720" rtlCol="0" anchor="ctr"/>
           <a:lstStyle>
-            <a:lvl1pPr algn="ctr">
-              <a:defRPr sz="1200">
+            <a:lvl1pPr algn="r">
+              <a:defRPr sz="1800">
                 <a:solidFill>
                   <a:schemeClr val="tx1">
                     <a:tint val="75000"/>
@@ -2954,49 +4067,6 @@
             </a:lvl1pPr>
           </a:lstStyle>
           <a:p>
-            <a:endParaRPr lang="en-US"/>
-          </a:p>
-        </p:txBody>
-      </p:sp>
-      <p:sp>
-        <p:nvSpPr>
-          <p:cNvPr id="6" name="Slide Number Placeholder 5">
-            <a:extLst>
-              <a:ext uri="{FF2B5EF4-FFF2-40B4-BE49-F238E27FC236}">
-                <a16:creationId xmlns:a16="http://schemas.microsoft.com/office/drawing/2014/main" id="{A1086D0B-23DC-DD45-9EA2-8924E4BCED9D}"/>
-              </a:ext>
-            </a:extLst>
-          </p:cNvPr>
-          <p:cNvSpPr>
-            <a:spLocks noGrp="1"/>
-          </p:cNvSpPr>
-          <p:nvPr>
-            <p:ph type="sldNum" sz="quarter" idx="4"/>
-          </p:nvPr>
-        </p:nvSpPr>
-        <p:spPr>
-          <a:xfrm>
-            <a:off x="8610600" y="6356350"/>
-            <a:ext cx="2743200" cy="365125"/>
-          </a:xfrm>
-          <a:prstGeom prst="rect">
-            <a:avLst/>
-          </a:prstGeom>
-        </p:spPr>
-        <p:txBody>
-          <a:bodyPr vert="horz" lIns="91440" tIns="45720" rIns="91440" bIns="45720" rtlCol="0" anchor="ctr"/>
-          <a:lstStyle>
-            <a:lvl1pPr algn="r">
-              <a:defRPr sz="1200">
-                <a:solidFill>
-                  <a:schemeClr val="tx1">
-                    <a:tint val="75000"/>
-                  </a:schemeClr>
-                </a:solidFill>
-              </a:defRPr>
-            </a:lvl1pPr>
-          </a:lstStyle>
-          <a:p>
             <a:fld id="{4A10DCD4-D326-FE44-A76C-E04BFCF88D5C}" type="slidenum">
               <a:rPr lang="en-US" smtClean="0"/>
               <a:t>‹#›</a:t>
@@ -3005,30 +4075,68 @@
           </a:p>
         </p:txBody>
       </p:sp>
+      <p:sp>
+        <p:nvSpPr>
+          <p:cNvPr id="57" name="Rectangle 56"/>
+          <p:cNvSpPr/>
+          <p:nvPr/>
+        </p:nvSpPr>
+        <p:spPr>
+          <a:xfrm>
+            <a:off x="962042" y="0"/>
+            <a:ext cx="45719" cy="6858000"/>
+          </a:xfrm>
+          <a:prstGeom prst="rect">
+            <a:avLst/>
+          </a:prstGeom>
+          <a:solidFill>
+            <a:schemeClr val="accent6"/>
+          </a:solidFill>
+          <a:ln>
+            <a:noFill/>
+          </a:ln>
+        </p:spPr>
+        <p:style>
+          <a:lnRef idx="2">
+            <a:schemeClr val="accent1">
+              <a:shade val="50000"/>
+            </a:schemeClr>
+          </a:lnRef>
+          <a:fillRef idx="1">
+            <a:schemeClr val="accent1"/>
+          </a:fillRef>
+          <a:effectRef idx="0">
+            <a:schemeClr val="accent1"/>
+          </a:effectRef>
+          <a:fontRef idx="minor">
+            <a:schemeClr val="lt1"/>
+          </a:fontRef>
+        </p:style>
+      </p:sp>
     </p:spTree>
     <p:extLst>
       <p:ext uri="{BB962C8B-B14F-4D97-AF65-F5344CB8AC3E}">
-        <p14:creationId xmlns:p14="http://schemas.microsoft.com/office/powerpoint/2010/main" val="448239727"/>
+        <p14:creationId xmlns:p14="http://schemas.microsoft.com/office/powerpoint/2010/main" val="3341654643"/>
       </p:ext>
     </p:extLst>
   </p:cSld>
-  <p:clrMap bg1="lt1" tx1="dk1" bg2="lt2" tx2="dk2" accent1="accent1" accent2="accent2" accent3="accent3" accent4="accent4" accent5="accent5" accent6="accent6" hlink="hlink" folHlink="folHlink"/>
+  <p:clrMap bg1="dk1" tx1="lt1" bg2="dk2" tx2="lt2" accent1="accent1" accent2="accent2" accent3="accent3" accent4="accent4" accent5="accent5" accent6="accent6" hlink="hlink" folHlink="folHlink"/>
   <p:sldLayoutIdLst>
-    <p:sldLayoutId id="2147483649" r:id="rId1"/>
-    <p:sldLayoutId id="2147483650" r:id="rId2"/>
-    <p:sldLayoutId id="2147483651" r:id="rId3"/>
-    <p:sldLayoutId id="2147483652" r:id="rId4"/>
-    <p:sldLayoutId id="2147483653" r:id="rId5"/>
-    <p:sldLayoutId id="2147483654" r:id="rId6"/>
-    <p:sldLayoutId id="2147483655" r:id="rId7"/>
-    <p:sldLayoutId id="2147483656" r:id="rId8"/>
-    <p:sldLayoutId id="2147483657" r:id="rId9"/>
-    <p:sldLayoutId id="2147483658" r:id="rId10"/>
-    <p:sldLayoutId id="2147483659" r:id="rId11"/>
+    <p:sldLayoutId id="2147483673" r:id="rId1"/>
+    <p:sldLayoutId id="2147483674" r:id="rId2"/>
+    <p:sldLayoutId id="2147483675" r:id="rId3"/>
+    <p:sldLayoutId id="2147483676" r:id="rId4"/>
+    <p:sldLayoutId id="2147483677" r:id="rId5"/>
+    <p:sldLayoutId id="2147483678" r:id="rId6"/>
+    <p:sldLayoutId id="2147483679" r:id="rId7"/>
+    <p:sldLayoutId id="2147483680" r:id="rId8"/>
+    <p:sldLayoutId id="2147483681" r:id="rId9"/>
+    <p:sldLayoutId id="2147483682" r:id="rId10"/>
+    <p:sldLayoutId id="2147483683" r:id="rId11"/>
   </p:sldLayoutIdLst>
   <p:txStyles>
     <p:titleStyle>
-      <a:lvl1pPr algn="l" defTabSz="914400" rtl="0" eaLnBrk="1" latinLnBrk="0" hangingPunct="1">
+      <a:lvl1pPr algn="r" defTabSz="914400" rtl="0" eaLnBrk="1" latinLnBrk="0" hangingPunct="1">
         <a:lnSpc>
           <a:spcPct val="90000"/>
         </a:lnSpc>
@@ -3036,10 +4144,11 @@
           <a:spcPct val="0"/>
         </a:spcBef>
         <a:buNone/>
-        <a:defRPr sz="4400" kern="1200">
+        <a:defRPr sz="3400" b="0" i="0" kern="1200" cap="none">
           <a:solidFill>
             <a:schemeClr val="tx1"/>
           </a:solidFill>
+          <a:effectLst/>
           <a:latin typeface="+mj-lt"/>
           <a:ea typeface="+mj-ea"/>
           <a:cs typeface="+mj-cs"/>
@@ -3047,163 +4156,235 @@
       </a:lvl1pPr>
     </p:titleStyle>
     <p:bodyStyle>
-      <a:lvl1pPr marL="228600" indent="-228600" algn="l" defTabSz="914400" rtl="0" eaLnBrk="1" latinLnBrk="0" hangingPunct="1">
+      <a:lvl1pPr marL="344488" indent="-338328" algn="l" defTabSz="914400" rtl="0" eaLnBrk="1" latinLnBrk="0" hangingPunct="1">
         <a:lnSpc>
-          <a:spcPct val="90000"/>
+          <a:spcPct val="120000"/>
         </a:lnSpc>
         <a:spcBef>
-          <a:spcPts val="1000"/>
+          <a:spcPts val="500"/>
         </a:spcBef>
-        <a:buFont typeface="Arial" panose="020B0604020202020204" pitchFamily="34" charset="0"/>
-        <a:buChar char="•"/>
-        <a:defRPr sz="2800" kern="1200">
+        <a:spcAft>
+          <a:spcPts val="600"/>
+        </a:spcAft>
+        <a:buClr>
+          <a:schemeClr val="accent6"/>
+        </a:buClr>
+        <a:buSzPct val="90000"/>
+        <a:buFont typeface="Wingdings" panose="05000000000000000000" pitchFamily="2" charset="2"/>
+        <a:buChar char="§"/>
+        <a:defRPr sz="2000" kern="1200">
           <a:solidFill>
             <a:schemeClr val="tx1"/>
           </a:solidFill>
+          <a:effectLst/>
           <a:latin typeface="+mn-lt"/>
           <a:ea typeface="+mn-ea"/>
           <a:cs typeface="+mn-cs"/>
         </a:defRPr>
       </a:lvl1pPr>
-      <a:lvl2pPr marL="685800" indent="-228600" algn="l" defTabSz="914400" rtl="0" eaLnBrk="1" latinLnBrk="0" hangingPunct="1">
+      <a:lvl2pPr marL="795338" indent="-338328" algn="l" defTabSz="914400" rtl="0" eaLnBrk="1" latinLnBrk="0" hangingPunct="1">
         <a:lnSpc>
-          <a:spcPct val="90000"/>
+          <a:spcPct val="120000"/>
         </a:lnSpc>
         <a:spcBef>
           <a:spcPts val="500"/>
         </a:spcBef>
-        <a:buFont typeface="Arial" panose="020B0604020202020204" pitchFamily="34" charset="0"/>
-        <a:buChar char="•"/>
-        <a:defRPr sz="2400" kern="1200">
+        <a:spcAft>
+          <a:spcPts val="600"/>
+        </a:spcAft>
+        <a:buClr>
+          <a:schemeClr val="accent6"/>
+        </a:buClr>
+        <a:buSzPct val="90000"/>
+        <a:buFont typeface="Wingdings" panose="05000000000000000000" pitchFamily="2" charset="2"/>
+        <a:buChar char="§"/>
+        <a:defRPr sz="1800" kern="1200">
           <a:solidFill>
             <a:schemeClr val="tx1"/>
           </a:solidFill>
+          <a:effectLst/>
           <a:latin typeface="+mn-lt"/>
           <a:ea typeface="+mn-ea"/>
           <a:cs typeface="+mn-cs"/>
         </a:defRPr>
       </a:lvl2pPr>
-      <a:lvl3pPr marL="1143000" indent="-228600" algn="l" defTabSz="914400" rtl="0" eaLnBrk="1" latinLnBrk="0" hangingPunct="1">
+      <a:lvl3pPr marL="1258888" indent="-338328" algn="l" defTabSz="914400" rtl="0" eaLnBrk="1" latinLnBrk="0" hangingPunct="1">
         <a:lnSpc>
-          <a:spcPct val="90000"/>
+          <a:spcPct val="120000"/>
         </a:lnSpc>
         <a:spcBef>
           <a:spcPts val="500"/>
         </a:spcBef>
-        <a:buFont typeface="Arial" panose="020B0604020202020204" pitchFamily="34" charset="0"/>
-        <a:buChar char="•"/>
-        <a:defRPr sz="2000" kern="1200">
+        <a:spcAft>
+          <a:spcPts val="600"/>
+        </a:spcAft>
+        <a:buClr>
+          <a:schemeClr val="accent6"/>
+        </a:buClr>
+        <a:buSzPct val="90000"/>
+        <a:buFont typeface="Wingdings" panose="05000000000000000000" pitchFamily="2" charset="2"/>
+        <a:buChar char="§"/>
+        <a:defRPr sz="1600" kern="1200">
           <a:solidFill>
             <a:schemeClr val="tx1"/>
           </a:solidFill>
+          <a:effectLst/>
           <a:latin typeface="+mn-lt"/>
           <a:ea typeface="+mn-ea"/>
           <a:cs typeface="+mn-cs"/>
         </a:defRPr>
       </a:lvl3pPr>
-      <a:lvl4pPr marL="1600200" indent="-228600" algn="l" defTabSz="914400" rtl="0" eaLnBrk="1" latinLnBrk="0" hangingPunct="1">
+      <a:lvl4pPr marL="1709738" indent="-338328" algn="l" defTabSz="914400" rtl="0" eaLnBrk="1" latinLnBrk="0" hangingPunct="1">
         <a:lnSpc>
-          <a:spcPct val="90000"/>
+          <a:spcPct val="120000"/>
         </a:lnSpc>
         <a:spcBef>
           <a:spcPts val="500"/>
         </a:spcBef>
-        <a:buFont typeface="Arial" panose="020B0604020202020204" pitchFamily="34" charset="0"/>
-        <a:buChar char="•"/>
-        <a:defRPr sz="1800" kern="1200">
+        <a:spcAft>
+          <a:spcPts val="600"/>
+        </a:spcAft>
+        <a:buClr>
+          <a:schemeClr val="accent6"/>
+        </a:buClr>
+        <a:buSzPct val="90000"/>
+        <a:buFont typeface="Wingdings" panose="05000000000000000000" pitchFamily="2" charset="2"/>
+        <a:buChar char="§"/>
+        <a:defRPr sz="1400" kern="1200">
           <a:solidFill>
             <a:schemeClr val="tx1"/>
           </a:solidFill>
+          <a:effectLst/>
           <a:latin typeface="+mn-lt"/>
           <a:ea typeface="+mn-ea"/>
           <a:cs typeface="+mn-cs"/>
         </a:defRPr>
       </a:lvl4pPr>
-      <a:lvl5pPr marL="2057400" indent="-228600" algn="l" defTabSz="914400" rtl="0" eaLnBrk="1" latinLnBrk="0" hangingPunct="1">
+      <a:lvl5pPr marL="2173288" indent="-338328" algn="l" defTabSz="914400" rtl="0" eaLnBrk="1" latinLnBrk="0" hangingPunct="1">
         <a:lnSpc>
-          <a:spcPct val="90000"/>
+          <a:spcPct val="120000"/>
         </a:lnSpc>
         <a:spcBef>
           <a:spcPts val="500"/>
         </a:spcBef>
-        <a:buFont typeface="Arial" panose="020B0604020202020204" pitchFamily="34" charset="0"/>
-        <a:buChar char="•"/>
-        <a:defRPr sz="1800" kern="1200">
+        <a:spcAft>
+          <a:spcPts val="600"/>
+        </a:spcAft>
+        <a:buClr>
+          <a:schemeClr val="accent6"/>
+        </a:buClr>
+        <a:buSzPct val="90000"/>
+        <a:buFont typeface="Wingdings" panose="05000000000000000000" pitchFamily="2" charset="2"/>
+        <a:buChar char="§"/>
+        <a:defRPr sz="1200" kern="1200">
           <a:solidFill>
             <a:schemeClr val="tx1"/>
           </a:solidFill>
+          <a:effectLst/>
           <a:latin typeface="+mn-lt"/>
           <a:ea typeface="+mn-ea"/>
           <a:cs typeface="+mn-cs"/>
         </a:defRPr>
       </a:lvl5pPr>
-      <a:lvl6pPr marL="2514600" indent="-228600" algn="l" defTabSz="914400" rtl="0" eaLnBrk="1" latinLnBrk="0" hangingPunct="1">
+      <a:lvl6pPr marL="2642616" indent="-338328" algn="l" defTabSz="914400" rtl="0" eaLnBrk="1" latinLnBrk="0" hangingPunct="1">
         <a:lnSpc>
-          <a:spcPct val="90000"/>
+          <a:spcPct val="120000"/>
         </a:lnSpc>
         <a:spcBef>
           <a:spcPts val="500"/>
         </a:spcBef>
-        <a:buFont typeface="Arial" panose="020B0604020202020204" pitchFamily="34" charset="0"/>
-        <a:buChar char="•"/>
-        <a:defRPr sz="1800" kern="1200">
+        <a:spcAft>
+          <a:spcPts val="600"/>
+        </a:spcAft>
+        <a:buClr>
+          <a:schemeClr val="accent6"/>
+        </a:buClr>
+        <a:buSzPct val="90000"/>
+        <a:buFont typeface="Wingdings" panose="05000000000000000000" pitchFamily="2" charset="2"/>
+        <a:buChar char="§"/>
+        <a:defRPr sz="1200" kern="1200">
           <a:solidFill>
             <a:schemeClr val="tx1"/>
           </a:solidFill>
+          <a:effectLst/>
           <a:latin typeface="+mn-lt"/>
           <a:ea typeface="+mn-ea"/>
           <a:cs typeface="+mn-cs"/>
         </a:defRPr>
       </a:lvl6pPr>
-      <a:lvl7pPr marL="2971800" indent="-228600" algn="l" defTabSz="914400" rtl="0" eaLnBrk="1" latinLnBrk="0" hangingPunct="1">
+      <a:lvl7pPr marL="3108960" indent="-338328" algn="l" defTabSz="914400" rtl="0" eaLnBrk="1" latinLnBrk="0" hangingPunct="1">
         <a:lnSpc>
-          <a:spcPct val="90000"/>
+          <a:spcPct val="120000"/>
         </a:lnSpc>
         <a:spcBef>
           <a:spcPts val="500"/>
         </a:spcBef>
-        <a:buFont typeface="Arial" panose="020B0604020202020204" pitchFamily="34" charset="0"/>
-        <a:buChar char="•"/>
-        <a:defRPr sz="1800" kern="1200">
+        <a:spcAft>
+          <a:spcPts val="600"/>
+        </a:spcAft>
+        <a:buClr>
+          <a:schemeClr val="accent6"/>
+        </a:buClr>
+        <a:buSzPct val="90000"/>
+        <a:buFont typeface="Wingdings" panose="05000000000000000000" pitchFamily="2" charset="2"/>
+        <a:buChar char="§"/>
+        <a:defRPr sz="1200" kern="1200">
           <a:solidFill>
             <a:schemeClr val="tx1"/>
           </a:solidFill>
+          <a:effectLst/>
           <a:latin typeface="+mn-lt"/>
           <a:ea typeface="+mn-ea"/>
           <a:cs typeface="+mn-cs"/>
         </a:defRPr>
       </a:lvl7pPr>
-      <a:lvl8pPr marL="3429000" indent="-228600" algn="l" defTabSz="914400" rtl="0" eaLnBrk="1" latinLnBrk="0" hangingPunct="1">
+      <a:lvl8pPr marL="3575304" indent="-338328" algn="l" defTabSz="914400" rtl="0" eaLnBrk="1" latinLnBrk="0" hangingPunct="1">
         <a:lnSpc>
-          <a:spcPct val="90000"/>
+          <a:spcPct val="120000"/>
         </a:lnSpc>
         <a:spcBef>
           <a:spcPts val="500"/>
         </a:spcBef>
-        <a:buFont typeface="Arial" panose="020B0604020202020204" pitchFamily="34" charset="0"/>
-        <a:buChar char="•"/>
-        <a:defRPr sz="1800" kern="1200">
+        <a:spcAft>
+          <a:spcPts val="600"/>
+        </a:spcAft>
+        <a:buClr>
+          <a:schemeClr val="accent6"/>
+        </a:buClr>
+        <a:buSzPct val="90000"/>
+        <a:buFont typeface="Wingdings" panose="05000000000000000000" pitchFamily="2" charset="2"/>
+        <a:buChar char="§"/>
+        <a:defRPr sz="1200" kern="1200">
           <a:solidFill>
             <a:schemeClr val="tx1"/>
           </a:solidFill>
+          <a:effectLst/>
           <a:latin typeface="+mn-lt"/>
           <a:ea typeface="+mn-ea"/>
           <a:cs typeface="+mn-cs"/>
         </a:defRPr>
       </a:lvl8pPr>
-      <a:lvl9pPr marL="3886200" indent="-228600" algn="l" defTabSz="914400" rtl="0" eaLnBrk="1" latinLnBrk="0" hangingPunct="1">
+      <a:lvl9pPr marL="4041648" indent="-338328" algn="l" defTabSz="914400" rtl="0" eaLnBrk="1" latinLnBrk="0" hangingPunct="1">
         <a:lnSpc>
-          <a:spcPct val="90000"/>
+          <a:spcPct val="120000"/>
         </a:lnSpc>
         <a:spcBef>
           <a:spcPts val="500"/>
         </a:spcBef>
-        <a:buFont typeface="Arial" panose="020B0604020202020204" pitchFamily="34" charset="0"/>
-        <a:buChar char="•"/>
-        <a:defRPr sz="1800" kern="1200">
+        <a:spcAft>
+          <a:spcPts val="600"/>
+        </a:spcAft>
+        <a:buClr>
+          <a:schemeClr val="accent6"/>
+        </a:buClr>
+        <a:buSzPct val="90000"/>
+        <a:buFont typeface="Wingdings" panose="05000000000000000000" pitchFamily="2" charset="2"/>
+        <a:buChar char="§"/>
+        <a:defRPr sz="1200" kern="1200">
           <a:solidFill>
             <a:schemeClr val="tx1"/>
           </a:solidFill>
+          <a:effectLst/>
           <a:latin typeface="+mn-lt"/>
           <a:ea typeface="+mn-ea"/>
           <a:cs typeface="+mn-cs"/>
@@ -3348,8 +4529,8 @@
         </p:blipFill>
         <p:spPr>
           <a:xfrm>
-            <a:off x="414313" y="-947213"/>
-            <a:ext cx="11363374" cy="16250093"/>
+            <a:off x="768210" y="-760960"/>
+            <a:ext cx="10655580" cy="15237919"/>
           </a:xfrm>
           <a:prstGeom prst="rect">
             <a:avLst/>
@@ -3414,10 +4595,890 @@
           </a:p>
         </p:txBody>
       </p:sp>
+      <p:sp>
+        <p:nvSpPr>
+          <p:cNvPr id="4" name="TextBox 3">
+            <a:extLst>
+              <a:ext uri="{FF2B5EF4-FFF2-40B4-BE49-F238E27FC236}">
+                <a16:creationId xmlns:a16="http://schemas.microsoft.com/office/drawing/2014/main" id="{DCC40B56-D08E-0B4E-8510-A3DC8EF6667E}"/>
+              </a:ext>
+            </a:extLst>
+          </p:cNvPr>
+          <p:cNvSpPr txBox="1"/>
+          <p:nvPr/>
+        </p:nvSpPr>
+        <p:spPr>
+          <a:xfrm>
+            <a:off x="53835" y="200025"/>
+            <a:ext cx="714375" cy="7294305"/>
+          </a:xfrm>
+          <a:prstGeom prst="rect">
+            <a:avLst/>
+          </a:prstGeom>
+          <a:noFill/>
+        </p:spPr>
+        <p:txBody>
+          <a:bodyPr wrap="square" rtlCol="0">
+            <a:spAutoFit/>
+          </a:bodyPr>
+          <a:lstStyle/>
+          <a:p>
+            <a:r>
+              <a:rPr lang="en-US" sz="3600" dirty="0"/>
+              <a:t>🐟</a:t>
+            </a:r>
+          </a:p>
+          <a:p>
+            <a:r>
+              <a:rPr lang="en-US" sz="3600" dirty="0"/>
+              <a:t>🐟</a:t>
+            </a:r>
+          </a:p>
+          <a:p>
+            <a:r>
+              <a:rPr lang="en-US" sz="3600" dirty="0"/>
+              <a:t>🐟</a:t>
+            </a:r>
+          </a:p>
+          <a:p>
+            <a:r>
+              <a:rPr lang="en-US" sz="3600" dirty="0"/>
+              <a:t>🐟</a:t>
+            </a:r>
+          </a:p>
+          <a:p>
+            <a:r>
+              <a:rPr lang="en-US" sz="3600" dirty="0"/>
+              <a:t>🐟</a:t>
+            </a:r>
+          </a:p>
+          <a:p>
+            <a:r>
+              <a:rPr lang="en-US" sz="3600" dirty="0"/>
+              <a:t>🐟</a:t>
+            </a:r>
+          </a:p>
+          <a:p>
+            <a:r>
+              <a:rPr lang="en-US" sz="3600" dirty="0"/>
+              <a:t>🐟</a:t>
+            </a:r>
+          </a:p>
+          <a:p>
+            <a:r>
+              <a:rPr lang="en-US" sz="3600" dirty="0"/>
+              <a:t>🐟</a:t>
+            </a:r>
+          </a:p>
+          <a:p>
+            <a:r>
+              <a:rPr lang="en-US" sz="3600" dirty="0"/>
+              <a:t>🐟</a:t>
+            </a:r>
+          </a:p>
+          <a:p>
+            <a:r>
+              <a:rPr lang="en-US" sz="3600" dirty="0"/>
+              <a:t>🐟</a:t>
+            </a:r>
+          </a:p>
+          <a:p>
+            <a:r>
+              <a:rPr lang="en-US" sz="3600" dirty="0"/>
+              <a:t>🐟</a:t>
+            </a:r>
+          </a:p>
+          <a:p>
+            <a:r>
+              <a:rPr lang="en-US" sz="3600" dirty="0"/>
+              <a:t>🐟</a:t>
+            </a:r>
+          </a:p>
+          <a:p>
+            <a:endParaRPr lang="en-US" sz="3600" dirty="0"/>
+          </a:p>
+        </p:txBody>
+      </p:sp>
+      <p:sp>
+        <p:nvSpPr>
+          <p:cNvPr id="6" name="TextBox 5">
+            <a:extLst>
+              <a:ext uri="{FF2B5EF4-FFF2-40B4-BE49-F238E27FC236}">
+                <a16:creationId xmlns:a16="http://schemas.microsoft.com/office/drawing/2014/main" id="{ABAA429F-DF3D-F742-A34E-F5307E141778}"/>
+              </a:ext>
+            </a:extLst>
+          </p:cNvPr>
+          <p:cNvSpPr txBox="1"/>
+          <p:nvPr/>
+        </p:nvSpPr>
+        <p:spPr>
+          <a:xfrm>
+            <a:off x="11477625" y="200025"/>
+            <a:ext cx="714375" cy="7294305"/>
+          </a:xfrm>
+          <a:prstGeom prst="rect">
+            <a:avLst/>
+          </a:prstGeom>
+          <a:noFill/>
+        </p:spPr>
+        <p:txBody>
+          <a:bodyPr wrap="square" rtlCol="0">
+            <a:spAutoFit/>
+          </a:bodyPr>
+          <a:lstStyle/>
+          <a:p>
+            <a:r>
+              <a:rPr lang="en-US" sz="3600" dirty="0"/>
+              <a:t>🐟</a:t>
+            </a:r>
+          </a:p>
+          <a:p>
+            <a:r>
+              <a:rPr lang="en-US" sz="3600" dirty="0"/>
+              <a:t>🐟</a:t>
+            </a:r>
+          </a:p>
+          <a:p>
+            <a:r>
+              <a:rPr lang="en-US" sz="3600" dirty="0"/>
+              <a:t>🐟</a:t>
+            </a:r>
+          </a:p>
+          <a:p>
+            <a:r>
+              <a:rPr lang="en-US" sz="3600" dirty="0"/>
+              <a:t>🐟</a:t>
+            </a:r>
+          </a:p>
+          <a:p>
+            <a:r>
+              <a:rPr lang="en-US" sz="3600" dirty="0"/>
+              <a:t>🐟</a:t>
+            </a:r>
+          </a:p>
+          <a:p>
+            <a:r>
+              <a:rPr lang="en-US" sz="3600" dirty="0"/>
+              <a:t>🐟</a:t>
+            </a:r>
+          </a:p>
+          <a:p>
+            <a:r>
+              <a:rPr lang="en-US" sz="3600" dirty="0"/>
+              <a:t>🐟</a:t>
+            </a:r>
+          </a:p>
+          <a:p>
+            <a:r>
+              <a:rPr lang="en-US" sz="3600" dirty="0"/>
+              <a:t>🐟</a:t>
+            </a:r>
+          </a:p>
+          <a:p>
+            <a:r>
+              <a:rPr lang="en-US" sz="3600" dirty="0"/>
+              <a:t>🐟</a:t>
+            </a:r>
+          </a:p>
+          <a:p>
+            <a:r>
+              <a:rPr lang="en-US" sz="3600" dirty="0"/>
+              <a:t>🐟</a:t>
+            </a:r>
+          </a:p>
+          <a:p>
+            <a:r>
+              <a:rPr lang="en-US" sz="3600" dirty="0"/>
+              <a:t>🐟</a:t>
+            </a:r>
+          </a:p>
+          <a:p>
+            <a:r>
+              <a:rPr lang="en-US" sz="3600" dirty="0"/>
+              <a:t>🐟</a:t>
+            </a:r>
+          </a:p>
+          <a:p>
+            <a:endParaRPr lang="en-US" sz="3600" dirty="0"/>
+          </a:p>
+        </p:txBody>
+      </p:sp>
     </p:spTree>
     <p:extLst>
       <p:ext uri="{BB962C8B-B14F-4D97-AF65-F5344CB8AC3E}">
         <p14:creationId xmlns:p14="http://schemas.microsoft.com/office/powerpoint/2010/main" val="483074505"/>
+      </p:ext>
+    </p:extLst>
+  </p:cSld>
+  <p:clrMapOvr>
+    <a:masterClrMapping/>
+  </p:clrMapOvr>
+</p:sld>
+</file>
+
+<file path=ppt/slides/slide10.xml><?xml version="1.0" encoding="utf-8"?>
+<p:sld xmlns:a="http://schemas.openxmlformats.org/drawingml/2006/main" xmlns:r="http://schemas.openxmlformats.org/officeDocument/2006/relationships" xmlns:p="http://schemas.openxmlformats.org/presentationml/2006/main">
+  <p:cSld>
+    <p:spTree>
+      <p:nvGrpSpPr>
+        <p:cNvPr id="1" name=""/>
+        <p:cNvGrpSpPr/>
+        <p:nvPr/>
+      </p:nvGrpSpPr>
+      <p:grpSpPr>
+        <a:xfrm>
+          <a:off x="0" y="0"/>
+          <a:ext cx="0" cy="0"/>
+          <a:chOff x="0" y="0"/>
+          <a:chExt cx="0" cy="0"/>
+        </a:xfrm>
+      </p:grpSpPr>
+      <p:sp>
+        <p:nvSpPr>
+          <p:cNvPr id="2" name="Title 1">
+            <a:extLst>
+              <a:ext uri="{FF2B5EF4-FFF2-40B4-BE49-F238E27FC236}">
+                <a16:creationId xmlns:a16="http://schemas.microsoft.com/office/drawing/2014/main" id="{B1E67C53-5217-B049-A5AA-3E34F8F91704}"/>
+              </a:ext>
+            </a:extLst>
+          </p:cNvPr>
+          <p:cNvSpPr>
+            <a:spLocks noGrp="1"/>
+          </p:cNvSpPr>
+          <p:nvPr>
+            <p:ph type="title"/>
+          </p:nvPr>
+        </p:nvSpPr>
+        <p:spPr/>
+        <p:txBody>
+          <a:bodyPr/>
+          <a:lstStyle/>
+          <a:p>
+            <a:r>
+              <a:rPr lang="en-US" dirty="0"/>
+              <a:t>How did we do?</a:t>
+            </a:r>
+          </a:p>
+        </p:txBody>
+      </p:sp>
+      <p:sp>
+        <p:nvSpPr>
+          <p:cNvPr id="3" name="Content Placeholder 2">
+            <a:extLst>
+              <a:ext uri="{FF2B5EF4-FFF2-40B4-BE49-F238E27FC236}">
+                <a16:creationId xmlns:a16="http://schemas.microsoft.com/office/drawing/2014/main" id="{0A52459F-506A-BD4C-9FC3-737E4CDE5DE0}"/>
+              </a:ext>
+            </a:extLst>
+          </p:cNvPr>
+          <p:cNvSpPr>
+            <a:spLocks noGrp="1"/>
+          </p:cNvSpPr>
+          <p:nvPr>
+            <p:ph idx="1"/>
+          </p:nvPr>
+        </p:nvSpPr>
+        <p:spPr/>
+        <p:txBody>
+          <a:bodyPr/>
+          <a:lstStyle/>
+          <a:p>
+            <a:r>
+              <a:rPr lang="en-US" dirty="0"/>
+              <a:t>We didn’t pull an all-nighter last night!!</a:t>
+            </a:r>
+          </a:p>
+          <a:p>
+            <a:pPr lvl="1"/>
+            <a:r>
+              <a:rPr lang="en-US" dirty="0"/>
+              <a:t>Yay for proper scoping!</a:t>
+            </a:r>
+          </a:p>
+          <a:p>
+            <a:r>
+              <a:rPr lang="en-US" dirty="0"/>
+              <a:t>Silvia likes our game concept.</a:t>
+            </a:r>
+          </a:p>
+          <a:p>
+            <a:pPr lvl="1"/>
+            <a:r>
+              <a:rPr lang="en-US" dirty="0"/>
+              <a:t>Hopefully Silvia likes the game too</a:t>
+            </a:r>
+          </a:p>
+          <a:p>
+            <a:r>
+              <a:rPr lang="en-US" dirty="0"/>
+              <a:t>The real game was the friends we made along the way </a:t>
+            </a:r>
+            <a:r>
+              <a:rPr lang="en-US" dirty="0">
+                <a:sym typeface="Wingdings" pitchFamily="2" charset="2"/>
+              </a:rPr>
+              <a:t></a:t>
+            </a:r>
+            <a:endParaRPr lang="en-US" dirty="0"/>
+          </a:p>
+        </p:txBody>
+      </p:sp>
+      <p:pic>
+        <p:nvPicPr>
+          <p:cNvPr id="5" name="Picture 4" descr="A person holding a sign posing for the camera&#10;&#10;Description automatically generated">
+            <a:extLst>
+              <a:ext uri="{FF2B5EF4-FFF2-40B4-BE49-F238E27FC236}">
+                <a16:creationId xmlns:a16="http://schemas.microsoft.com/office/drawing/2014/main" id="{88EECB47-52EC-D746-B6EC-097A02ED4AA9}"/>
+              </a:ext>
+            </a:extLst>
+          </p:cNvPr>
+          <p:cNvPicPr>
+            <a:picLocks noChangeAspect="1"/>
+          </p:cNvPicPr>
+          <p:nvPr/>
+        </p:nvPicPr>
+        <p:blipFill>
+          <a:blip r:embed="rId2"/>
+          <a:stretch>
+            <a:fillRect/>
+          </a:stretch>
+        </p:blipFill>
+        <p:spPr>
+          <a:xfrm>
+            <a:off x="492295" y="916908"/>
+            <a:ext cx="5869858" cy="3366536"/>
+          </a:xfrm>
+          <a:prstGeom prst="rect">
+            <a:avLst/>
+          </a:prstGeom>
+        </p:spPr>
+      </p:pic>
+      <p:pic>
+        <p:nvPicPr>
+          <p:cNvPr id="9" name="Picture 8" descr="A picture containing sky, sport&#10;&#10;Description automatically generated">
+            <a:extLst>
+              <a:ext uri="{FF2B5EF4-FFF2-40B4-BE49-F238E27FC236}">
+                <a16:creationId xmlns:a16="http://schemas.microsoft.com/office/drawing/2014/main" id="{E2787DCE-AFE1-714B-8BA6-63974BD96C21}"/>
+              </a:ext>
+            </a:extLst>
+          </p:cNvPr>
+          <p:cNvPicPr>
+            <a:picLocks noChangeAspect="1"/>
+          </p:cNvPicPr>
+          <p:nvPr/>
+        </p:nvPicPr>
+        <p:blipFill>
+          <a:blip r:embed="rId3"/>
+          <a:stretch>
+            <a:fillRect/>
+          </a:stretch>
+        </p:blipFill>
+        <p:spPr>
+          <a:xfrm>
+            <a:off x="3096957" y="1180741"/>
+            <a:ext cx="4051300" cy="5168900"/>
+          </a:xfrm>
+          <a:prstGeom prst="rect">
+            <a:avLst/>
+          </a:prstGeom>
+        </p:spPr>
+      </p:pic>
+      <p:pic>
+        <p:nvPicPr>
+          <p:cNvPr id="11" name="Picture 10" descr="A close up of a sign&#10;&#10;Description automatically generated">
+            <a:extLst>
+              <a:ext uri="{FF2B5EF4-FFF2-40B4-BE49-F238E27FC236}">
+                <a16:creationId xmlns:a16="http://schemas.microsoft.com/office/drawing/2014/main" id="{32EE82B9-8C99-1A43-A4E3-1EC38726C169}"/>
+              </a:ext>
+            </a:extLst>
+          </p:cNvPr>
+          <p:cNvPicPr>
+            <a:picLocks noChangeAspect="1"/>
+          </p:cNvPicPr>
+          <p:nvPr/>
+        </p:nvPicPr>
+        <p:blipFill>
+          <a:blip r:embed="rId4"/>
+          <a:stretch>
+            <a:fillRect/>
+          </a:stretch>
+        </p:blipFill>
+        <p:spPr>
+          <a:xfrm>
+            <a:off x="3773129" y="607193"/>
+            <a:ext cx="7772400" cy="4457700"/>
+          </a:xfrm>
+          <a:prstGeom prst="rect">
+            <a:avLst/>
+          </a:prstGeom>
+        </p:spPr>
+      </p:pic>
+    </p:spTree>
+    <p:extLst>
+      <p:ext uri="{BB962C8B-B14F-4D97-AF65-F5344CB8AC3E}">
+        <p14:creationId xmlns:p14="http://schemas.microsoft.com/office/powerpoint/2010/main" val="1045104552"/>
+      </p:ext>
+    </p:extLst>
+  </p:cSld>
+  <p:clrMapOvr>
+    <a:masterClrMapping/>
+  </p:clrMapOvr>
+  <p:timing>
+    <p:tnLst>
+      <p:par>
+        <p:cTn id="1" dur="indefinite" restart="never" nodeType="tmRoot">
+          <p:childTnLst>
+            <p:seq concurrent="1" nextAc="seek">
+              <p:cTn id="2" dur="indefinite" nodeType="mainSeq">
+                <p:childTnLst>
+                  <p:par>
+                    <p:cTn id="3" fill="hold">
+                      <p:stCondLst>
+                        <p:cond delay="indefinite"/>
+                        <p:cond evt="onBegin" delay="0">
+                          <p:tn val="2"/>
+                        </p:cond>
+                      </p:stCondLst>
+                      <p:childTnLst>
+                        <p:par>
+                          <p:cTn id="4" fill="hold">
+                            <p:stCondLst>
+                              <p:cond delay="0"/>
+                            </p:stCondLst>
+                            <p:childTnLst>
+                              <p:par>
+                                <p:cTn id="5" presetID="1" presetClass="entr" presetSubtype="0" fill="hold" nodeType="afterEffect">
+                                  <p:stCondLst>
+                                    <p:cond delay="2000"/>
+                                  </p:stCondLst>
+                                  <p:childTnLst>
+                                    <p:set>
+                                      <p:cBhvr>
+                                        <p:cTn id="6" dur="1" fill="hold">
+                                          <p:stCondLst>
+                                            <p:cond delay="0"/>
+                                          </p:stCondLst>
+                                        </p:cTn>
+                                        <p:tgtEl>
+                                          <p:spTgt spid="5"/>
+                                        </p:tgtEl>
+                                        <p:attrNameLst>
+                                          <p:attrName>style.visibility</p:attrName>
+                                        </p:attrNameLst>
+                                      </p:cBhvr>
+                                      <p:to>
+                                        <p:strVal val="visible"/>
+                                      </p:to>
+                                    </p:set>
+                                  </p:childTnLst>
+                                </p:cTn>
+                              </p:par>
+                            </p:childTnLst>
+                          </p:cTn>
+                        </p:par>
+                        <p:par>
+                          <p:cTn id="7" fill="hold">
+                            <p:stCondLst>
+                              <p:cond delay="2000"/>
+                            </p:stCondLst>
+                            <p:childTnLst>
+                              <p:par>
+                                <p:cTn id="8" presetID="1" presetClass="entr" presetSubtype="0" fill="hold" nodeType="afterEffect">
+                                  <p:stCondLst>
+                                    <p:cond delay="500"/>
+                                  </p:stCondLst>
+                                  <p:childTnLst>
+                                    <p:set>
+                                      <p:cBhvr>
+                                        <p:cTn id="9" dur="1" fill="hold">
+                                          <p:stCondLst>
+                                            <p:cond delay="0"/>
+                                          </p:stCondLst>
+                                        </p:cTn>
+                                        <p:tgtEl>
+                                          <p:spTgt spid="9"/>
+                                        </p:tgtEl>
+                                        <p:attrNameLst>
+                                          <p:attrName>style.visibility</p:attrName>
+                                        </p:attrNameLst>
+                                      </p:cBhvr>
+                                      <p:to>
+                                        <p:strVal val="visible"/>
+                                      </p:to>
+                                    </p:set>
+                                  </p:childTnLst>
+                                </p:cTn>
+                              </p:par>
+                            </p:childTnLst>
+                          </p:cTn>
+                        </p:par>
+                        <p:par>
+                          <p:cTn id="10" fill="hold">
+                            <p:stCondLst>
+                              <p:cond delay="2500"/>
+                            </p:stCondLst>
+                            <p:childTnLst>
+                              <p:par>
+                                <p:cTn id="11" presetID="1" presetClass="entr" presetSubtype="0" fill="hold" nodeType="afterEffect">
+                                  <p:stCondLst>
+                                    <p:cond delay="500"/>
+                                  </p:stCondLst>
+                                  <p:childTnLst>
+                                    <p:set>
+                                      <p:cBhvr>
+                                        <p:cTn id="12" dur="1" fill="hold">
+                                          <p:stCondLst>
+                                            <p:cond delay="0"/>
+                                          </p:stCondLst>
+                                        </p:cTn>
+                                        <p:tgtEl>
+                                          <p:spTgt spid="11"/>
+                                        </p:tgtEl>
+                                        <p:attrNameLst>
+                                          <p:attrName>style.visibility</p:attrName>
+                                        </p:attrNameLst>
+                                      </p:cBhvr>
+                                      <p:to>
+                                        <p:strVal val="visible"/>
+                                      </p:to>
+                                    </p:set>
+                                  </p:childTnLst>
+                                </p:cTn>
+                              </p:par>
+                            </p:childTnLst>
+                          </p:cTn>
+                        </p:par>
+                      </p:childTnLst>
+                    </p:cTn>
+                  </p:par>
+                </p:childTnLst>
+              </p:cTn>
+              <p:prevCondLst>
+                <p:cond evt="onPrev" delay="0">
+                  <p:tgtEl>
+                    <p:sldTgt/>
+                  </p:tgtEl>
+                </p:cond>
+              </p:prevCondLst>
+              <p:nextCondLst>
+                <p:cond evt="onNext" delay="0">
+                  <p:tgtEl>
+                    <p:sldTgt/>
+                  </p:tgtEl>
+                </p:cond>
+              </p:nextCondLst>
+            </p:seq>
+          </p:childTnLst>
+        </p:cTn>
+      </p:par>
+    </p:tnLst>
+  </p:timing>
+</p:sld>
+</file>
+
+<file path=ppt/slides/slide11.xml><?xml version="1.0" encoding="utf-8"?>
+<p:sld xmlns:a="http://schemas.openxmlformats.org/drawingml/2006/main" xmlns:r="http://schemas.openxmlformats.org/officeDocument/2006/relationships" xmlns:p="http://schemas.openxmlformats.org/presentationml/2006/main">
+  <p:cSld>
+    <p:spTree>
+      <p:nvGrpSpPr>
+        <p:cNvPr id="1" name=""/>
+        <p:cNvGrpSpPr/>
+        <p:nvPr/>
+      </p:nvGrpSpPr>
+      <p:grpSpPr>
+        <a:xfrm>
+          <a:off x="0" y="0"/>
+          <a:ext cx="0" cy="0"/>
+          <a:chOff x="0" y="0"/>
+          <a:chExt cx="0" cy="0"/>
+        </a:xfrm>
+      </p:grpSpPr>
+      <p:sp>
+        <p:nvSpPr>
+          <p:cNvPr id="2" name="Title 1">
+            <a:extLst>
+              <a:ext uri="{FF2B5EF4-FFF2-40B4-BE49-F238E27FC236}">
+                <a16:creationId xmlns:a16="http://schemas.microsoft.com/office/drawing/2014/main" id="{B1E67C53-5217-B049-A5AA-3E34F8F91704}"/>
+              </a:ext>
+            </a:extLst>
+          </p:cNvPr>
+          <p:cNvSpPr>
+            <a:spLocks noGrp="1"/>
+          </p:cNvSpPr>
+          <p:nvPr>
+            <p:ph type="title"/>
+          </p:nvPr>
+        </p:nvSpPr>
+        <p:spPr/>
+        <p:txBody>
+          <a:bodyPr/>
+          <a:lstStyle/>
+          <a:p>
+            <a:r>
+              <a:rPr lang="en-US" dirty="0"/>
+              <a:t>How did we do?</a:t>
+            </a:r>
+          </a:p>
+        </p:txBody>
+      </p:sp>
+      <p:sp>
+        <p:nvSpPr>
+          <p:cNvPr id="3" name="Content Placeholder 2">
+            <a:extLst>
+              <a:ext uri="{FF2B5EF4-FFF2-40B4-BE49-F238E27FC236}">
+                <a16:creationId xmlns:a16="http://schemas.microsoft.com/office/drawing/2014/main" id="{0A52459F-506A-BD4C-9FC3-737E4CDE5DE0}"/>
+              </a:ext>
+            </a:extLst>
+          </p:cNvPr>
+          <p:cNvSpPr>
+            <a:spLocks noGrp="1"/>
+          </p:cNvSpPr>
+          <p:nvPr>
+            <p:ph idx="1"/>
+          </p:nvPr>
+        </p:nvSpPr>
+        <p:spPr/>
+        <p:txBody>
+          <a:bodyPr/>
+          <a:lstStyle/>
+          <a:p>
+            <a:r>
+              <a:rPr lang="en-US" dirty="0"/>
+              <a:t>We didn’t pull an all-nighter last night!!</a:t>
+            </a:r>
+          </a:p>
+          <a:p>
+            <a:pPr lvl="1"/>
+            <a:r>
+              <a:rPr lang="en-US" dirty="0"/>
+              <a:t>Yay for proper scoping!</a:t>
+            </a:r>
+          </a:p>
+          <a:p>
+            <a:r>
+              <a:rPr lang="en-US" dirty="0"/>
+              <a:t>Silvia likes our game concept.</a:t>
+            </a:r>
+          </a:p>
+          <a:p>
+            <a:pPr lvl="1"/>
+            <a:r>
+              <a:rPr lang="en-US" dirty="0"/>
+              <a:t>Hopefully Silvia likes the game too</a:t>
+            </a:r>
+          </a:p>
+          <a:p>
+            <a:r>
+              <a:rPr lang="en-US" dirty="0"/>
+              <a:t>The real game was the friends we made along the way </a:t>
+            </a:r>
+            <a:r>
+              <a:rPr lang="en-US" dirty="0">
+                <a:sym typeface="Wingdings" pitchFamily="2" charset="2"/>
+              </a:rPr>
+              <a:t></a:t>
+            </a:r>
+            <a:endParaRPr lang="en-US" dirty="0"/>
+          </a:p>
+        </p:txBody>
+      </p:sp>
+    </p:spTree>
+    <p:extLst>
+      <p:ext uri="{BB962C8B-B14F-4D97-AF65-F5344CB8AC3E}">
+        <p14:creationId xmlns:p14="http://schemas.microsoft.com/office/powerpoint/2010/main" val="1863869545"/>
+      </p:ext>
+    </p:extLst>
+  </p:cSld>
+  <p:clrMapOvr>
+    <a:masterClrMapping/>
+  </p:clrMapOvr>
+</p:sld>
+</file>
+
+<file path=ppt/slides/slide12.xml><?xml version="1.0" encoding="utf-8"?>
+<p:sld xmlns:a="http://schemas.openxmlformats.org/drawingml/2006/main" xmlns:r="http://schemas.openxmlformats.org/officeDocument/2006/relationships" xmlns:p="http://schemas.openxmlformats.org/presentationml/2006/main">
+  <p:cSld>
+    <p:spTree>
+      <p:nvGrpSpPr>
+        <p:cNvPr id="1" name=""/>
+        <p:cNvGrpSpPr/>
+        <p:nvPr/>
+      </p:nvGrpSpPr>
+      <p:grpSpPr>
+        <a:xfrm>
+          <a:off x="0" y="0"/>
+          <a:ext cx="0" cy="0"/>
+          <a:chOff x="0" y="0"/>
+          <a:chExt cx="0" cy="0"/>
+        </a:xfrm>
+      </p:grpSpPr>
+      <p:sp>
+        <p:nvSpPr>
+          <p:cNvPr id="2" name="Title 1">
+            <a:extLst>
+              <a:ext uri="{FF2B5EF4-FFF2-40B4-BE49-F238E27FC236}">
+                <a16:creationId xmlns:a16="http://schemas.microsoft.com/office/drawing/2014/main" id="{C93CB3D2-3A7F-B446-879E-3850E6C81D48}"/>
+              </a:ext>
+            </a:extLst>
+          </p:cNvPr>
+          <p:cNvSpPr>
+            <a:spLocks noGrp="1"/>
+          </p:cNvSpPr>
+          <p:nvPr>
+            <p:ph type="title"/>
+          </p:nvPr>
+        </p:nvSpPr>
+        <p:spPr/>
+        <p:txBody>
+          <a:bodyPr/>
+          <a:lstStyle/>
+          <a:p>
+            <a:r>
+              <a:rPr lang="en-US"/>
+              <a:t>Demo</a:t>
+            </a:r>
+            <a:endParaRPr lang="en-US" dirty="0"/>
+          </a:p>
+        </p:txBody>
+      </p:sp>
+      <p:sp>
+        <p:nvSpPr>
+          <p:cNvPr id="3" name="Content Placeholder 2">
+            <a:extLst>
+              <a:ext uri="{FF2B5EF4-FFF2-40B4-BE49-F238E27FC236}">
+                <a16:creationId xmlns:a16="http://schemas.microsoft.com/office/drawing/2014/main" id="{48FD97DE-2886-2B45-8174-A3B1E7029D0A}"/>
+              </a:ext>
+            </a:extLst>
+          </p:cNvPr>
+          <p:cNvSpPr>
+            <a:spLocks noGrp="1"/>
+          </p:cNvSpPr>
+          <p:nvPr>
+            <p:ph idx="1"/>
+          </p:nvPr>
+        </p:nvSpPr>
+        <p:spPr/>
+        <p:txBody>
+          <a:bodyPr/>
+          <a:lstStyle/>
+          <a:p>
+            <a:endParaRPr lang="en-US"/>
+          </a:p>
+        </p:txBody>
+      </p:sp>
+    </p:spTree>
+    <p:extLst>
+      <p:ext uri="{BB962C8B-B14F-4D97-AF65-F5344CB8AC3E}">
+        <p14:creationId xmlns:p14="http://schemas.microsoft.com/office/powerpoint/2010/main" val="2927530572"/>
+      </p:ext>
+    </p:extLst>
+  </p:cSld>
+  <p:clrMapOvr>
+    <a:masterClrMapping/>
+  </p:clrMapOvr>
+</p:sld>
+</file>
+
+<file path=ppt/slides/slide13.xml><?xml version="1.0" encoding="utf-8"?>
+<p:sld xmlns:a="http://schemas.openxmlformats.org/drawingml/2006/main" xmlns:r="http://schemas.openxmlformats.org/officeDocument/2006/relationships" xmlns:p="http://schemas.openxmlformats.org/presentationml/2006/main">
+  <p:cSld>
+    <p:spTree>
+      <p:nvGrpSpPr>
+        <p:cNvPr id="1" name=""/>
+        <p:cNvGrpSpPr/>
+        <p:nvPr/>
+      </p:nvGrpSpPr>
+      <p:grpSpPr>
+        <a:xfrm>
+          <a:off x="0" y="0"/>
+          <a:ext cx="0" cy="0"/>
+          <a:chOff x="0" y="0"/>
+          <a:chExt cx="0" cy="0"/>
+        </a:xfrm>
+      </p:grpSpPr>
+      <p:sp>
+        <p:nvSpPr>
+          <p:cNvPr id="2" name="Title 1">
+            <a:extLst>
+              <a:ext uri="{FF2B5EF4-FFF2-40B4-BE49-F238E27FC236}">
+                <a16:creationId xmlns:a16="http://schemas.microsoft.com/office/drawing/2014/main" id="{3B054364-3950-3E42-9D2A-9A27A8A33EDA}"/>
+              </a:ext>
+            </a:extLst>
+          </p:cNvPr>
+          <p:cNvSpPr>
+            <a:spLocks noGrp="1"/>
+          </p:cNvSpPr>
+          <p:nvPr>
+            <p:ph type="title"/>
+          </p:nvPr>
+        </p:nvSpPr>
+        <p:spPr/>
+        <p:txBody>
+          <a:bodyPr/>
+          <a:lstStyle/>
+          <a:p>
+            <a:r>
+              <a:rPr lang="en-US" dirty="0"/>
+              <a:t>Reflection</a:t>
+            </a:r>
+          </a:p>
+        </p:txBody>
+      </p:sp>
+      <p:sp>
+        <p:nvSpPr>
+          <p:cNvPr id="3" name="Content Placeholder 2">
+            <a:extLst>
+              <a:ext uri="{FF2B5EF4-FFF2-40B4-BE49-F238E27FC236}">
+                <a16:creationId xmlns:a16="http://schemas.microsoft.com/office/drawing/2014/main" id="{A6224EA0-E00A-BF4F-B2F7-72BF575400A7}"/>
+              </a:ext>
+            </a:extLst>
+          </p:cNvPr>
+          <p:cNvSpPr>
+            <a:spLocks noGrp="1"/>
+          </p:cNvSpPr>
+          <p:nvPr>
+            <p:ph idx="1"/>
+          </p:nvPr>
+        </p:nvSpPr>
+        <p:spPr/>
+        <p:txBody>
+          <a:bodyPr/>
+          <a:lstStyle/>
+          <a:p>
+            <a:r>
+              <a:rPr lang="en-US" dirty="0"/>
+              <a:t>We were successful in using Chrome extensions to develop a new type of experience</a:t>
+            </a:r>
+          </a:p>
+          <a:p>
+            <a:r>
+              <a:rPr lang="en-US" dirty="0"/>
+              <a:t>We made the game and fisherman character extremely boring so that the player doesn’t want to play anymore, causing the ‘game’ to get upset and lure (heh) the player back in</a:t>
+            </a:r>
+          </a:p>
+          <a:p>
+            <a:r>
+              <a:rPr lang="en-US" dirty="0"/>
+              <a:t>Chrome extensions are kind of crazy</a:t>
+            </a:r>
+          </a:p>
+          <a:p>
+            <a:r>
+              <a:rPr lang="en-US" dirty="0"/>
+              <a:t>Very extensible concept, we can add more mischief in easily</a:t>
+            </a:r>
+          </a:p>
+          <a:p>
+            <a:r>
+              <a:rPr lang="en-US" dirty="0"/>
+              <a:t>We had a very good development cycle, no last-minute crunching like in GD1 and GD2</a:t>
+            </a:r>
+          </a:p>
+        </p:txBody>
+      </p:sp>
+    </p:spTree>
+    <p:extLst>
+      <p:ext uri="{BB962C8B-B14F-4D97-AF65-F5344CB8AC3E}">
+        <p14:creationId xmlns:p14="http://schemas.microsoft.com/office/powerpoint/2010/main" val="602036023"/>
       </p:ext>
     </p:extLst>
   </p:cSld>
@@ -3545,12 +5606,12 @@
   </p:clrMapOvr>
   <mc:AlternateContent xmlns:mc="http://schemas.openxmlformats.org/markup-compatibility/2006">
     <mc:Choice xmlns:p15="http://schemas.microsoft.com/office/powerpoint/2012/main" Requires="p15">
-      <p:transition xmlns:p14="http://schemas.microsoft.com/office/powerpoint/2010/main" spd="slow" p14:dur="2000">
-        <p15:prstTrans prst="fracture"/>
+      <p:transition xmlns:p14="http://schemas.microsoft.com/office/powerpoint/2010/main" spd="slow" p14:dur="15000" advTm="5000">
+        <p15:prstTrans prst="curtains"/>
       </p:transition>
     </mc:Choice>
     <mc:Fallback>
-      <p:transition spd="slow">
+      <p:transition spd="slow" advTm="5000">
         <p:fade/>
       </p:transition>
     </mc:Fallback>
@@ -3580,7 +5641,7 @@
           <p:cNvPr id="2" name="Title 1">
             <a:extLst>
               <a:ext uri="{FF2B5EF4-FFF2-40B4-BE49-F238E27FC236}">
-                <a16:creationId xmlns:a16="http://schemas.microsoft.com/office/drawing/2014/main" id="{A21FC883-3B54-714C-A489-7112053EE949}"/>
+                <a16:creationId xmlns:a16="http://schemas.microsoft.com/office/drawing/2014/main" id="{ED8E1112-0D6C-5143-9F52-D61CAF78FFFE}"/>
               </a:ext>
             </a:extLst>
           </p:cNvPr>
@@ -3591,19 +5652,14 @@
             <p:ph type="title"/>
           </p:nvPr>
         </p:nvSpPr>
-        <p:spPr>
-          <a:xfrm>
-            <a:off x="838200" y="365125"/>
-            <a:ext cx="10515600" cy="1325563"/>
-          </a:xfrm>
-        </p:spPr>
+        <p:spPr/>
         <p:txBody>
           <a:bodyPr/>
           <a:lstStyle/>
           <a:p>
             <a:r>
               <a:rPr lang="en-US" dirty="0"/>
-              <a:t>What is our definition of a game?</a:t>
+              <a:t>Left 2 Studios</a:t>
             </a:r>
           </a:p>
         </p:txBody>
@@ -3613,7 +5669,7 @@
           <p:cNvPr id="3" name="Content Placeholder 2">
             <a:extLst>
               <a:ext uri="{FF2B5EF4-FFF2-40B4-BE49-F238E27FC236}">
-                <a16:creationId xmlns:a16="http://schemas.microsoft.com/office/drawing/2014/main" id="{33ED66CE-1504-874A-8302-EF38816C1E96}"/>
+                <a16:creationId xmlns:a16="http://schemas.microsoft.com/office/drawing/2014/main" id="{20725A14-0939-884B-A4F8-51EE326B92DB}"/>
               </a:ext>
             </a:extLst>
           </p:cNvPr>
@@ -3631,15 +5687,48 @@
           <a:p>
             <a:r>
               <a:rPr lang="en-US" dirty="0"/>
-              <a:t>Whatever you want it to be!</a:t>
-            </a:r>
+              <a:t>Jenny – Artist</a:t>
+            </a:r>
+          </a:p>
+          <a:p>
+            <a:r>
+              <a:rPr lang="en-US" dirty="0"/>
+              <a:t>Dan – Artist</a:t>
+            </a:r>
+          </a:p>
+          <a:p>
+            <a:r>
+              <a:rPr lang="en-US" dirty="0"/>
+              <a:t>Dylan - Fisher</a:t>
+            </a:r>
+          </a:p>
+          <a:p>
+            <a:r>
+              <a:rPr lang="en-US" dirty="0"/>
+              <a:t>Jordan – Programmer</a:t>
+            </a:r>
+          </a:p>
+          <a:p>
+            <a:r>
+              <a:rPr lang="en-US" dirty="0"/>
+              <a:t>Simon – Programmer</a:t>
+            </a:r>
+          </a:p>
+          <a:p>
+            <a:r>
+              <a:rPr lang="en-US" dirty="0"/>
+              <a:t>Michael – Programmer</a:t>
+            </a:r>
+          </a:p>
+          <a:p>
+            <a:endParaRPr lang="en-US" dirty="0"/>
           </a:p>
         </p:txBody>
       </p:sp>
     </p:spTree>
     <p:extLst>
       <p:ext uri="{BB962C8B-B14F-4D97-AF65-F5344CB8AC3E}">
-        <p14:creationId xmlns:p14="http://schemas.microsoft.com/office/powerpoint/2010/main" val="1806511119"/>
+        <p14:creationId xmlns:p14="http://schemas.microsoft.com/office/powerpoint/2010/main" val="4282660641"/>
       </p:ext>
     </p:extLst>
   </p:cSld>
@@ -3647,15 +5736,11 @@
     <a:masterClrMapping/>
   </p:clrMapOvr>
   <mc:AlternateContent xmlns:mc="http://schemas.openxmlformats.org/markup-compatibility/2006">
-    <mc:Choice xmlns:p15="http://schemas.microsoft.com/office/powerpoint/2012/main" Requires="p15">
-      <p:transition xmlns:p14="http://schemas.microsoft.com/office/powerpoint/2010/main" spd="slow" p14:dur="6000">
-        <p15:prstTrans prst="curtains"/>
-      </p:transition>
+    <mc:Choice xmlns:p14="http://schemas.microsoft.com/office/powerpoint/2010/main" Requires="p14">
+      <p:transition p14:dur="0" advClick="0"/>
     </mc:Choice>
     <mc:Fallback>
-      <p:transition spd="slow">
-        <p:fade/>
-      </p:transition>
+      <p:transition advClick="0"/>
     </mc:Fallback>
   </mc:AlternateContent>
 </p:sld>
@@ -3683,7 +5768,7 @@
           <p:cNvPr id="2" name="Title 1">
             <a:extLst>
               <a:ext uri="{FF2B5EF4-FFF2-40B4-BE49-F238E27FC236}">
-                <a16:creationId xmlns:a16="http://schemas.microsoft.com/office/drawing/2014/main" id="{D7BD99E3-B648-D844-9E75-462241263216}"/>
+                <a16:creationId xmlns:a16="http://schemas.microsoft.com/office/drawing/2014/main" id="{A21FC883-3B54-714C-A489-7112053EE949}"/>
               </a:ext>
             </a:extLst>
           </p:cNvPr>
@@ -3701,7 +5786,7 @@
           <a:p>
             <a:r>
               <a:rPr lang="en-US" dirty="0"/>
-              <a:t>What is the common definition of a game?</a:t>
+              <a:t>What is our definition of a game?</a:t>
             </a:r>
           </a:p>
         </p:txBody>
@@ -3711,7 +5796,7 @@
           <p:cNvPr id="3" name="Content Placeholder 2">
             <a:extLst>
               <a:ext uri="{FF2B5EF4-FFF2-40B4-BE49-F238E27FC236}">
-                <a16:creationId xmlns:a16="http://schemas.microsoft.com/office/drawing/2014/main" id="{704C9285-DB89-8B40-BFE3-D2CB9326ABB5}"/>
+                <a16:creationId xmlns:a16="http://schemas.microsoft.com/office/drawing/2014/main" id="{33ED66CE-1504-874A-8302-EF38816C1E96}"/>
               </a:ext>
             </a:extLst>
           </p:cNvPr>
@@ -3729,46 +5814,7 @@
           <a:p>
             <a:r>
               <a:rPr lang="en-US" dirty="0"/>
-              <a:t>Video game</a:t>
-            </a:r>
-          </a:p>
-          <a:p>
-            <a:r>
-              <a:rPr lang="en-US" dirty="0"/>
-              <a:t>Played on </a:t>
-            </a:r>
-            <a:r>
-              <a:rPr lang="en-US" dirty="0" err="1"/>
-              <a:t>Playstation</a:t>
-            </a:r>
-            <a:r>
-              <a:rPr lang="en-US" dirty="0"/>
-              <a:t>, Xbox, Nintendo, </a:t>
-            </a:r>
-            <a:r>
-              <a:rPr lang="en-US" dirty="0" err="1"/>
-              <a:t>Ouya</a:t>
-            </a:r>
-            <a:r>
-              <a:rPr lang="en-US" dirty="0"/>
-              <a:t> (RIP ☠️), Mac, PC, Linux, iOS, Android, </a:t>
-            </a:r>
-            <a:r>
-              <a:rPr lang="en-US" dirty="0" err="1"/>
-              <a:t>etc</a:t>
-            </a:r>
-            <a:endParaRPr lang="en-US" dirty="0"/>
-          </a:p>
-          <a:p>
-            <a:r>
-              <a:rPr lang="en-US" i="1" dirty="0"/>
-              <a:t>The player determines when the game starts and ends</a:t>
-            </a:r>
-          </a:p>
-          <a:p>
-            <a:r>
-              <a:rPr lang="en-US" i="1" dirty="0"/>
-              <a:t>Games are fun!</a:t>
+              <a:t>If you think something is a game, it’s a game!</a:t>
             </a:r>
           </a:p>
         </p:txBody>
@@ -3776,25 +5822,13 @@
     </p:spTree>
     <p:extLst>
       <p:ext uri="{BB962C8B-B14F-4D97-AF65-F5344CB8AC3E}">
-        <p14:creationId xmlns:p14="http://schemas.microsoft.com/office/powerpoint/2010/main" val="1986061654"/>
+        <p14:creationId xmlns:p14="http://schemas.microsoft.com/office/powerpoint/2010/main" val="1806511119"/>
       </p:ext>
     </p:extLst>
   </p:cSld>
   <p:clrMapOvr>
     <a:masterClrMapping/>
   </p:clrMapOvr>
-  <mc:AlternateContent xmlns:mc="http://schemas.openxmlformats.org/markup-compatibility/2006">
-    <mc:Choice xmlns:p14="http://schemas.microsoft.com/office/powerpoint/2010/main" Requires="p14">
-      <p:transition spd="slow" p14:dur="4000">
-        <p14:vortex dir="r"/>
-      </p:transition>
-    </mc:Choice>
-    <mc:Fallback>
-      <p:transition spd="slow">
-        <p:fade/>
-      </p:transition>
-    </mc:Fallback>
-  </mc:AlternateContent>
 </p:sld>
 </file>
 
@@ -3820,7 +5854,7 @@
           <p:cNvPr id="2" name="Title 1">
             <a:extLst>
               <a:ext uri="{FF2B5EF4-FFF2-40B4-BE49-F238E27FC236}">
-                <a16:creationId xmlns:a16="http://schemas.microsoft.com/office/drawing/2014/main" id="{2D14D619-0EF9-2D45-82E7-1ED618FE7813}"/>
+                <a16:creationId xmlns:a16="http://schemas.microsoft.com/office/drawing/2014/main" id="{D7BD99E3-B648-D844-9E75-462241263216}"/>
               </a:ext>
             </a:extLst>
           </p:cNvPr>
@@ -3838,7 +5872,7 @@
           <a:p>
             <a:r>
               <a:rPr lang="en-US" dirty="0"/>
-              <a:t>How did we push back</a:t>
+              <a:t>What are some common attributes of a game?</a:t>
             </a:r>
           </a:p>
         </p:txBody>
@@ -3848,7 +5882,7 @@
           <p:cNvPr id="3" name="Content Placeholder 2">
             <a:extLst>
               <a:ext uri="{FF2B5EF4-FFF2-40B4-BE49-F238E27FC236}">
-                <a16:creationId xmlns:a16="http://schemas.microsoft.com/office/drawing/2014/main" id="{2C334708-FCAB-5947-9DF4-7756CB2252CB}"/>
+                <a16:creationId xmlns:a16="http://schemas.microsoft.com/office/drawing/2014/main" id="{704C9285-DB89-8B40-BFE3-D2CB9326ABB5}"/>
               </a:ext>
             </a:extLst>
           </p:cNvPr>
@@ -3861,32 +5895,77 @@
         </p:nvSpPr>
         <p:spPr/>
         <p:txBody>
-          <a:bodyPr/>
+          <a:bodyPr>
+            <a:normAutofit/>
+          </a:bodyPr>
           <a:lstStyle/>
           <a:p>
             <a:r>
               <a:rPr lang="en-US" dirty="0"/>
-              <a:t>When the player starts and ends the game</a:t>
-            </a:r>
-          </a:p>
-          <a:p>
+              <a:t>Most games today are played on computers</a:t>
+            </a:r>
+          </a:p>
+          <a:p>
+            <a:pPr lvl="1"/>
             <a:r>
               <a:rPr lang="en-US" dirty="0"/>
-              <a:t>‘Platform’</a:t>
-            </a:r>
-          </a:p>
-          <a:p>
+              <a:t>Consoles - PlayStation, Xbox, Nintendo, </a:t>
+            </a:r>
+            <a:r>
+              <a:rPr lang="en-US" dirty="0" err="1"/>
+              <a:t>Ouya</a:t>
+            </a:r>
             <a:r>
               <a:rPr lang="en-US" dirty="0"/>
-              <a:t>Game is boring</a:t>
-            </a:r>
+              <a:t> (RIP ☠️)</a:t>
+            </a:r>
+          </a:p>
+          <a:p>
+            <a:pPr lvl="1"/>
+            <a:r>
+              <a:rPr lang="en-US" dirty="0"/>
+              <a:t>Computers - Mac, PC, Linux</a:t>
+            </a:r>
+          </a:p>
+          <a:p>
+            <a:pPr lvl="1"/>
+            <a:r>
+              <a:rPr lang="en-US" dirty="0"/>
+              <a:t>Mobile - iOS, Android</a:t>
+            </a:r>
+          </a:p>
+          <a:p>
+            <a:pPr lvl="1"/>
+            <a:r>
+              <a:rPr lang="en-US" dirty="0"/>
+              <a:t>Web – </a:t>
+            </a:r>
+            <a:r>
+              <a:rPr lang="en-US" i="1" dirty="0"/>
+              <a:t>web browser</a:t>
+            </a:r>
+          </a:p>
+          <a:p>
+            <a:r>
+              <a:rPr lang="en-US" i="1" dirty="0"/>
+              <a:t>The player determines when the game starts and ends</a:t>
+            </a:r>
+          </a:p>
+          <a:p>
+            <a:r>
+              <a:rPr lang="en-US" i="1" dirty="0"/>
+              <a:t>Games are fun!</a:t>
+            </a:r>
+          </a:p>
+          <a:p>
+            <a:endParaRPr lang="en-US" i="1" dirty="0"/>
           </a:p>
         </p:txBody>
       </p:sp>
     </p:spTree>
     <p:extLst>
       <p:ext uri="{BB962C8B-B14F-4D97-AF65-F5344CB8AC3E}">
-        <p14:creationId xmlns:p14="http://schemas.microsoft.com/office/powerpoint/2010/main" val="2333427612"/>
+        <p14:creationId xmlns:p14="http://schemas.microsoft.com/office/powerpoint/2010/main" val="1986061654"/>
       </p:ext>
     </p:extLst>
   </p:cSld>
@@ -3894,15 +5973,11 @@
     <a:masterClrMapping/>
   </p:clrMapOvr>
   <mc:AlternateContent xmlns:mc="http://schemas.openxmlformats.org/markup-compatibility/2006">
-    <mc:Choice xmlns:p15="http://schemas.microsoft.com/office/powerpoint/2012/main" Requires="p15">
-      <p:transition xmlns:p14="http://schemas.microsoft.com/office/powerpoint/2010/main" spd="slow" p14:dur="1250">
-        <p15:prstTrans prst="airplane"/>
-      </p:transition>
+    <mc:Choice xmlns:p14="http://schemas.microsoft.com/office/powerpoint/2010/main" Requires="p14">
+      <p:transition p14:dur="0" advTm="2000"/>
     </mc:Choice>
     <mc:Fallback>
-      <p:transition spd="slow">
-        <p:fade/>
-      </p:transition>
+      <p:transition advTm="2000"/>
     </mc:Fallback>
   </mc:AlternateContent>
 </p:sld>
@@ -3930,7 +6005,7 @@
           <p:cNvPr id="2" name="Title 1">
             <a:extLst>
               <a:ext uri="{FF2B5EF4-FFF2-40B4-BE49-F238E27FC236}">
-                <a16:creationId xmlns:a16="http://schemas.microsoft.com/office/drawing/2014/main" id="{B1E67C53-5217-B049-A5AA-3E34F8F91704}"/>
+                <a16:creationId xmlns:a16="http://schemas.microsoft.com/office/drawing/2014/main" id="{D7BD99E3-B648-D844-9E75-462241263216}"/>
               </a:ext>
             </a:extLst>
           </p:cNvPr>
@@ -3948,7 +6023,7 @@
           <a:p>
             <a:r>
               <a:rPr lang="en-US" dirty="0"/>
-              <a:t>How did we do?</a:t>
+              <a:t>What are some common attributes of a fish?</a:t>
             </a:r>
           </a:p>
         </p:txBody>
@@ -3958,7 +6033,7 @@
           <p:cNvPr id="3" name="Content Placeholder 2">
             <a:extLst>
               <a:ext uri="{FF2B5EF4-FFF2-40B4-BE49-F238E27FC236}">
-                <a16:creationId xmlns:a16="http://schemas.microsoft.com/office/drawing/2014/main" id="{0A52459F-506A-BD4C-9FC3-737E4CDE5DE0}"/>
+                <a16:creationId xmlns:a16="http://schemas.microsoft.com/office/drawing/2014/main" id="{704C9285-DB89-8B40-BFE3-D2CB9326ABB5}"/>
               </a:ext>
             </a:extLst>
           </p:cNvPr>
@@ -3971,46 +6046,81 @@
         </p:nvSpPr>
         <p:spPr/>
         <p:txBody>
-          <a:bodyPr/>
+          <a:bodyPr>
+            <a:normAutofit/>
+          </a:bodyPr>
           <a:lstStyle/>
           <a:p>
             <a:r>
               <a:rPr lang="en-US" dirty="0"/>
-              <a:t>We did ok.</a:t>
-            </a:r>
-          </a:p>
-          <a:p>
+              <a:t>Most fish today are played on oceans</a:t>
+            </a:r>
+          </a:p>
+          <a:p>
+            <a:pPr lvl="1"/>
             <a:r>
               <a:rPr lang="en-US" dirty="0"/>
-              <a:t>Silvia likes our game concept.</a:t>
+              <a:t>Consoles - PlayStation, Xbox, Nintendo, </a:t>
+            </a:r>
+            <a:r>
+              <a:rPr lang="en-US" dirty="0" err="1"/>
+              <a:t>Ouya</a:t>
+            </a:r>
+            <a:r>
+              <a:rPr lang="en-US" dirty="0"/>
+              <a:t> (RIP 🐟)</a:t>
             </a:r>
           </a:p>
           <a:p>
             <a:pPr lvl="1"/>
             <a:r>
               <a:rPr lang="en-US" dirty="0"/>
-              <a:t>Hopefully the game is good too</a:t>
-            </a:r>
-          </a:p>
-          <a:p>
+              <a:t>Computers - Mac, PC, Linux</a:t>
+            </a:r>
+          </a:p>
+          <a:p>
+            <a:pPr lvl="1"/>
             <a:r>
               <a:rPr lang="en-US" dirty="0"/>
-              <a:t>The real game was the friends we made along the way </a:t>
-            </a:r>
-            <a:r>
-              <a:rPr lang="en-US" dirty="0">
-                <a:sym typeface="Wingdings" pitchFamily="2" charset="2"/>
-              </a:rPr>
-              <a:t></a:t>
-            </a:r>
-            <a:endParaRPr lang="en-US" dirty="0"/>
+              <a:t>Mobile - iOS, Android</a:t>
+            </a:r>
+          </a:p>
+          <a:p>
+            <a:pPr lvl="1"/>
+            <a:r>
+              <a:rPr lang="en-US" dirty="0"/>
+              <a:t>Web – </a:t>
+            </a:r>
+            <a:r>
+              <a:rPr lang="en-US" i="1" dirty="0"/>
+              <a:t>web browser</a:t>
+            </a:r>
+          </a:p>
+          <a:p>
+            <a:r>
+              <a:rPr lang="en-US" i="1" dirty="0"/>
+              <a:t>The fisher determines when the game starts and ends</a:t>
+            </a:r>
+          </a:p>
+          <a:p>
+            <a:r>
+              <a:rPr lang="en-US" i="1" dirty="0"/>
+              <a:t>Games are fish!</a:t>
+            </a:r>
+          </a:p>
+          <a:p>
+            <a:r>
+              <a:rPr lang="en-US" dirty="0"/>
+              <a:t>🐟 🐟 🐟 🐟 🐟 🐟 🐟</a:t>
+            </a:r>
+            <a:endParaRPr lang="en-US" i="1" dirty="0"/>
           </a:p>
         </p:txBody>
       </p:sp>
     </p:spTree>
     <p:extLst>
       <p:ext uri="{BB962C8B-B14F-4D97-AF65-F5344CB8AC3E}">
-        <p14:creationId xmlns:p14="http://schemas.microsoft.com/office/powerpoint/2010/main" val="431607240"/>
+        <p14:creationId xmlns:p14="http://schemas.microsoft.com/office/powerpoint/2010/main" val="3343436078"/>
       </p:ext>
     </p:extLst>
   </p:cSld>
@@ -4019,23 +6129,398 @@
   </p:clrMapOvr>
   <mc:AlternateContent xmlns:mc="http://schemas.openxmlformats.org/markup-compatibility/2006">
     <mc:Choice xmlns:p14="http://schemas.microsoft.com/office/powerpoint/2010/main" Requires="p14">
-      <p:transition spd="slow" p14:dur="3000">
-        <p14:shred/>
-      </p:transition>
+      <p:transition p14:dur="0" advTm="500"/>
     </mc:Choice>
     <mc:Fallback>
-      <p:transition spd="slow">
-        <p:fade/>
-      </p:transition>
+      <p:transition advTm="500"/>
     </mc:Fallback>
   </mc:AlternateContent>
 </p:sld>
 </file>
 
+<file path=ppt/slides/slide7.xml><?xml version="1.0" encoding="utf-8"?>
+<p:sld xmlns:a="http://schemas.openxmlformats.org/drawingml/2006/main" xmlns:r="http://schemas.openxmlformats.org/officeDocument/2006/relationships" xmlns:p="http://schemas.openxmlformats.org/presentationml/2006/main">
+  <p:cSld>
+    <p:spTree>
+      <p:nvGrpSpPr>
+        <p:cNvPr id="1" name=""/>
+        <p:cNvGrpSpPr/>
+        <p:nvPr/>
+      </p:nvGrpSpPr>
+      <p:grpSpPr>
+        <a:xfrm>
+          <a:off x="0" y="0"/>
+          <a:ext cx="0" cy="0"/>
+          <a:chOff x="0" y="0"/>
+          <a:chExt cx="0" cy="0"/>
+        </a:xfrm>
+      </p:grpSpPr>
+      <p:sp>
+        <p:nvSpPr>
+          <p:cNvPr id="2" name="Title 1">
+            <a:extLst>
+              <a:ext uri="{FF2B5EF4-FFF2-40B4-BE49-F238E27FC236}">
+                <a16:creationId xmlns:a16="http://schemas.microsoft.com/office/drawing/2014/main" id="{D7BD99E3-B648-D844-9E75-462241263216}"/>
+              </a:ext>
+            </a:extLst>
+          </p:cNvPr>
+          <p:cNvSpPr>
+            <a:spLocks noGrp="1"/>
+          </p:cNvSpPr>
+          <p:nvPr>
+            <p:ph type="title"/>
+          </p:nvPr>
+        </p:nvSpPr>
+        <p:spPr/>
+        <p:txBody>
+          <a:bodyPr/>
+          <a:lstStyle/>
+          <a:p>
+            <a:r>
+              <a:rPr lang="en-US" dirty="0"/>
+              <a:t>What are some common attributes of a game?</a:t>
+            </a:r>
+          </a:p>
+        </p:txBody>
+      </p:sp>
+      <p:sp>
+        <p:nvSpPr>
+          <p:cNvPr id="3" name="Content Placeholder 2">
+            <a:extLst>
+              <a:ext uri="{FF2B5EF4-FFF2-40B4-BE49-F238E27FC236}">
+                <a16:creationId xmlns:a16="http://schemas.microsoft.com/office/drawing/2014/main" id="{704C9285-DB89-8B40-BFE3-D2CB9326ABB5}"/>
+              </a:ext>
+            </a:extLst>
+          </p:cNvPr>
+          <p:cNvSpPr>
+            <a:spLocks noGrp="1"/>
+          </p:cNvSpPr>
+          <p:nvPr>
+            <p:ph idx="1"/>
+          </p:nvPr>
+        </p:nvSpPr>
+        <p:spPr/>
+        <p:txBody>
+          <a:bodyPr>
+            <a:normAutofit/>
+          </a:bodyPr>
+          <a:lstStyle/>
+          <a:p>
+            <a:r>
+              <a:rPr lang="en-US" dirty="0"/>
+              <a:t>Most games today are played on computers</a:t>
+            </a:r>
+          </a:p>
+          <a:p>
+            <a:pPr lvl="1"/>
+            <a:r>
+              <a:rPr lang="en-US" dirty="0"/>
+              <a:t>Consoles - PlayStation, Xbox, Nintendo, </a:t>
+            </a:r>
+            <a:r>
+              <a:rPr lang="en-US" dirty="0" err="1"/>
+              <a:t>Ouya</a:t>
+            </a:r>
+            <a:r>
+              <a:rPr lang="en-US" dirty="0"/>
+              <a:t> (RIP ☠️)</a:t>
+            </a:r>
+          </a:p>
+          <a:p>
+            <a:pPr lvl="1"/>
+            <a:r>
+              <a:rPr lang="en-US" dirty="0"/>
+              <a:t>Computers - Mac, PC, Linux</a:t>
+            </a:r>
+          </a:p>
+          <a:p>
+            <a:pPr lvl="1"/>
+            <a:r>
+              <a:rPr lang="en-US" dirty="0"/>
+              <a:t>Mobile - iOS, Android</a:t>
+            </a:r>
+          </a:p>
+          <a:p>
+            <a:pPr lvl="1"/>
+            <a:r>
+              <a:rPr lang="en-US" dirty="0"/>
+              <a:t>Web – </a:t>
+            </a:r>
+            <a:r>
+              <a:rPr lang="en-US" i="1" dirty="0"/>
+              <a:t>web browser</a:t>
+            </a:r>
+          </a:p>
+          <a:p>
+            <a:r>
+              <a:rPr lang="en-US" i="1" dirty="0"/>
+              <a:t>The player determines when the game starts and ends</a:t>
+            </a:r>
+          </a:p>
+          <a:p>
+            <a:r>
+              <a:rPr lang="en-US" i="1" dirty="0"/>
+              <a:t>Games are fun!</a:t>
+            </a:r>
+          </a:p>
+          <a:p>
+            <a:endParaRPr lang="en-US" i="1" dirty="0"/>
+          </a:p>
+        </p:txBody>
+      </p:sp>
+    </p:spTree>
+    <p:extLst>
+      <p:ext uri="{BB962C8B-B14F-4D97-AF65-F5344CB8AC3E}">
+        <p14:creationId xmlns:p14="http://schemas.microsoft.com/office/powerpoint/2010/main" val="3643512156"/>
+      </p:ext>
+    </p:extLst>
+  </p:cSld>
+  <p:clrMapOvr>
+    <a:masterClrMapping/>
+  </p:clrMapOvr>
+</p:sld>
+</file>
+
+<file path=ppt/slides/slide8.xml><?xml version="1.0" encoding="utf-8"?>
+<p:sld xmlns:a="http://schemas.openxmlformats.org/drawingml/2006/main" xmlns:r="http://schemas.openxmlformats.org/officeDocument/2006/relationships" xmlns:p="http://schemas.openxmlformats.org/presentationml/2006/main">
+  <p:cSld>
+    <p:spTree>
+      <p:nvGrpSpPr>
+        <p:cNvPr id="1" name=""/>
+        <p:cNvGrpSpPr/>
+        <p:nvPr/>
+      </p:nvGrpSpPr>
+      <p:grpSpPr>
+        <a:xfrm>
+          <a:off x="0" y="0"/>
+          <a:ext cx="0" cy="0"/>
+          <a:chOff x="0" y="0"/>
+          <a:chExt cx="0" cy="0"/>
+        </a:xfrm>
+      </p:grpSpPr>
+      <p:sp>
+        <p:nvSpPr>
+          <p:cNvPr id="2" name="Title 1">
+            <a:extLst>
+              <a:ext uri="{FF2B5EF4-FFF2-40B4-BE49-F238E27FC236}">
+                <a16:creationId xmlns:a16="http://schemas.microsoft.com/office/drawing/2014/main" id="{2D14D619-0EF9-2D45-82E7-1ED618FE7813}"/>
+              </a:ext>
+            </a:extLst>
+          </p:cNvPr>
+          <p:cNvSpPr>
+            <a:spLocks noGrp="1"/>
+          </p:cNvSpPr>
+          <p:nvPr>
+            <p:ph type="title"/>
+          </p:nvPr>
+        </p:nvSpPr>
+        <p:spPr/>
+        <p:txBody>
+          <a:bodyPr/>
+          <a:lstStyle/>
+          <a:p>
+            <a:r>
+              <a:rPr lang="en-US" dirty="0"/>
+              <a:t>How did we push back?</a:t>
+            </a:r>
+          </a:p>
+        </p:txBody>
+      </p:sp>
+      <p:sp>
+        <p:nvSpPr>
+          <p:cNvPr id="3" name="Content Placeholder 2">
+            <a:extLst>
+              <a:ext uri="{FF2B5EF4-FFF2-40B4-BE49-F238E27FC236}">
+                <a16:creationId xmlns:a16="http://schemas.microsoft.com/office/drawing/2014/main" id="{2C334708-FCAB-5947-9DF4-7756CB2252CB}"/>
+              </a:ext>
+            </a:extLst>
+          </p:cNvPr>
+          <p:cNvSpPr>
+            <a:spLocks noGrp="1"/>
+          </p:cNvSpPr>
+          <p:nvPr>
+            <p:ph idx="1"/>
+          </p:nvPr>
+        </p:nvSpPr>
+        <p:spPr/>
+        <p:txBody>
+          <a:bodyPr/>
+          <a:lstStyle/>
+          <a:p>
+            <a:endParaRPr lang="en-US" dirty="0"/>
+          </a:p>
+          <a:p>
+            <a:r>
+              <a:rPr lang="en-US" dirty="0"/>
+              <a:t>Start and end of the game</a:t>
+            </a:r>
+          </a:p>
+          <a:p>
+            <a:r>
+              <a:rPr lang="en-US" dirty="0"/>
+              <a:t>Platform</a:t>
+            </a:r>
+          </a:p>
+          <a:p>
+            <a:r>
+              <a:rPr lang="en-US" dirty="0"/>
+              <a:t>Our game is boring</a:t>
+            </a:r>
+          </a:p>
+          <a:p>
+            <a:pPr lvl="1"/>
+            <a:r>
+              <a:rPr lang="en-US" dirty="0"/>
+              <a:t>On purpose!</a:t>
+            </a:r>
+          </a:p>
+          <a:p>
+            <a:endParaRPr lang="en-US" i="1" dirty="0"/>
+          </a:p>
+        </p:txBody>
+      </p:sp>
+    </p:spTree>
+    <p:extLst>
+      <p:ext uri="{BB962C8B-B14F-4D97-AF65-F5344CB8AC3E}">
+        <p14:creationId xmlns:p14="http://schemas.microsoft.com/office/powerpoint/2010/main" val="2333427612"/>
+      </p:ext>
+    </p:extLst>
+  </p:cSld>
+  <p:clrMapOvr>
+    <a:masterClrMapping/>
+  </p:clrMapOvr>
+  <mc:AlternateContent xmlns:mc="http://schemas.openxmlformats.org/markup-compatibility/2006">
+    <mc:Choice xmlns:p14="http://schemas.microsoft.com/office/powerpoint/2010/main" Requires="p14">
+      <p:transition p14:dur="0" advTm="1000"/>
+    </mc:Choice>
+    <mc:Fallback>
+      <p:transition advTm="1000"/>
+    </mc:Fallback>
+  </mc:AlternateContent>
+</p:sld>
+</file>
+
+<file path=ppt/slides/slide9.xml><?xml version="1.0" encoding="utf-8"?>
+<p:sld xmlns:a="http://schemas.openxmlformats.org/drawingml/2006/main" xmlns:r="http://schemas.openxmlformats.org/officeDocument/2006/relationships" xmlns:p="http://schemas.openxmlformats.org/presentationml/2006/main">
+  <p:cSld>
+    <p:spTree>
+      <p:nvGrpSpPr>
+        <p:cNvPr id="1" name=""/>
+        <p:cNvGrpSpPr/>
+        <p:nvPr/>
+      </p:nvGrpSpPr>
+      <p:grpSpPr>
+        <a:xfrm>
+          <a:off x="0" y="0"/>
+          <a:ext cx="0" cy="0"/>
+          <a:chOff x="0" y="0"/>
+          <a:chExt cx="0" cy="0"/>
+        </a:xfrm>
+      </p:grpSpPr>
+      <p:sp>
+        <p:nvSpPr>
+          <p:cNvPr id="2" name="Title 1">
+            <a:extLst>
+              <a:ext uri="{FF2B5EF4-FFF2-40B4-BE49-F238E27FC236}">
+                <a16:creationId xmlns:a16="http://schemas.microsoft.com/office/drawing/2014/main" id="{2D14D619-0EF9-2D45-82E7-1ED618FE7813}"/>
+              </a:ext>
+            </a:extLst>
+          </p:cNvPr>
+          <p:cNvSpPr>
+            <a:spLocks noGrp="1"/>
+          </p:cNvSpPr>
+          <p:nvPr>
+            <p:ph type="title"/>
+          </p:nvPr>
+        </p:nvSpPr>
+        <p:spPr/>
+        <p:txBody>
+          <a:bodyPr/>
+          <a:lstStyle/>
+          <a:p>
+            <a:r>
+              <a:rPr lang="en-US" dirty="0"/>
+              <a:t>How did we fish back?</a:t>
+            </a:r>
+          </a:p>
+        </p:txBody>
+      </p:sp>
+      <p:sp>
+        <p:nvSpPr>
+          <p:cNvPr id="3" name="Content Placeholder 2">
+            <a:extLst>
+              <a:ext uri="{FF2B5EF4-FFF2-40B4-BE49-F238E27FC236}">
+                <a16:creationId xmlns:a16="http://schemas.microsoft.com/office/drawing/2014/main" id="{2C334708-FCAB-5947-9DF4-7756CB2252CB}"/>
+              </a:ext>
+            </a:extLst>
+          </p:cNvPr>
+          <p:cNvSpPr>
+            <a:spLocks noGrp="1"/>
+          </p:cNvSpPr>
+          <p:nvPr>
+            <p:ph idx="1"/>
+          </p:nvPr>
+        </p:nvSpPr>
+        <p:spPr/>
+        <p:txBody>
+          <a:bodyPr/>
+          <a:lstStyle/>
+          <a:p>
+            <a:r>
+              <a:rPr lang="en-US" dirty="0"/>
+              <a:t>🐟 🐟 🐟 🐟 🐟 🐟 🐟 🐟 🐟 🐟 </a:t>
+            </a:r>
+          </a:p>
+          <a:p>
+            <a:r>
+              <a:rPr lang="en-US" dirty="0"/>
+              <a:t>Start and end of the fish</a:t>
+            </a:r>
+          </a:p>
+          <a:p>
+            <a:r>
+              <a:rPr lang="en-US" dirty="0"/>
+              <a:t>Platform</a:t>
+            </a:r>
+          </a:p>
+          <a:p>
+            <a:r>
+              <a:rPr lang="en-US" dirty="0"/>
+              <a:t>Our fish is boring</a:t>
+            </a:r>
+          </a:p>
+          <a:p>
+            <a:pPr lvl="1"/>
+            <a:r>
+              <a:rPr lang="en-US" dirty="0"/>
+              <a:t>On porpoise!</a:t>
+            </a:r>
+          </a:p>
+          <a:p>
+            <a:r>
+              <a:rPr lang="en-US" dirty="0"/>
+              <a:t>🐟 🐟 🐟 🐟 🐟 🐟 🐟 🐟 🐟 🐟 </a:t>
+            </a:r>
+          </a:p>
+        </p:txBody>
+      </p:sp>
+    </p:spTree>
+    <p:extLst>
+      <p:ext uri="{BB962C8B-B14F-4D97-AF65-F5344CB8AC3E}">
+        <p14:creationId xmlns:p14="http://schemas.microsoft.com/office/powerpoint/2010/main" val="3199200861"/>
+      </p:ext>
+    </p:extLst>
+  </p:cSld>
+  <p:clrMapOvr>
+    <a:masterClrMapping/>
+  </p:clrMapOvr>
+</p:sld>
+</file>
+
 <file path=ppt/theme/theme1.xml><?xml version="1.0" encoding="utf-8"?>
-<a:theme xmlns:a="http://schemas.openxmlformats.org/drawingml/2006/main" name="Office Theme">
+<a:theme xmlns:a="http://schemas.openxmlformats.org/drawingml/2006/main" name="Madison">
   <a:themeElements>
-    <a:clrScheme name="Office">
+    <a:clrScheme name="Madison">
       <a:dk1>
         <a:sysClr val="windowText" lastClr="000000"/>
       </a:dk1>
@@ -4043,44 +6528,44 @@
         <a:sysClr val="window" lastClr="FFFFFF"/>
       </a:lt1>
       <a:dk2>
-        <a:srgbClr val="44546A"/>
+        <a:srgbClr val="1F282E"/>
       </a:dk2>
       <a:lt2>
-        <a:srgbClr val="E7E6E6"/>
+        <a:srgbClr val="C2F5FC"/>
       </a:lt2>
       <a:accent1>
-        <a:srgbClr val="4472C4"/>
+        <a:srgbClr val="4091F3"/>
       </a:accent1>
       <a:accent2>
-        <a:srgbClr val="ED7D31"/>
+        <a:srgbClr val="8BBCF1"/>
       </a:accent2>
       <a:accent3>
-        <a:srgbClr val="A5A5A5"/>
+        <a:srgbClr val="CB6A6A"/>
       </a:accent3>
       <a:accent4>
-        <a:srgbClr val="FFC000"/>
+        <a:srgbClr val="C567AF"/>
       </a:accent4>
       <a:accent5>
-        <a:srgbClr val="5B9BD5"/>
+        <a:srgbClr val="A684F9"/>
       </a:accent5>
       <a:accent6>
-        <a:srgbClr val="70AD47"/>
+        <a:srgbClr val="A9ACEE"/>
       </a:accent6>
       <a:hlink>
-        <a:srgbClr val="0563C1"/>
+        <a:srgbClr val="6D9CC5"/>
       </a:hlink>
       <a:folHlink>
-        <a:srgbClr val="954F72"/>
+        <a:srgbClr val="6D82A0"/>
       </a:folHlink>
     </a:clrScheme>
-    <a:fontScheme name="Office">
+    <a:fontScheme name="Madison">
       <a:majorFont>
-        <a:latin typeface="Calibri Light" panose="020F0302020204030204"/>
+        <a:latin typeface="Arial" panose="020B0604020202020204"/>
         <a:ea typeface=""/>
         <a:cs typeface=""/>
-        <a:font script="Jpan" typeface="游ゴシック Light"/>
+        <a:font script="Jpan" typeface="ＭＳ Ｐゴシック"/>
         <a:font script="Hang" typeface="맑은 고딕"/>
-        <a:font script="Hans" typeface="等线 Light"/>
+        <a:font script="Hans" typeface="宋体"/>
         <a:font script="Hant" typeface="新細明體"/>
         <a:font script="Arab" typeface="Times New Roman"/>
         <a:font script="Hebr" typeface="Times New Roman"/>
@@ -4108,31 +6593,14 @@
         <a:font script="Viet" typeface="Times New Roman"/>
         <a:font script="Uigh" typeface="Microsoft Uighur"/>
         <a:font script="Geor" typeface="Sylfaen"/>
-        <a:font script="Armn" typeface="Arial"/>
-        <a:font script="Bugi" typeface="Leelawadee UI"/>
-        <a:font script="Bopo" typeface="Microsoft JhengHei"/>
-        <a:font script="Java" typeface="Javanese Text"/>
-        <a:font script="Lisu" typeface="Segoe UI"/>
-        <a:font script="Mymr" typeface="Myanmar Text"/>
-        <a:font script="Nkoo" typeface="Ebrima"/>
-        <a:font script="Olck" typeface="Nirmala UI"/>
-        <a:font script="Osma" typeface="Ebrima"/>
-        <a:font script="Phag" typeface="Phagspa"/>
-        <a:font script="Syrn" typeface="Estrangelo Edessa"/>
-        <a:font script="Syrj" typeface="Estrangelo Edessa"/>
-        <a:font script="Syre" typeface="Estrangelo Edessa"/>
-        <a:font script="Sora" typeface="Nirmala UI"/>
-        <a:font script="Tale" typeface="Microsoft Tai Le"/>
-        <a:font script="Talu" typeface="Microsoft New Tai Lue"/>
-        <a:font script="Tfng" typeface="Ebrima"/>
       </a:majorFont>
       <a:minorFont>
-        <a:latin typeface="Calibri" panose="020F0502020204030204"/>
+        <a:latin typeface="Arial" panose="020B0604020202020204"/>
         <a:ea typeface=""/>
         <a:cs typeface=""/>
-        <a:font script="Jpan" typeface="游ゴシック"/>
+        <a:font script="Jpan" typeface="ＭＳ Ｐゴシック"/>
         <a:font script="Hang" typeface="맑은 고딕"/>
-        <a:font script="Hans" typeface="等线"/>
+        <a:font script="Hans" typeface="宋体"/>
         <a:font script="Hant" typeface="新細明體"/>
         <a:font script="Arab" typeface="Arial"/>
         <a:font script="Hebr" typeface="Arial"/>
@@ -4160,26 +6628,9 @@
         <a:font script="Viet" typeface="Arial"/>
         <a:font script="Uigh" typeface="Microsoft Uighur"/>
         <a:font script="Geor" typeface="Sylfaen"/>
-        <a:font script="Armn" typeface="Arial"/>
-        <a:font script="Bugi" typeface="Leelawadee UI"/>
-        <a:font script="Bopo" typeface="Microsoft JhengHei"/>
-        <a:font script="Java" typeface="Javanese Text"/>
-        <a:font script="Lisu" typeface="Segoe UI"/>
-        <a:font script="Mymr" typeface="Myanmar Text"/>
-        <a:font script="Nkoo" typeface="Ebrima"/>
-        <a:font script="Olck" typeface="Nirmala UI"/>
-        <a:font script="Osma" typeface="Ebrima"/>
-        <a:font script="Phag" typeface="Phagspa"/>
-        <a:font script="Syrn" typeface="Estrangelo Edessa"/>
-        <a:font script="Syrj" typeface="Estrangelo Edessa"/>
-        <a:font script="Syre" typeface="Estrangelo Edessa"/>
-        <a:font script="Sora" typeface="Nirmala UI"/>
-        <a:font script="Tale" typeface="Microsoft Tai Le"/>
-        <a:font script="Talu" typeface="Microsoft New Tai Lue"/>
-        <a:font script="Tfng" typeface="Ebrima"/>
       </a:minorFont>
     </a:fontScheme>
-    <a:fmtScheme name="Office">
+    <a:fmtScheme name="Madison">
       <a:fillStyleLst>
         <a:solidFill>
           <a:schemeClr val="phClr"/>
@@ -4188,23 +6639,18 @@
           <a:gsLst>
             <a:gs pos="0">
               <a:schemeClr val="phClr">
+                <a:tint val="48000"/>
+                <a:alpha val="88000"/>
+                <a:satMod val="105000"/>
                 <a:lumMod val="110000"/>
-                <a:satMod val="105000"/>
-                <a:tint val="67000"/>
-              </a:schemeClr>
-            </a:gs>
-            <a:gs pos="50000">
-              <a:schemeClr val="phClr">
-                <a:lumMod val="105000"/>
-                <a:satMod val="103000"/>
-                <a:tint val="73000"/>
               </a:schemeClr>
             </a:gs>
             <a:gs pos="100000">
               <a:schemeClr val="phClr">
-                <a:lumMod val="105000"/>
+                <a:tint val="78000"/>
+                <a:alpha val="92000"/>
                 <a:satMod val="109000"/>
-                <a:tint val="81000"/>
+                <a:lumMod val="100000"/>
               </a:schemeClr>
             </a:gs>
           </a:gsLst>
@@ -4214,23 +6660,23 @@
           <a:gsLst>
             <a:gs pos="0">
               <a:schemeClr val="phClr">
-                <a:satMod val="103000"/>
-                <a:lumMod val="102000"/>
-                <a:tint val="94000"/>
+                <a:tint val="98000"/>
+                <a:satMod val="110000"/>
+                <a:lumMod val="104000"/>
               </a:schemeClr>
             </a:gs>
-            <a:gs pos="50000">
+            <a:gs pos="69000">
               <a:schemeClr val="phClr">
-                <a:satMod val="110000"/>
-                <a:lumMod val="100000"/>
-                <a:shade val="100000"/>
+                <a:shade val="84000"/>
+                <a:satMod val="130000"/>
+                <a:lumMod val="92000"/>
               </a:schemeClr>
             </a:gs>
             <a:gs pos="100000">
               <a:schemeClr val="phClr">
-                <a:lumMod val="99000"/>
-                <a:satMod val="120000"/>
-                <a:shade val="78000"/>
+                <a:shade val="76000"/>
+                <a:satMod val="130000"/>
+                <a:lumMod val="88000"/>
               </a:schemeClr>
             </a:gs>
           </a:gsLst>
@@ -4238,26 +6684,23 @@
         </a:gradFill>
       </a:fillStyleLst>
       <a:lnStyleLst>
-        <a:ln w="6350" cap="flat" cmpd="sng" algn="ctr">
+        <a:ln w="9525" cap="flat" cmpd="sng" algn="ctr">
           <a:solidFill>
             <a:schemeClr val="phClr"/>
           </a:solidFill>
           <a:prstDash val="solid"/>
-          <a:miter lim="800000"/>
         </a:ln>
-        <a:ln w="12700" cap="flat" cmpd="sng" algn="ctr">
+        <a:ln w="15875" cap="flat" cmpd="sng" algn="ctr">
           <a:solidFill>
             <a:schemeClr val="phClr"/>
           </a:solidFill>
           <a:prstDash val="solid"/>
-          <a:miter lim="800000"/>
         </a:ln>
-        <a:ln w="19050" cap="flat" cmpd="sng" algn="ctr">
+        <a:ln w="22225" cap="flat" cmpd="sng" algn="ctr">
           <a:solidFill>
             <a:schemeClr val="phClr"/>
           </a:solidFill>
           <a:prstDash val="solid"/>
-          <a:miter lim="800000"/>
         </a:ln>
       </a:lnStyleLst>
       <a:effectStyleLst>
@@ -4268,13 +6711,7 @@
           <a:effectLst/>
         </a:effectStyle>
         <a:effectStyle>
-          <a:effectLst>
-            <a:outerShdw blurRad="57150" dist="19050" dir="5400000" algn="ctr" rotWithShape="0">
-              <a:srgbClr val="000000">
-                <a:alpha val="63000"/>
-              </a:srgbClr>
-            </a:outerShdw>
-          </a:effectLst>
+          <a:effectLst/>
         </a:effectStyle>
       </a:effectStyleLst>
       <a:bgFillStyleLst>
@@ -4282,38 +6719,12 @@
           <a:schemeClr val="phClr"/>
         </a:solidFill>
         <a:solidFill>
-          <a:schemeClr val="phClr">
-            <a:tint val="95000"/>
-            <a:satMod val="170000"/>
-          </a:schemeClr>
+          <a:schemeClr val="phClr"/>
         </a:solidFill>
-        <a:gradFill rotWithShape="1">
-          <a:gsLst>
-            <a:gs pos="0">
-              <a:schemeClr val="phClr">
-                <a:tint val="93000"/>
-                <a:satMod val="150000"/>
-                <a:shade val="98000"/>
-                <a:lumMod val="102000"/>
-              </a:schemeClr>
-            </a:gs>
-            <a:gs pos="50000">
-              <a:schemeClr val="phClr">
-                <a:tint val="98000"/>
-                <a:satMod val="130000"/>
-                <a:shade val="90000"/>
-                <a:lumMod val="103000"/>
-              </a:schemeClr>
-            </a:gs>
-            <a:gs pos="100000">
-              <a:schemeClr val="phClr">
-                <a:shade val="63000"/>
-                <a:satMod val="120000"/>
-              </a:schemeClr>
-            </a:gs>
-          </a:gsLst>
-          <a:lin ang="5400000" scaled="0"/>
-        </a:gradFill>
+        <a:blipFill rotWithShape="1">
+          <a:blip xmlns:r="http://schemas.openxmlformats.org/officeDocument/2006/relationships" r:embed="rId1"/>
+          <a:stretch/>
+        </a:blipFill>
       </a:bgFillStyleLst>
     </a:fmtScheme>
   </a:themeElements>
@@ -4321,7 +6732,7 @@
   <a:extraClrSchemeLst/>
   <a:extLst>
     <a:ext uri="{05A4C25C-085E-4340-85A3-A5531E510DB2}">
-      <thm15:themeFamily xmlns:thm15="http://schemas.microsoft.com/office/thememl/2012/main" name="Office Theme" id="{62F939B6-93AF-4DB8-9C6B-D6C7DFDC589F}" vid="{4A3C46E8-61CC-4603-A589-7422A47A8E4A}"/>
+      <thm15:themeFamily xmlns:thm15="http://schemas.microsoft.com/office/thememl/2012/main" name="Madison" id="{025CB5FB-2DD3-45EE-B6F0-CC461540EB19}" vid="{178B2DAB-5DDE-4060-A857-D2E1CDA9250F}"/>
     </a:ext>
   </a:extLst>
 </a:theme>
